--- a/3rd/LI4/Entregas Intermédias/Checkpoint2.pptx
+++ b/3rd/LI4/Entregas Intermédias/Checkpoint2.pptx
@@ -6,20 +6,25 @@
     <p:sldMasterId id="2147483661" r:id="rId2"/>
   </p:sldMasterIdLst>
   <p:notesMasterIdLst>
-    <p:notesMasterId r:id="rId14"/>
+    <p:notesMasterId r:id="rId19"/>
   </p:notesMasterIdLst>
   <p:sldIdLst>
     <p:sldId id="256" r:id="rId3"/>
     <p:sldId id="257" r:id="rId4"/>
-    <p:sldId id="260" r:id="rId5"/>
-    <p:sldId id="261" r:id="rId6"/>
-    <p:sldId id="258" r:id="rId7"/>
-    <p:sldId id="262" r:id="rId8"/>
+    <p:sldId id="258" r:id="rId5"/>
+    <p:sldId id="260" r:id="rId6"/>
+    <p:sldId id="262" r:id="rId7"/>
+    <p:sldId id="264" r:id="rId8"/>
     <p:sldId id="263" r:id="rId9"/>
-    <p:sldId id="264" r:id="rId10"/>
+    <p:sldId id="261" r:id="rId10"/>
     <p:sldId id="265" r:id="rId11"/>
     <p:sldId id="259" r:id="rId12"/>
     <p:sldId id="266" r:id="rId13"/>
+    <p:sldId id="267" r:id="rId14"/>
+    <p:sldId id="268" r:id="rId15"/>
+    <p:sldId id="269" r:id="rId16"/>
+    <p:sldId id="270" r:id="rId17"/>
+    <p:sldId id="271" r:id="rId18"/>
   </p:sldIdLst>
   <p:sldSz cx="12192000" cy="6858000"/>
   <p:notesSz cx="7559675" cy="10691813"/>
@@ -208,7 +213,7 @@
           <a:p>
             <a:fld id="{7146F8A6-8B2C-444D-9D6E-E37C97B6958D}" type="datetimeFigureOut">
               <a:rPr lang="pt-PT" smtClean="0"/>
-              <a:t>29/11/22</a:t>
+              <a:t>15/05/23</a:t>
             </a:fld>
             <a:endParaRPr lang="pt-PT"/>
           </a:p>
@@ -550,6 +555,1182 @@
     <p:extLst>
       <p:ext uri="{BB962C8B-B14F-4D97-AF65-F5344CB8AC3E}">
         <p14:creationId xmlns:p14="http://schemas.microsoft.com/office/powerpoint/2010/main" val="1175003814"/>
+      </p:ext>
+    </p:extLst>
+  </p:cSld>
+  <p:clrMapOvr>
+    <a:masterClrMapping/>
+  </p:clrMapOvr>
+</p:notes>
+</file>
+
+<file path=ppt/notesSlides/notesSlide10.xml><?xml version="1.0" encoding="utf-8"?>
+<p:notes xmlns:a="http://schemas.openxmlformats.org/drawingml/2006/main" xmlns:r="http://schemas.openxmlformats.org/officeDocument/2006/relationships" xmlns:p="http://schemas.openxmlformats.org/presentationml/2006/main">
+  <p:cSld>
+    <p:spTree>
+      <p:nvGrpSpPr>
+        <p:cNvPr id="1" name=""/>
+        <p:cNvGrpSpPr/>
+        <p:nvPr/>
+      </p:nvGrpSpPr>
+      <p:grpSpPr>
+        <a:xfrm>
+          <a:off x="0" y="0"/>
+          <a:ext cx="0" cy="0"/>
+          <a:chOff x="0" y="0"/>
+          <a:chExt cx="0" cy="0"/>
+        </a:xfrm>
+      </p:grpSpPr>
+      <p:sp>
+        <p:nvSpPr>
+          <p:cNvPr id="2" name="Marcador de Posição da Imagem do Diapositivo 1"/>
+          <p:cNvSpPr>
+            <a:spLocks noGrp="1" noRot="1" noChangeAspect="1"/>
+          </p:cNvSpPr>
+          <p:nvPr>
+            <p:ph type="sldImg"/>
+          </p:nvPr>
+        </p:nvSpPr>
+        <p:spPr/>
+      </p:sp>
+      <p:sp>
+        <p:nvSpPr>
+          <p:cNvPr id="3" name="Marcador de Posição de Notas 2"/>
+          <p:cNvSpPr>
+            <a:spLocks noGrp="1"/>
+          </p:cNvSpPr>
+          <p:nvPr>
+            <p:ph type="body" idx="1"/>
+          </p:nvPr>
+        </p:nvSpPr>
+        <p:spPr/>
+        <p:txBody>
+          <a:bodyPr/>
+          <a:lstStyle/>
+          <a:p>
+            <a:endParaRPr lang="pt-PT" dirty="0"/>
+          </a:p>
+        </p:txBody>
+      </p:sp>
+      <p:sp>
+        <p:nvSpPr>
+          <p:cNvPr id="4" name="Marcador de Posição do Número do Diapositivo 3"/>
+          <p:cNvSpPr>
+            <a:spLocks noGrp="1"/>
+          </p:cNvSpPr>
+          <p:nvPr>
+            <p:ph type="sldNum" sz="quarter" idx="5"/>
+          </p:nvPr>
+        </p:nvSpPr>
+        <p:spPr/>
+        <p:txBody>
+          <a:bodyPr/>
+          <a:lstStyle/>
+          <a:p>
+            <a:fld id="{D019CB9F-3036-4902-A78B-2839A806CEE0}" type="slidenum">
+              <a:rPr lang="pt-PT" smtClean="0"/>
+              <a:t>11</a:t>
+            </a:fld>
+            <a:endParaRPr lang="pt-PT"/>
+          </a:p>
+        </p:txBody>
+      </p:sp>
+    </p:spTree>
+    <p:extLst>
+      <p:ext uri="{BB962C8B-B14F-4D97-AF65-F5344CB8AC3E}">
+        <p14:creationId xmlns:p14="http://schemas.microsoft.com/office/powerpoint/2010/main" val="1596542916"/>
+      </p:ext>
+    </p:extLst>
+  </p:cSld>
+  <p:clrMapOvr>
+    <a:masterClrMapping/>
+  </p:clrMapOvr>
+</p:notes>
+</file>
+
+<file path=ppt/notesSlides/notesSlide11.xml><?xml version="1.0" encoding="utf-8"?>
+<p:notes xmlns:a="http://schemas.openxmlformats.org/drawingml/2006/main" xmlns:r="http://schemas.openxmlformats.org/officeDocument/2006/relationships" xmlns:p="http://schemas.openxmlformats.org/presentationml/2006/main">
+  <p:cSld>
+    <p:spTree>
+      <p:nvGrpSpPr>
+        <p:cNvPr id="1" name=""/>
+        <p:cNvGrpSpPr/>
+        <p:nvPr/>
+      </p:nvGrpSpPr>
+      <p:grpSpPr>
+        <a:xfrm>
+          <a:off x="0" y="0"/>
+          <a:ext cx="0" cy="0"/>
+          <a:chOff x="0" y="0"/>
+          <a:chExt cx="0" cy="0"/>
+        </a:xfrm>
+      </p:grpSpPr>
+      <p:sp>
+        <p:nvSpPr>
+          <p:cNvPr id="2" name="Marcador de Posição da Imagem do Diapositivo 1"/>
+          <p:cNvSpPr>
+            <a:spLocks noGrp="1" noRot="1" noChangeAspect="1"/>
+          </p:cNvSpPr>
+          <p:nvPr>
+            <p:ph type="sldImg"/>
+          </p:nvPr>
+        </p:nvSpPr>
+        <p:spPr/>
+      </p:sp>
+      <p:sp>
+        <p:nvSpPr>
+          <p:cNvPr id="3" name="Marcador de Posição de Notas 2"/>
+          <p:cNvSpPr>
+            <a:spLocks noGrp="1"/>
+          </p:cNvSpPr>
+          <p:nvPr>
+            <p:ph type="body" idx="1"/>
+          </p:nvPr>
+        </p:nvSpPr>
+        <p:spPr/>
+        <p:txBody>
+          <a:bodyPr/>
+          <a:lstStyle/>
+          <a:p>
+            <a:endParaRPr lang="pt-PT" dirty="0"/>
+          </a:p>
+        </p:txBody>
+      </p:sp>
+      <p:sp>
+        <p:nvSpPr>
+          <p:cNvPr id="4" name="Marcador de Posição do Número do Diapositivo 3"/>
+          <p:cNvSpPr>
+            <a:spLocks noGrp="1"/>
+          </p:cNvSpPr>
+          <p:nvPr>
+            <p:ph type="sldNum" sz="quarter" idx="5"/>
+          </p:nvPr>
+        </p:nvSpPr>
+        <p:spPr/>
+        <p:txBody>
+          <a:bodyPr/>
+          <a:lstStyle/>
+          <a:p>
+            <a:fld id="{D019CB9F-3036-4902-A78B-2839A806CEE0}" type="slidenum">
+              <a:rPr lang="pt-PT" smtClean="0"/>
+              <a:t>12</a:t>
+            </a:fld>
+            <a:endParaRPr lang="pt-PT"/>
+          </a:p>
+        </p:txBody>
+      </p:sp>
+    </p:spTree>
+    <p:extLst>
+      <p:ext uri="{BB962C8B-B14F-4D97-AF65-F5344CB8AC3E}">
+        <p14:creationId xmlns:p14="http://schemas.microsoft.com/office/powerpoint/2010/main" val="2083415078"/>
+      </p:ext>
+    </p:extLst>
+  </p:cSld>
+  <p:clrMapOvr>
+    <a:masterClrMapping/>
+  </p:clrMapOvr>
+</p:notes>
+</file>
+
+<file path=ppt/notesSlides/notesSlide12.xml><?xml version="1.0" encoding="utf-8"?>
+<p:notes xmlns:a="http://schemas.openxmlformats.org/drawingml/2006/main" xmlns:r="http://schemas.openxmlformats.org/officeDocument/2006/relationships" xmlns:p="http://schemas.openxmlformats.org/presentationml/2006/main">
+  <p:cSld>
+    <p:spTree>
+      <p:nvGrpSpPr>
+        <p:cNvPr id="1" name=""/>
+        <p:cNvGrpSpPr/>
+        <p:nvPr/>
+      </p:nvGrpSpPr>
+      <p:grpSpPr>
+        <a:xfrm>
+          <a:off x="0" y="0"/>
+          <a:ext cx="0" cy="0"/>
+          <a:chOff x="0" y="0"/>
+          <a:chExt cx="0" cy="0"/>
+        </a:xfrm>
+      </p:grpSpPr>
+      <p:sp>
+        <p:nvSpPr>
+          <p:cNvPr id="2" name="Marcador de Posição da Imagem do Diapositivo 1"/>
+          <p:cNvSpPr>
+            <a:spLocks noGrp="1" noRot="1" noChangeAspect="1"/>
+          </p:cNvSpPr>
+          <p:nvPr>
+            <p:ph type="sldImg"/>
+          </p:nvPr>
+        </p:nvSpPr>
+        <p:spPr/>
+      </p:sp>
+      <p:sp>
+        <p:nvSpPr>
+          <p:cNvPr id="3" name="Marcador de Posição de Notas 2"/>
+          <p:cNvSpPr>
+            <a:spLocks noGrp="1"/>
+          </p:cNvSpPr>
+          <p:nvPr>
+            <p:ph type="body" idx="1"/>
+          </p:nvPr>
+        </p:nvSpPr>
+        <p:spPr/>
+        <p:txBody>
+          <a:bodyPr/>
+          <a:lstStyle/>
+          <a:p>
+            <a:endParaRPr lang="pt-PT" dirty="0"/>
+          </a:p>
+        </p:txBody>
+      </p:sp>
+      <p:sp>
+        <p:nvSpPr>
+          <p:cNvPr id="4" name="Marcador de Posição do Número do Diapositivo 3"/>
+          <p:cNvSpPr>
+            <a:spLocks noGrp="1"/>
+          </p:cNvSpPr>
+          <p:nvPr>
+            <p:ph type="sldNum" sz="quarter" idx="5"/>
+          </p:nvPr>
+        </p:nvSpPr>
+        <p:spPr/>
+        <p:txBody>
+          <a:bodyPr/>
+          <a:lstStyle/>
+          <a:p>
+            <a:fld id="{D019CB9F-3036-4902-A78B-2839A806CEE0}" type="slidenum">
+              <a:rPr lang="pt-PT" smtClean="0"/>
+              <a:t>13</a:t>
+            </a:fld>
+            <a:endParaRPr lang="pt-PT"/>
+          </a:p>
+        </p:txBody>
+      </p:sp>
+    </p:spTree>
+    <p:extLst>
+      <p:ext uri="{BB962C8B-B14F-4D97-AF65-F5344CB8AC3E}">
+        <p14:creationId xmlns:p14="http://schemas.microsoft.com/office/powerpoint/2010/main" val="108821018"/>
+      </p:ext>
+    </p:extLst>
+  </p:cSld>
+  <p:clrMapOvr>
+    <a:masterClrMapping/>
+  </p:clrMapOvr>
+</p:notes>
+</file>
+
+<file path=ppt/notesSlides/notesSlide13.xml><?xml version="1.0" encoding="utf-8"?>
+<p:notes xmlns:a="http://schemas.openxmlformats.org/drawingml/2006/main" xmlns:r="http://schemas.openxmlformats.org/officeDocument/2006/relationships" xmlns:p="http://schemas.openxmlformats.org/presentationml/2006/main">
+  <p:cSld>
+    <p:spTree>
+      <p:nvGrpSpPr>
+        <p:cNvPr id="1" name=""/>
+        <p:cNvGrpSpPr/>
+        <p:nvPr/>
+      </p:nvGrpSpPr>
+      <p:grpSpPr>
+        <a:xfrm>
+          <a:off x="0" y="0"/>
+          <a:ext cx="0" cy="0"/>
+          <a:chOff x="0" y="0"/>
+          <a:chExt cx="0" cy="0"/>
+        </a:xfrm>
+      </p:grpSpPr>
+      <p:sp>
+        <p:nvSpPr>
+          <p:cNvPr id="2" name="Marcador de Posição da Imagem do Diapositivo 1"/>
+          <p:cNvSpPr>
+            <a:spLocks noGrp="1" noRot="1" noChangeAspect="1"/>
+          </p:cNvSpPr>
+          <p:nvPr>
+            <p:ph type="sldImg"/>
+          </p:nvPr>
+        </p:nvSpPr>
+        <p:spPr/>
+      </p:sp>
+      <p:sp>
+        <p:nvSpPr>
+          <p:cNvPr id="3" name="Marcador de Posição de Notas 2"/>
+          <p:cNvSpPr>
+            <a:spLocks noGrp="1"/>
+          </p:cNvSpPr>
+          <p:nvPr>
+            <p:ph type="body" idx="1"/>
+          </p:nvPr>
+        </p:nvSpPr>
+        <p:spPr/>
+        <p:txBody>
+          <a:bodyPr/>
+          <a:lstStyle/>
+          <a:p>
+            <a:endParaRPr lang="pt-PT" dirty="0"/>
+          </a:p>
+        </p:txBody>
+      </p:sp>
+      <p:sp>
+        <p:nvSpPr>
+          <p:cNvPr id="4" name="Marcador de Posição do Número do Diapositivo 3"/>
+          <p:cNvSpPr>
+            <a:spLocks noGrp="1"/>
+          </p:cNvSpPr>
+          <p:nvPr>
+            <p:ph type="sldNum" sz="quarter" idx="5"/>
+          </p:nvPr>
+        </p:nvSpPr>
+        <p:spPr/>
+        <p:txBody>
+          <a:bodyPr/>
+          <a:lstStyle/>
+          <a:p>
+            <a:fld id="{D019CB9F-3036-4902-A78B-2839A806CEE0}" type="slidenum">
+              <a:rPr lang="pt-PT" smtClean="0"/>
+              <a:t>14</a:t>
+            </a:fld>
+            <a:endParaRPr lang="pt-PT"/>
+          </a:p>
+        </p:txBody>
+      </p:sp>
+    </p:spTree>
+    <p:extLst>
+      <p:ext uri="{BB962C8B-B14F-4D97-AF65-F5344CB8AC3E}">
+        <p14:creationId xmlns:p14="http://schemas.microsoft.com/office/powerpoint/2010/main" val="1563262809"/>
+      </p:ext>
+    </p:extLst>
+  </p:cSld>
+  <p:clrMapOvr>
+    <a:masterClrMapping/>
+  </p:clrMapOvr>
+</p:notes>
+</file>
+
+<file path=ppt/notesSlides/notesSlide14.xml><?xml version="1.0" encoding="utf-8"?>
+<p:notes xmlns:a="http://schemas.openxmlformats.org/drawingml/2006/main" xmlns:r="http://schemas.openxmlformats.org/officeDocument/2006/relationships" xmlns:p="http://schemas.openxmlformats.org/presentationml/2006/main">
+  <p:cSld>
+    <p:spTree>
+      <p:nvGrpSpPr>
+        <p:cNvPr id="1" name=""/>
+        <p:cNvGrpSpPr/>
+        <p:nvPr/>
+      </p:nvGrpSpPr>
+      <p:grpSpPr>
+        <a:xfrm>
+          <a:off x="0" y="0"/>
+          <a:ext cx="0" cy="0"/>
+          <a:chOff x="0" y="0"/>
+          <a:chExt cx="0" cy="0"/>
+        </a:xfrm>
+      </p:grpSpPr>
+      <p:sp>
+        <p:nvSpPr>
+          <p:cNvPr id="2" name="Marcador de Posição da Imagem do Diapositivo 1"/>
+          <p:cNvSpPr>
+            <a:spLocks noGrp="1" noRot="1" noChangeAspect="1"/>
+          </p:cNvSpPr>
+          <p:nvPr>
+            <p:ph type="sldImg"/>
+          </p:nvPr>
+        </p:nvSpPr>
+        <p:spPr/>
+      </p:sp>
+      <p:sp>
+        <p:nvSpPr>
+          <p:cNvPr id="3" name="Marcador de Posição de Notas 2"/>
+          <p:cNvSpPr>
+            <a:spLocks noGrp="1"/>
+          </p:cNvSpPr>
+          <p:nvPr>
+            <p:ph type="body" idx="1"/>
+          </p:nvPr>
+        </p:nvSpPr>
+        <p:spPr/>
+        <p:txBody>
+          <a:bodyPr/>
+          <a:lstStyle/>
+          <a:p>
+            <a:endParaRPr lang="pt-PT" dirty="0"/>
+          </a:p>
+        </p:txBody>
+      </p:sp>
+      <p:sp>
+        <p:nvSpPr>
+          <p:cNvPr id="4" name="Marcador de Posição do Número do Diapositivo 3"/>
+          <p:cNvSpPr>
+            <a:spLocks noGrp="1"/>
+          </p:cNvSpPr>
+          <p:nvPr>
+            <p:ph type="sldNum" sz="quarter" idx="5"/>
+          </p:nvPr>
+        </p:nvSpPr>
+        <p:spPr/>
+        <p:txBody>
+          <a:bodyPr/>
+          <a:lstStyle/>
+          <a:p>
+            <a:fld id="{D019CB9F-3036-4902-A78B-2839A806CEE0}" type="slidenum">
+              <a:rPr lang="pt-PT" smtClean="0"/>
+              <a:t>15</a:t>
+            </a:fld>
+            <a:endParaRPr lang="pt-PT"/>
+          </a:p>
+        </p:txBody>
+      </p:sp>
+    </p:spTree>
+    <p:extLst>
+      <p:ext uri="{BB962C8B-B14F-4D97-AF65-F5344CB8AC3E}">
+        <p14:creationId xmlns:p14="http://schemas.microsoft.com/office/powerpoint/2010/main" val="1680221779"/>
+      </p:ext>
+    </p:extLst>
+  </p:cSld>
+  <p:clrMapOvr>
+    <a:masterClrMapping/>
+  </p:clrMapOvr>
+</p:notes>
+</file>
+
+<file path=ppt/notesSlides/notesSlide15.xml><?xml version="1.0" encoding="utf-8"?>
+<p:notes xmlns:a="http://schemas.openxmlformats.org/drawingml/2006/main" xmlns:r="http://schemas.openxmlformats.org/officeDocument/2006/relationships" xmlns:p="http://schemas.openxmlformats.org/presentationml/2006/main">
+  <p:cSld>
+    <p:spTree>
+      <p:nvGrpSpPr>
+        <p:cNvPr id="1" name=""/>
+        <p:cNvGrpSpPr/>
+        <p:nvPr/>
+      </p:nvGrpSpPr>
+      <p:grpSpPr>
+        <a:xfrm>
+          <a:off x="0" y="0"/>
+          <a:ext cx="0" cy="0"/>
+          <a:chOff x="0" y="0"/>
+          <a:chExt cx="0" cy="0"/>
+        </a:xfrm>
+      </p:grpSpPr>
+      <p:sp>
+        <p:nvSpPr>
+          <p:cNvPr id="2" name="Marcador de Posição da Imagem do Diapositivo 1"/>
+          <p:cNvSpPr>
+            <a:spLocks noGrp="1" noRot="1" noChangeAspect="1"/>
+          </p:cNvSpPr>
+          <p:nvPr>
+            <p:ph type="sldImg"/>
+          </p:nvPr>
+        </p:nvSpPr>
+        <p:spPr/>
+      </p:sp>
+      <p:sp>
+        <p:nvSpPr>
+          <p:cNvPr id="3" name="Marcador de Posição de Notas 2"/>
+          <p:cNvSpPr>
+            <a:spLocks noGrp="1"/>
+          </p:cNvSpPr>
+          <p:nvPr>
+            <p:ph type="body" idx="1"/>
+          </p:nvPr>
+        </p:nvSpPr>
+        <p:spPr/>
+        <p:txBody>
+          <a:bodyPr/>
+          <a:lstStyle/>
+          <a:p>
+            <a:endParaRPr lang="pt-PT" dirty="0"/>
+          </a:p>
+        </p:txBody>
+      </p:sp>
+      <p:sp>
+        <p:nvSpPr>
+          <p:cNvPr id="4" name="Marcador de Posição do Número do Diapositivo 3"/>
+          <p:cNvSpPr>
+            <a:spLocks noGrp="1"/>
+          </p:cNvSpPr>
+          <p:nvPr>
+            <p:ph type="sldNum" sz="quarter" idx="5"/>
+          </p:nvPr>
+        </p:nvSpPr>
+        <p:spPr/>
+        <p:txBody>
+          <a:bodyPr/>
+          <a:lstStyle/>
+          <a:p>
+            <a:fld id="{D019CB9F-3036-4902-A78B-2839A806CEE0}" type="slidenum">
+              <a:rPr lang="pt-PT" smtClean="0"/>
+              <a:t>16</a:t>
+            </a:fld>
+            <a:endParaRPr lang="pt-PT"/>
+          </a:p>
+        </p:txBody>
+      </p:sp>
+    </p:spTree>
+    <p:extLst>
+      <p:ext uri="{BB962C8B-B14F-4D97-AF65-F5344CB8AC3E}">
+        <p14:creationId xmlns:p14="http://schemas.microsoft.com/office/powerpoint/2010/main" val="269058197"/>
+      </p:ext>
+    </p:extLst>
+  </p:cSld>
+  <p:clrMapOvr>
+    <a:masterClrMapping/>
+  </p:clrMapOvr>
+</p:notes>
+</file>
+
+<file path=ppt/notesSlides/notesSlide2.xml><?xml version="1.0" encoding="utf-8"?>
+<p:notes xmlns:a="http://schemas.openxmlformats.org/drawingml/2006/main" xmlns:r="http://schemas.openxmlformats.org/officeDocument/2006/relationships" xmlns:p="http://schemas.openxmlformats.org/presentationml/2006/main">
+  <p:cSld>
+    <p:spTree>
+      <p:nvGrpSpPr>
+        <p:cNvPr id="1" name=""/>
+        <p:cNvGrpSpPr/>
+        <p:nvPr/>
+      </p:nvGrpSpPr>
+      <p:grpSpPr>
+        <a:xfrm>
+          <a:off x="0" y="0"/>
+          <a:ext cx="0" cy="0"/>
+          <a:chOff x="0" y="0"/>
+          <a:chExt cx="0" cy="0"/>
+        </a:xfrm>
+      </p:grpSpPr>
+      <p:sp>
+        <p:nvSpPr>
+          <p:cNvPr id="2" name="Marcador de Posição da Imagem do Diapositivo 1"/>
+          <p:cNvSpPr>
+            <a:spLocks noGrp="1" noRot="1" noChangeAspect="1"/>
+          </p:cNvSpPr>
+          <p:nvPr>
+            <p:ph type="sldImg"/>
+          </p:nvPr>
+        </p:nvSpPr>
+        <p:spPr/>
+      </p:sp>
+      <p:sp>
+        <p:nvSpPr>
+          <p:cNvPr id="3" name="Marcador de Posição de Notas 2"/>
+          <p:cNvSpPr>
+            <a:spLocks noGrp="1"/>
+          </p:cNvSpPr>
+          <p:nvPr>
+            <p:ph type="body" idx="1"/>
+          </p:nvPr>
+        </p:nvSpPr>
+        <p:spPr/>
+        <p:txBody>
+          <a:bodyPr/>
+          <a:lstStyle/>
+          <a:p>
+            <a:endParaRPr lang="pt-PT" dirty="0"/>
+          </a:p>
+        </p:txBody>
+      </p:sp>
+      <p:sp>
+        <p:nvSpPr>
+          <p:cNvPr id="4" name="Marcador de Posição do Número do Diapositivo 3"/>
+          <p:cNvSpPr>
+            <a:spLocks noGrp="1"/>
+          </p:cNvSpPr>
+          <p:nvPr>
+            <p:ph type="sldNum" sz="quarter" idx="5"/>
+          </p:nvPr>
+        </p:nvSpPr>
+        <p:spPr/>
+        <p:txBody>
+          <a:bodyPr/>
+          <a:lstStyle/>
+          <a:p>
+            <a:fld id="{D019CB9F-3036-4902-A78B-2839A806CEE0}" type="slidenum">
+              <a:rPr lang="pt-PT" smtClean="0"/>
+              <a:t>3</a:t>
+            </a:fld>
+            <a:endParaRPr lang="pt-PT"/>
+          </a:p>
+        </p:txBody>
+      </p:sp>
+    </p:spTree>
+    <p:extLst>
+      <p:ext uri="{BB962C8B-B14F-4D97-AF65-F5344CB8AC3E}">
+        <p14:creationId xmlns:p14="http://schemas.microsoft.com/office/powerpoint/2010/main" val="442023108"/>
+      </p:ext>
+    </p:extLst>
+  </p:cSld>
+  <p:clrMapOvr>
+    <a:masterClrMapping/>
+  </p:clrMapOvr>
+</p:notes>
+</file>
+
+<file path=ppt/notesSlides/notesSlide3.xml><?xml version="1.0" encoding="utf-8"?>
+<p:notes xmlns:a="http://schemas.openxmlformats.org/drawingml/2006/main" xmlns:r="http://schemas.openxmlformats.org/officeDocument/2006/relationships" xmlns:p="http://schemas.openxmlformats.org/presentationml/2006/main">
+  <p:cSld>
+    <p:spTree>
+      <p:nvGrpSpPr>
+        <p:cNvPr id="1" name=""/>
+        <p:cNvGrpSpPr/>
+        <p:nvPr/>
+      </p:nvGrpSpPr>
+      <p:grpSpPr>
+        <a:xfrm>
+          <a:off x="0" y="0"/>
+          <a:ext cx="0" cy="0"/>
+          <a:chOff x="0" y="0"/>
+          <a:chExt cx="0" cy="0"/>
+        </a:xfrm>
+      </p:grpSpPr>
+      <p:sp>
+        <p:nvSpPr>
+          <p:cNvPr id="2" name="Marcador de Posição da Imagem do Diapositivo 1"/>
+          <p:cNvSpPr>
+            <a:spLocks noGrp="1" noRot="1" noChangeAspect="1"/>
+          </p:cNvSpPr>
+          <p:nvPr>
+            <p:ph type="sldImg"/>
+          </p:nvPr>
+        </p:nvSpPr>
+        <p:spPr/>
+      </p:sp>
+      <p:sp>
+        <p:nvSpPr>
+          <p:cNvPr id="3" name="Marcador de Posição de Notas 2"/>
+          <p:cNvSpPr>
+            <a:spLocks noGrp="1"/>
+          </p:cNvSpPr>
+          <p:nvPr>
+            <p:ph type="body" idx="1"/>
+          </p:nvPr>
+        </p:nvSpPr>
+        <p:spPr/>
+        <p:txBody>
+          <a:bodyPr/>
+          <a:lstStyle/>
+          <a:p>
+            <a:endParaRPr lang="pt-PT" dirty="0"/>
+          </a:p>
+        </p:txBody>
+      </p:sp>
+      <p:sp>
+        <p:nvSpPr>
+          <p:cNvPr id="4" name="Marcador de Posição do Número do Diapositivo 3"/>
+          <p:cNvSpPr>
+            <a:spLocks noGrp="1"/>
+          </p:cNvSpPr>
+          <p:nvPr>
+            <p:ph type="sldNum" sz="quarter" idx="5"/>
+          </p:nvPr>
+        </p:nvSpPr>
+        <p:spPr/>
+        <p:txBody>
+          <a:bodyPr/>
+          <a:lstStyle/>
+          <a:p>
+            <a:fld id="{D019CB9F-3036-4902-A78B-2839A806CEE0}" type="slidenum">
+              <a:rPr lang="pt-PT" smtClean="0"/>
+              <a:t>4</a:t>
+            </a:fld>
+            <a:endParaRPr lang="pt-PT"/>
+          </a:p>
+        </p:txBody>
+      </p:sp>
+    </p:spTree>
+    <p:extLst>
+      <p:ext uri="{BB962C8B-B14F-4D97-AF65-F5344CB8AC3E}">
+        <p14:creationId xmlns:p14="http://schemas.microsoft.com/office/powerpoint/2010/main" val="698763498"/>
+      </p:ext>
+    </p:extLst>
+  </p:cSld>
+  <p:clrMapOvr>
+    <a:masterClrMapping/>
+  </p:clrMapOvr>
+</p:notes>
+</file>
+
+<file path=ppt/notesSlides/notesSlide4.xml><?xml version="1.0" encoding="utf-8"?>
+<p:notes xmlns:a="http://schemas.openxmlformats.org/drawingml/2006/main" xmlns:r="http://schemas.openxmlformats.org/officeDocument/2006/relationships" xmlns:p="http://schemas.openxmlformats.org/presentationml/2006/main">
+  <p:cSld>
+    <p:spTree>
+      <p:nvGrpSpPr>
+        <p:cNvPr id="1" name=""/>
+        <p:cNvGrpSpPr/>
+        <p:nvPr/>
+      </p:nvGrpSpPr>
+      <p:grpSpPr>
+        <a:xfrm>
+          <a:off x="0" y="0"/>
+          <a:ext cx="0" cy="0"/>
+          <a:chOff x="0" y="0"/>
+          <a:chExt cx="0" cy="0"/>
+        </a:xfrm>
+      </p:grpSpPr>
+      <p:sp>
+        <p:nvSpPr>
+          <p:cNvPr id="2" name="Marcador de Posição da Imagem do Diapositivo 1"/>
+          <p:cNvSpPr>
+            <a:spLocks noGrp="1" noRot="1" noChangeAspect="1"/>
+          </p:cNvSpPr>
+          <p:nvPr>
+            <p:ph type="sldImg"/>
+          </p:nvPr>
+        </p:nvSpPr>
+        <p:spPr/>
+      </p:sp>
+      <p:sp>
+        <p:nvSpPr>
+          <p:cNvPr id="3" name="Marcador de Posição de Notas 2"/>
+          <p:cNvSpPr>
+            <a:spLocks noGrp="1"/>
+          </p:cNvSpPr>
+          <p:nvPr>
+            <p:ph type="body" idx="1"/>
+          </p:nvPr>
+        </p:nvSpPr>
+        <p:spPr/>
+        <p:txBody>
+          <a:bodyPr/>
+          <a:lstStyle/>
+          <a:p>
+            <a:endParaRPr lang="pt-PT" dirty="0"/>
+          </a:p>
+        </p:txBody>
+      </p:sp>
+      <p:sp>
+        <p:nvSpPr>
+          <p:cNvPr id="4" name="Marcador de Posição do Número do Diapositivo 3"/>
+          <p:cNvSpPr>
+            <a:spLocks noGrp="1"/>
+          </p:cNvSpPr>
+          <p:nvPr>
+            <p:ph type="sldNum" sz="quarter" idx="5"/>
+          </p:nvPr>
+        </p:nvSpPr>
+        <p:spPr/>
+        <p:txBody>
+          <a:bodyPr/>
+          <a:lstStyle/>
+          <a:p>
+            <a:fld id="{D019CB9F-3036-4902-A78B-2839A806CEE0}" type="slidenum">
+              <a:rPr lang="pt-PT" smtClean="0"/>
+              <a:t>5</a:t>
+            </a:fld>
+            <a:endParaRPr lang="pt-PT"/>
+          </a:p>
+        </p:txBody>
+      </p:sp>
+    </p:spTree>
+    <p:extLst>
+      <p:ext uri="{BB962C8B-B14F-4D97-AF65-F5344CB8AC3E}">
+        <p14:creationId xmlns:p14="http://schemas.microsoft.com/office/powerpoint/2010/main" val="1124251736"/>
+      </p:ext>
+    </p:extLst>
+  </p:cSld>
+  <p:clrMapOvr>
+    <a:masterClrMapping/>
+  </p:clrMapOvr>
+</p:notes>
+</file>
+
+<file path=ppt/notesSlides/notesSlide5.xml><?xml version="1.0" encoding="utf-8"?>
+<p:notes xmlns:a="http://schemas.openxmlformats.org/drawingml/2006/main" xmlns:r="http://schemas.openxmlformats.org/officeDocument/2006/relationships" xmlns:p="http://schemas.openxmlformats.org/presentationml/2006/main">
+  <p:cSld>
+    <p:spTree>
+      <p:nvGrpSpPr>
+        <p:cNvPr id="1" name=""/>
+        <p:cNvGrpSpPr/>
+        <p:nvPr/>
+      </p:nvGrpSpPr>
+      <p:grpSpPr>
+        <a:xfrm>
+          <a:off x="0" y="0"/>
+          <a:ext cx="0" cy="0"/>
+          <a:chOff x="0" y="0"/>
+          <a:chExt cx="0" cy="0"/>
+        </a:xfrm>
+      </p:grpSpPr>
+      <p:sp>
+        <p:nvSpPr>
+          <p:cNvPr id="2" name="Marcador de Posição da Imagem do Diapositivo 1"/>
+          <p:cNvSpPr>
+            <a:spLocks noGrp="1" noRot="1" noChangeAspect="1"/>
+          </p:cNvSpPr>
+          <p:nvPr>
+            <p:ph type="sldImg"/>
+          </p:nvPr>
+        </p:nvSpPr>
+        <p:spPr/>
+      </p:sp>
+      <p:sp>
+        <p:nvSpPr>
+          <p:cNvPr id="3" name="Marcador de Posição de Notas 2"/>
+          <p:cNvSpPr>
+            <a:spLocks noGrp="1"/>
+          </p:cNvSpPr>
+          <p:nvPr>
+            <p:ph type="body" idx="1"/>
+          </p:nvPr>
+        </p:nvSpPr>
+        <p:spPr/>
+        <p:txBody>
+          <a:bodyPr/>
+          <a:lstStyle/>
+          <a:p>
+            <a:endParaRPr lang="pt-PT" dirty="0"/>
+          </a:p>
+        </p:txBody>
+      </p:sp>
+      <p:sp>
+        <p:nvSpPr>
+          <p:cNvPr id="4" name="Marcador de Posição do Número do Diapositivo 3"/>
+          <p:cNvSpPr>
+            <a:spLocks noGrp="1"/>
+          </p:cNvSpPr>
+          <p:nvPr>
+            <p:ph type="sldNum" sz="quarter" idx="5"/>
+          </p:nvPr>
+        </p:nvSpPr>
+        <p:spPr/>
+        <p:txBody>
+          <a:bodyPr/>
+          <a:lstStyle/>
+          <a:p>
+            <a:fld id="{D019CB9F-3036-4902-A78B-2839A806CEE0}" type="slidenum">
+              <a:rPr lang="pt-PT" smtClean="0"/>
+              <a:t>6</a:t>
+            </a:fld>
+            <a:endParaRPr lang="pt-PT"/>
+          </a:p>
+        </p:txBody>
+      </p:sp>
+    </p:spTree>
+    <p:extLst>
+      <p:ext uri="{BB962C8B-B14F-4D97-AF65-F5344CB8AC3E}">
+        <p14:creationId xmlns:p14="http://schemas.microsoft.com/office/powerpoint/2010/main" val="4261971518"/>
+      </p:ext>
+    </p:extLst>
+  </p:cSld>
+  <p:clrMapOvr>
+    <a:masterClrMapping/>
+  </p:clrMapOvr>
+</p:notes>
+</file>
+
+<file path=ppt/notesSlides/notesSlide6.xml><?xml version="1.0" encoding="utf-8"?>
+<p:notes xmlns:a="http://schemas.openxmlformats.org/drawingml/2006/main" xmlns:r="http://schemas.openxmlformats.org/officeDocument/2006/relationships" xmlns:p="http://schemas.openxmlformats.org/presentationml/2006/main">
+  <p:cSld>
+    <p:spTree>
+      <p:nvGrpSpPr>
+        <p:cNvPr id="1" name=""/>
+        <p:cNvGrpSpPr/>
+        <p:nvPr/>
+      </p:nvGrpSpPr>
+      <p:grpSpPr>
+        <a:xfrm>
+          <a:off x="0" y="0"/>
+          <a:ext cx="0" cy="0"/>
+          <a:chOff x="0" y="0"/>
+          <a:chExt cx="0" cy="0"/>
+        </a:xfrm>
+      </p:grpSpPr>
+      <p:sp>
+        <p:nvSpPr>
+          <p:cNvPr id="2" name="Marcador de Posição da Imagem do Diapositivo 1"/>
+          <p:cNvSpPr>
+            <a:spLocks noGrp="1" noRot="1" noChangeAspect="1"/>
+          </p:cNvSpPr>
+          <p:nvPr>
+            <p:ph type="sldImg"/>
+          </p:nvPr>
+        </p:nvSpPr>
+        <p:spPr/>
+      </p:sp>
+      <p:sp>
+        <p:nvSpPr>
+          <p:cNvPr id="3" name="Marcador de Posição de Notas 2"/>
+          <p:cNvSpPr>
+            <a:spLocks noGrp="1"/>
+          </p:cNvSpPr>
+          <p:nvPr>
+            <p:ph type="body" idx="1"/>
+          </p:nvPr>
+        </p:nvSpPr>
+        <p:spPr/>
+        <p:txBody>
+          <a:bodyPr/>
+          <a:lstStyle/>
+          <a:p>
+            <a:endParaRPr lang="pt-PT" dirty="0"/>
+          </a:p>
+        </p:txBody>
+      </p:sp>
+      <p:sp>
+        <p:nvSpPr>
+          <p:cNvPr id="4" name="Marcador de Posição do Número do Diapositivo 3"/>
+          <p:cNvSpPr>
+            <a:spLocks noGrp="1"/>
+          </p:cNvSpPr>
+          <p:nvPr>
+            <p:ph type="sldNum" sz="quarter" idx="5"/>
+          </p:nvPr>
+        </p:nvSpPr>
+        <p:spPr/>
+        <p:txBody>
+          <a:bodyPr/>
+          <a:lstStyle/>
+          <a:p>
+            <a:fld id="{D019CB9F-3036-4902-A78B-2839A806CEE0}" type="slidenum">
+              <a:rPr lang="pt-PT" smtClean="0"/>
+              <a:t>7</a:t>
+            </a:fld>
+            <a:endParaRPr lang="pt-PT"/>
+          </a:p>
+        </p:txBody>
+      </p:sp>
+    </p:spTree>
+    <p:extLst>
+      <p:ext uri="{BB962C8B-B14F-4D97-AF65-F5344CB8AC3E}">
+        <p14:creationId xmlns:p14="http://schemas.microsoft.com/office/powerpoint/2010/main" val="2816946618"/>
+      </p:ext>
+    </p:extLst>
+  </p:cSld>
+  <p:clrMapOvr>
+    <a:masterClrMapping/>
+  </p:clrMapOvr>
+</p:notes>
+</file>
+
+<file path=ppt/notesSlides/notesSlide7.xml><?xml version="1.0" encoding="utf-8"?>
+<p:notes xmlns:a="http://schemas.openxmlformats.org/drawingml/2006/main" xmlns:r="http://schemas.openxmlformats.org/officeDocument/2006/relationships" xmlns:p="http://schemas.openxmlformats.org/presentationml/2006/main">
+  <p:cSld>
+    <p:spTree>
+      <p:nvGrpSpPr>
+        <p:cNvPr id="1" name=""/>
+        <p:cNvGrpSpPr/>
+        <p:nvPr/>
+      </p:nvGrpSpPr>
+      <p:grpSpPr>
+        <a:xfrm>
+          <a:off x="0" y="0"/>
+          <a:ext cx="0" cy="0"/>
+          <a:chOff x="0" y="0"/>
+          <a:chExt cx="0" cy="0"/>
+        </a:xfrm>
+      </p:grpSpPr>
+      <p:sp>
+        <p:nvSpPr>
+          <p:cNvPr id="2" name="Marcador de Posição da Imagem do Diapositivo 1"/>
+          <p:cNvSpPr>
+            <a:spLocks noGrp="1" noRot="1" noChangeAspect="1"/>
+          </p:cNvSpPr>
+          <p:nvPr>
+            <p:ph type="sldImg"/>
+          </p:nvPr>
+        </p:nvSpPr>
+        <p:spPr/>
+      </p:sp>
+      <p:sp>
+        <p:nvSpPr>
+          <p:cNvPr id="3" name="Marcador de Posição de Notas 2"/>
+          <p:cNvSpPr>
+            <a:spLocks noGrp="1"/>
+          </p:cNvSpPr>
+          <p:nvPr>
+            <p:ph type="body" idx="1"/>
+          </p:nvPr>
+        </p:nvSpPr>
+        <p:spPr/>
+        <p:txBody>
+          <a:bodyPr/>
+          <a:lstStyle/>
+          <a:p>
+            <a:endParaRPr lang="pt-PT" dirty="0"/>
+          </a:p>
+        </p:txBody>
+      </p:sp>
+      <p:sp>
+        <p:nvSpPr>
+          <p:cNvPr id="4" name="Marcador de Posição do Número do Diapositivo 3"/>
+          <p:cNvSpPr>
+            <a:spLocks noGrp="1"/>
+          </p:cNvSpPr>
+          <p:nvPr>
+            <p:ph type="sldNum" sz="quarter" idx="5"/>
+          </p:nvPr>
+        </p:nvSpPr>
+        <p:spPr/>
+        <p:txBody>
+          <a:bodyPr/>
+          <a:lstStyle/>
+          <a:p>
+            <a:fld id="{D019CB9F-3036-4902-A78B-2839A806CEE0}" type="slidenum">
+              <a:rPr lang="pt-PT" smtClean="0"/>
+              <a:t>8</a:t>
+            </a:fld>
+            <a:endParaRPr lang="pt-PT"/>
+          </a:p>
+        </p:txBody>
+      </p:sp>
+    </p:spTree>
+    <p:extLst>
+      <p:ext uri="{BB962C8B-B14F-4D97-AF65-F5344CB8AC3E}">
+        <p14:creationId xmlns:p14="http://schemas.microsoft.com/office/powerpoint/2010/main" val="3784334920"/>
+      </p:ext>
+    </p:extLst>
+  </p:cSld>
+  <p:clrMapOvr>
+    <a:masterClrMapping/>
+  </p:clrMapOvr>
+</p:notes>
+</file>
+
+<file path=ppt/notesSlides/notesSlide8.xml><?xml version="1.0" encoding="utf-8"?>
+<p:notes xmlns:a="http://schemas.openxmlformats.org/drawingml/2006/main" xmlns:r="http://schemas.openxmlformats.org/officeDocument/2006/relationships" xmlns:p="http://schemas.openxmlformats.org/presentationml/2006/main">
+  <p:cSld>
+    <p:spTree>
+      <p:nvGrpSpPr>
+        <p:cNvPr id="1" name=""/>
+        <p:cNvGrpSpPr/>
+        <p:nvPr/>
+      </p:nvGrpSpPr>
+      <p:grpSpPr>
+        <a:xfrm>
+          <a:off x="0" y="0"/>
+          <a:ext cx="0" cy="0"/>
+          <a:chOff x="0" y="0"/>
+          <a:chExt cx="0" cy="0"/>
+        </a:xfrm>
+      </p:grpSpPr>
+      <p:sp>
+        <p:nvSpPr>
+          <p:cNvPr id="2" name="Marcador de Posição da Imagem do Diapositivo 1"/>
+          <p:cNvSpPr>
+            <a:spLocks noGrp="1" noRot="1" noChangeAspect="1"/>
+          </p:cNvSpPr>
+          <p:nvPr>
+            <p:ph type="sldImg"/>
+          </p:nvPr>
+        </p:nvSpPr>
+        <p:spPr/>
+      </p:sp>
+      <p:sp>
+        <p:nvSpPr>
+          <p:cNvPr id="3" name="Marcador de Posição de Notas 2"/>
+          <p:cNvSpPr>
+            <a:spLocks noGrp="1"/>
+          </p:cNvSpPr>
+          <p:nvPr>
+            <p:ph type="body" idx="1"/>
+          </p:nvPr>
+        </p:nvSpPr>
+        <p:spPr/>
+        <p:txBody>
+          <a:bodyPr/>
+          <a:lstStyle/>
+          <a:p>
+            <a:endParaRPr lang="pt-PT" dirty="0"/>
+          </a:p>
+        </p:txBody>
+      </p:sp>
+      <p:sp>
+        <p:nvSpPr>
+          <p:cNvPr id="4" name="Marcador de Posição do Número do Diapositivo 3"/>
+          <p:cNvSpPr>
+            <a:spLocks noGrp="1"/>
+          </p:cNvSpPr>
+          <p:nvPr>
+            <p:ph type="sldNum" sz="quarter" idx="5"/>
+          </p:nvPr>
+        </p:nvSpPr>
+        <p:spPr/>
+        <p:txBody>
+          <a:bodyPr/>
+          <a:lstStyle/>
+          <a:p>
+            <a:fld id="{D019CB9F-3036-4902-A78B-2839A806CEE0}" type="slidenum">
+              <a:rPr lang="pt-PT" smtClean="0"/>
+              <a:t>9</a:t>
+            </a:fld>
+            <a:endParaRPr lang="pt-PT"/>
+          </a:p>
+        </p:txBody>
+      </p:sp>
+    </p:spTree>
+    <p:extLst>
+      <p:ext uri="{BB962C8B-B14F-4D97-AF65-F5344CB8AC3E}">
+        <p14:creationId xmlns:p14="http://schemas.microsoft.com/office/powerpoint/2010/main" val="1323136159"/>
+      </p:ext>
+    </p:extLst>
+  </p:cSld>
+  <p:clrMapOvr>
+    <a:masterClrMapping/>
+  </p:clrMapOvr>
+</p:notes>
+</file>
+
+<file path=ppt/notesSlides/notesSlide9.xml><?xml version="1.0" encoding="utf-8"?>
+<p:notes xmlns:a="http://schemas.openxmlformats.org/drawingml/2006/main" xmlns:r="http://schemas.openxmlformats.org/officeDocument/2006/relationships" xmlns:p="http://schemas.openxmlformats.org/presentationml/2006/main">
+  <p:cSld>
+    <p:spTree>
+      <p:nvGrpSpPr>
+        <p:cNvPr id="1" name=""/>
+        <p:cNvGrpSpPr/>
+        <p:nvPr/>
+      </p:nvGrpSpPr>
+      <p:grpSpPr>
+        <a:xfrm>
+          <a:off x="0" y="0"/>
+          <a:ext cx="0" cy="0"/>
+          <a:chOff x="0" y="0"/>
+          <a:chExt cx="0" cy="0"/>
+        </a:xfrm>
+      </p:grpSpPr>
+      <p:sp>
+        <p:nvSpPr>
+          <p:cNvPr id="2" name="Marcador de Posição da Imagem do Diapositivo 1"/>
+          <p:cNvSpPr>
+            <a:spLocks noGrp="1" noRot="1" noChangeAspect="1"/>
+          </p:cNvSpPr>
+          <p:nvPr>
+            <p:ph type="sldImg"/>
+          </p:nvPr>
+        </p:nvSpPr>
+        <p:spPr/>
+      </p:sp>
+      <p:sp>
+        <p:nvSpPr>
+          <p:cNvPr id="3" name="Marcador de Posição de Notas 2"/>
+          <p:cNvSpPr>
+            <a:spLocks noGrp="1"/>
+          </p:cNvSpPr>
+          <p:nvPr>
+            <p:ph type="body" idx="1"/>
+          </p:nvPr>
+        </p:nvSpPr>
+        <p:spPr/>
+        <p:txBody>
+          <a:bodyPr/>
+          <a:lstStyle/>
+          <a:p>
+            <a:endParaRPr lang="pt-PT" dirty="0"/>
+          </a:p>
+        </p:txBody>
+      </p:sp>
+      <p:sp>
+        <p:nvSpPr>
+          <p:cNvPr id="4" name="Marcador de Posição do Número do Diapositivo 3"/>
+          <p:cNvSpPr>
+            <a:spLocks noGrp="1"/>
+          </p:cNvSpPr>
+          <p:nvPr>
+            <p:ph type="sldNum" sz="quarter" idx="5"/>
+          </p:nvPr>
+        </p:nvSpPr>
+        <p:spPr/>
+        <p:txBody>
+          <a:bodyPr/>
+          <a:lstStyle/>
+          <a:p>
+            <a:fld id="{D019CB9F-3036-4902-A78B-2839A806CEE0}" type="slidenum">
+              <a:rPr lang="pt-PT" smtClean="0"/>
+              <a:t>10</a:t>
+            </a:fld>
+            <a:endParaRPr lang="pt-PT"/>
+          </a:p>
+        </p:txBody>
+      </p:sp>
+    </p:spTree>
+    <p:extLst>
+      <p:ext uri="{BB962C8B-B14F-4D97-AF65-F5344CB8AC3E}">
+        <p14:creationId xmlns:p14="http://schemas.microsoft.com/office/powerpoint/2010/main" val="483726645"/>
       </p:ext>
     </p:extLst>
   </p:cSld>
@@ -7657,8 +8838,8 @@
         </p:nvSpPr>
         <p:spPr>
           <a:xfrm>
-            <a:off x="1066680" y="514800"/>
-            <a:ext cx="10058040" cy="3565800"/>
+            <a:off x="1066680" y="998290"/>
+            <a:ext cx="10058040" cy="2919369"/>
           </a:xfrm>
           <a:prstGeom prst="rect">
             <a:avLst/>
@@ -7681,34 +8862,13 @@
               <a:buNone/>
             </a:pPr>
             <a:r>
-              <a:rPr lang="pt-PT" sz="8000" b="0" i="1" strike="noStrike" spc="-52" dirty="0" err="1">
+              <a:rPr lang="pt-PT" sz="6600" b="0" i="1" strike="noStrike" spc="-52" dirty="0">
                 <a:solidFill>
                   <a:srgbClr val="262626"/>
                 </a:solidFill>
                 <a:latin typeface="Calibri Light"/>
               </a:rPr>
-              <a:t>AliFeirex</a:t>
-            </a:r>
-            <a:r>
-              <a:rPr lang="pt-PT" sz="8000" b="0" i="1" strike="noStrike" spc="-52" dirty="0">
-                <a:solidFill>
-                  <a:srgbClr val="262626"/>
-                </a:solidFill>
-                <a:latin typeface="Calibri Light"/>
-              </a:rPr>
-              <a:t> </a:t>
-            </a:r>
-            <a:br>
-              <a:rPr sz="8000" dirty="0"/>
-            </a:br>
-            <a:r>
-              <a:rPr lang="pt-PT" sz="4000" b="0" i="1" strike="noStrike" spc="-52" dirty="0">
-                <a:solidFill>
-                  <a:srgbClr val="262626"/>
-                </a:solidFill>
-                <a:latin typeface="Calibri Light"/>
-              </a:rPr>
-              <a:t>(Aplicação para Feiras Online)</a:t>
+              <a:t>Conceção de modelos de aprendizagem</a:t>
             </a:r>
             <a:endParaRPr lang="en-US" sz="4000" b="0" strike="noStrike" spc="-1" dirty="0">
               <a:solidFill>
@@ -7770,7 +8930,7 @@
                 </a:solidFill>
                 <a:latin typeface="Calibri Light"/>
               </a:rPr>
-              <a:t>Eduardo Pereira, Gonçalo Freitas, Gonçalo Vale, José Martins</a:t>
+              <a:t>Eduardo Pereira, Gonçalo Freitas, Gonçalo Vale </a:t>
             </a:r>
           </a:p>
           <a:p>
@@ -7796,7 +8956,7 @@
                 </a:solidFill>
                 <a:latin typeface="Calibri Light"/>
               </a:rPr>
-              <a:t>(A94881, A96136, A96923, A97903)</a:t>
+              <a:t>(A94881, A96136, A96923)</a:t>
             </a:r>
           </a:p>
         </p:txBody>
@@ -7833,7 +8993,7 @@
         <p:spPr>
           <a:xfrm>
             <a:off x="1411560" y="177480"/>
-            <a:ext cx="3071160" cy="515880"/>
+            <a:ext cx="3420500" cy="521766"/>
           </a:xfrm>
           <a:prstGeom prst="rect">
             <a:avLst/>
@@ -7856,10 +9016,21 @@
           <a:fontRef idx="minor"/>
         </p:style>
         <p:txBody>
-          <a:bodyPr lIns="90000" tIns="45000" rIns="90000" bIns="45000" anchor="t">
+          <a:bodyPr wrap="square" lIns="90000" tIns="45000" rIns="90000" bIns="45000" anchor="t">
             <a:spAutoFit/>
           </a:bodyPr>
           <a:lstStyle/>
+          <a:p>
+            <a:r>
+              <a:rPr lang="pt-PT" sz="1400" spc="-1" dirty="0">
+                <a:solidFill>
+                  <a:srgbClr val="000000"/>
+                </a:solidFill>
+                <a:latin typeface="Calibri Light"/>
+              </a:rPr>
+              <a:t>Aprendizagem e Decisão Inteligentes</a:t>
+            </a:r>
+          </a:p>
           <a:p>
             <a:pPr>
               <a:lnSpc>
@@ -7868,35 +9039,33 @@
               <a:buNone/>
             </a:pPr>
             <a:r>
-              <a:rPr lang="pt-PT" sz="1400" b="0" strike="noStrike" spc="-1">
+              <a:rPr lang="pt-PT" sz="1400" b="0" strike="noStrike" spc="-1" dirty="0">
                 <a:solidFill>
                   <a:srgbClr val="000000"/>
                 </a:solidFill>
                 <a:latin typeface="Calibri Light"/>
               </a:rPr>
-              <a:t>Laboratórios de Informática IV </a:t>
-            </a:r>
-            <a:endParaRPr lang="pt-PT" sz="1400" b="0" strike="noStrike" spc="-1">
-              <a:latin typeface="Arial"/>
-            </a:endParaRPr>
-          </a:p>
-          <a:p>
-            <a:pPr>
-              <a:lnSpc>
-                <a:spcPct val="100000"/>
-              </a:lnSpc>
-              <a:buNone/>
-            </a:pPr>
-            <a:r>
-              <a:rPr lang="pt-PT" sz="1400" b="0" strike="noStrike" spc="-1">
+              <a:t>Ano </a:t>
+            </a:r>
+            <a:r>
+              <a:rPr lang="pt-PT" sz="1400" spc="-1" dirty="0">
                 <a:solidFill>
                   <a:srgbClr val="000000"/>
                 </a:solidFill>
                 <a:latin typeface="Calibri Light"/>
               </a:rPr>
-              <a:t>Ano letivo 2022/2023</a:t>
-            </a:r>
-            <a:endParaRPr lang="pt-PT" sz="1400" b="0" strike="noStrike" spc="-1">
+              <a:t>L</a:t>
+            </a:r>
+            <a:r>
+              <a:rPr lang="pt-PT" sz="1400" b="0" strike="noStrike" spc="-1" dirty="0">
+                <a:solidFill>
+                  <a:srgbClr val="000000"/>
+                </a:solidFill>
+                <a:latin typeface="Calibri Light"/>
+              </a:rPr>
+              <a:t>etivo 2022/2023</a:t>
+            </a:r>
+            <a:endParaRPr lang="pt-PT" sz="1400" b="0" strike="noStrike" spc="-1" dirty="0">
               <a:latin typeface="Arial"/>
             </a:endParaRPr>
           </a:p>
@@ -7979,27 +9148,21 @@
           </a:bodyPr>
           <a:lstStyle/>
           <a:p>
-            <a:pPr algn="ctr">
-              <a:lnSpc>
-                <a:spcPct val="85000"/>
-              </a:lnSpc>
-              <a:buNone/>
+            <a:pPr marL="108000" algn="ctr">
+              <a:spcBef>
+                <a:spcPts val="1417"/>
+              </a:spcBef>
+              <a:buClr>
+                <a:schemeClr val="accent1"/>
+              </a:buClr>
+              <a:buSzPct val="45000"/>
             </a:pPr>
             <a:r>
-              <a:rPr lang="pt-PT" sz="4800" spc="-1" dirty="0" err="1">
-                <a:solidFill>
-                  <a:srgbClr val="000000"/>
-                </a:solidFill>
-                <a:latin typeface="Calibri"/>
-              </a:rPr>
-              <a:t>Mockups</a:t>
-            </a:r>
-            <a:endParaRPr lang="en-US" sz="4800" b="0" strike="noStrike" spc="-1" dirty="0">
-              <a:solidFill>
-                <a:srgbClr val="000000"/>
-              </a:solidFill>
-              <a:latin typeface="Calibri"/>
-            </a:endParaRPr>
+              <a:rPr lang="pt-PT" sz="3600" dirty="0">
+                <a:latin typeface="Arial" panose="020B0604020202020204" pitchFamily="34" charset="0"/>
+              </a:rPr>
+              <a:t>Produção de Vestuário</a:t>
+            </a:r>
           </a:p>
         </p:txBody>
       </p:sp>
@@ -8015,7 +9178,7 @@
         </p:nvSpPr>
         <p:spPr>
           <a:xfrm>
-            <a:off x="1097280" y="1845720"/>
+            <a:off x="1066980" y="1846080"/>
             <a:ext cx="10058040" cy="4023000"/>
           </a:xfrm>
           <a:prstGeom prst="rect">
@@ -8044,23 +9207,156 @@
               <a:buChar char="o"/>
             </a:pPr>
             <a:r>
-              <a:rPr lang="pt-PT" sz="2000" b="0" strike="noStrike" spc="-1" dirty="0">
-                <a:solidFill>
-                  <a:srgbClr val="404040"/>
-                </a:solidFill>
-                <a:latin typeface="Calibri"/>
-              </a:rPr>
-              <a:t>Por fim</a:t>
-            </a:r>
-            <a:r>
               <a:rPr lang="pt-PT" sz="2000" spc="-1" dirty="0">
                 <a:solidFill>
                   <a:srgbClr val="404040"/>
                 </a:solidFill>
                 <a:latin typeface="Calibri"/>
               </a:rPr>
-              <a:t>, de modo a idealizar a nossa página, o seu aspeto, e as funcionalidades da mesma aplicadas em concreto, desenvolveram-se algumas páginas. Mais concretamente, a de login, pagamento e a do carrinho. </a:t>
-            </a:r>
+              <a:t>Objetivos</a:t>
+            </a:r>
+          </a:p>
+          <a:p>
+            <a:pPr marL="450900" indent="-342900">
+              <a:spcBef>
+                <a:spcPts val="1417"/>
+              </a:spcBef>
+              <a:buClr>
+                <a:schemeClr val="accent1"/>
+              </a:buClr>
+              <a:buSzPct val="45000"/>
+              <a:buFont typeface="Courier New" panose="02070309020205020404" pitchFamily="49" charset="0"/>
+              <a:buChar char="o"/>
+            </a:pPr>
+            <a:r>
+              <a:rPr lang="pt-PT" sz="2000" spc="-1" dirty="0">
+                <a:solidFill>
+                  <a:srgbClr val="404040"/>
+                </a:solidFill>
+                <a:latin typeface="Calibri"/>
+              </a:rPr>
+              <a:t>Estudo de dados</a:t>
+            </a:r>
+          </a:p>
+          <a:p>
+            <a:pPr marL="450900" indent="-342900">
+              <a:spcBef>
+                <a:spcPts val="1417"/>
+              </a:spcBef>
+              <a:buClr>
+                <a:schemeClr val="accent1"/>
+              </a:buClr>
+              <a:buSzPct val="45000"/>
+              <a:buFont typeface="Courier New" panose="02070309020205020404" pitchFamily="49" charset="0"/>
+              <a:buChar char="o"/>
+            </a:pPr>
+            <a:r>
+              <a:rPr lang="pt-PT" sz="2000" spc="-1" dirty="0">
+                <a:solidFill>
+                  <a:srgbClr val="404040"/>
+                </a:solidFill>
+                <a:latin typeface="Calibri"/>
+              </a:rPr>
+              <a:t>Preparação de dados</a:t>
+            </a:r>
+          </a:p>
+          <a:p>
+            <a:pPr marL="450900" indent="-342900">
+              <a:spcBef>
+                <a:spcPts val="1417"/>
+              </a:spcBef>
+              <a:buClr>
+                <a:schemeClr val="accent1"/>
+              </a:buClr>
+              <a:buSzPct val="45000"/>
+              <a:buFont typeface="Courier New" panose="02070309020205020404" pitchFamily="49" charset="0"/>
+              <a:buChar char="o"/>
+            </a:pPr>
+            <a:r>
+              <a:rPr lang="pt-PT" sz="2000" spc="-1" dirty="0">
+                <a:solidFill>
+                  <a:srgbClr val="404040"/>
+                </a:solidFill>
+                <a:latin typeface="Calibri"/>
+              </a:rPr>
+              <a:t>Modelação</a:t>
+            </a:r>
+          </a:p>
+          <a:p>
+            <a:pPr marL="450900" indent="-342900">
+              <a:spcBef>
+                <a:spcPts val="1417"/>
+              </a:spcBef>
+              <a:buClr>
+                <a:schemeClr val="accent1"/>
+              </a:buClr>
+              <a:buSzPct val="45000"/>
+              <a:buFont typeface="Courier New" panose="02070309020205020404" pitchFamily="49" charset="0"/>
+              <a:buChar char="o"/>
+            </a:pPr>
+            <a:r>
+              <a:rPr lang="pt-PT" sz="2000" spc="-1" dirty="0">
+                <a:solidFill>
+                  <a:srgbClr val="404040"/>
+                </a:solidFill>
+                <a:latin typeface="Calibri"/>
+              </a:rPr>
+              <a:t>Avaliação</a:t>
+            </a:r>
+          </a:p>
+          <a:p>
+            <a:pPr marL="450900" indent="-342900">
+              <a:spcBef>
+                <a:spcPts val="1417"/>
+              </a:spcBef>
+              <a:buClr>
+                <a:schemeClr val="accent1"/>
+              </a:buClr>
+              <a:buSzPct val="45000"/>
+              <a:buFont typeface="Courier New" panose="02070309020205020404" pitchFamily="49" charset="0"/>
+              <a:buChar char="o"/>
+            </a:pPr>
+            <a:r>
+              <a:rPr lang="pt-PT" sz="2000" spc="-1" dirty="0">
+                <a:solidFill>
+                  <a:srgbClr val="404040"/>
+                </a:solidFill>
+                <a:latin typeface="Calibri"/>
+              </a:rPr>
+              <a:t>Sugestões e Recomendações</a:t>
+            </a:r>
+          </a:p>
+          <a:p>
+            <a:pPr marL="450900" indent="-342900">
+              <a:spcBef>
+                <a:spcPts val="1417"/>
+              </a:spcBef>
+              <a:buClr>
+                <a:schemeClr val="accent1"/>
+              </a:buClr>
+              <a:buSzPct val="45000"/>
+              <a:buFont typeface="Courier New" panose="02070309020205020404" pitchFamily="49" charset="0"/>
+              <a:buChar char="o"/>
+            </a:pPr>
+            <a:endParaRPr lang="pt-PT" sz="2000" b="0" strike="noStrike" spc="-1" dirty="0">
+              <a:solidFill>
+                <a:srgbClr val="404040"/>
+              </a:solidFill>
+              <a:latin typeface="Calibri"/>
+            </a:endParaRPr>
+          </a:p>
+          <a:p>
+            <a:pPr marL="450900" indent="-342900">
+              <a:spcBef>
+                <a:spcPts val="1417"/>
+              </a:spcBef>
+              <a:buClr>
+                <a:schemeClr val="accent1"/>
+              </a:buClr>
+              <a:buSzPct val="45000"/>
+              <a:buFont typeface="Courier New" panose="02070309020205020404" pitchFamily="49" charset="0"/>
+              <a:buChar char="o"/>
+            </a:pPr>
             <a:endParaRPr lang="pt-PT" sz="2000" b="0" strike="noStrike" spc="-1" dirty="0">
               <a:solidFill>
                 <a:srgbClr val="404040"/>
@@ -8077,7 +9373,7 @@
           <p:nvPr/>
         </p:nvPicPr>
         <p:blipFill>
-          <a:blip r:embed="rId2"/>
+          <a:blip r:embed="rId3"/>
           <a:stretch/>
         </p:blipFill>
         <p:spPr>
@@ -8102,7 +9398,7 @@
         <p:spPr>
           <a:xfrm>
             <a:off x="1411560" y="177480"/>
-            <a:ext cx="3071160" cy="521766"/>
+            <a:ext cx="3328220" cy="521766"/>
           </a:xfrm>
           <a:prstGeom prst="rect">
             <a:avLst/>
@@ -8125,10 +9421,21 @@
           <a:fontRef idx="minor"/>
         </p:style>
         <p:txBody>
-          <a:bodyPr lIns="90000" tIns="45000" rIns="90000" bIns="45000" anchor="t">
+          <a:bodyPr wrap="square" lIns="90000" tIns="45000" rIns="90000" bIns="45000" anchor="t">
             <a:spAutoFit/>
           </a:bodyPr>
           <a:lstStyle/>
+          <a:p>
+            <a:r>
+              <a:rPr lang="pt-PT" sz="1400" spc="-1" dirty="0">
+                <a:solidFill>
+                  <a:srgbClr val="000000"/>
+                </a:solidFill>
+                <a:latin typeface="Calibri Light"/>
+              </a:rPr>
+              <a:t>Aprendizagem e Decisão Inteligentes</a:t>
+            </a:r>
+          </a:p>
           <a:p>
             <a:pPr>
               <a:lnSpc>
@@ -8143,26 +9450,6 @@
                 </a:solidFill>
                 <a:latin typeface="Calibri Light"/>
               </a:rPr>
-              <a:t>Laboratórios de Informática IV </a:t>
-            </a:r>
-            <a:endParaRPr lang="pt-PT" sz="1400" b="0" strike="noStrike" spc="-1" dirty="0">
-              <a:latin typeface="Arial"/>
-            </a:endParaRPr>
-          </a:p>
-          <a:p>
-            <a:pPr>
-              <a:lnSpc>
-                <a:spcPct val="100000"/>
-              </a:lnSpc>
-              <a:buNone/>
-            </a:pPr>
-            <a:r>
-              <a:rPr lang="pt-PT" sz="1400" b="0" strike="noStrike" spc="-1" dirty="0">
-                <a:solidFill>
-                  <a:srgbClr val="000000"/>
-                </a:solidFill>
-                <a:latin typeface="Calibri Light"/>
-              </a:rPr>
               <a:t>Ano letivo 2022/2023</a:t>
             </a:r>
             <a:endParaRPr lang="pt-PT" sz="1400" b="0" strike="noStrike" spc="-1" dirty="0">
@@ -8190,155 +9477,14 @@
               <a:rPr/>
               <a:t>10</a:t>
             </a:fld>
-            <a:endParaRPr dirty="0"/>
-          </a:p>
-        </p:txBody>
-      </p:sp>
-      <p:pic>
-        <p:nvPicPr>
-          <p:cNvPr id="1028" name="Picture 4">
-            <a:extLst>
-              <a:ext uri="{FF2B5EF4-FFF2-40B4-BE49-F238E27FC236}">
-                <a16:creationId xmlns:a16="http://schemas.microsoft.com/office/drawing/2014/main" id="{765E0D57-34A9-DCAE-2AF3-7199B4278866}"/>
-              </a:ext>
-            </a:extLst>
-          </p:cNvPr>
-          <p:cNvPicPr>
-            <a:picLocks noChangeAspect="1" noChangeArrowheads="1"/>
-          </p:cNvPicPr>
-          <p:nvPr/>
-        </p:nvPicPr>
-        <p:blipFill>
-          <a:blip r:embed="rId3">
-            <a:extLst>
-              <a:ext uri="{28A0092B-C50C-407E-A947-70E740481C1C}">
-                <a14:useLocalDpi xmlns:a14="http://schemas.microsoft.com/office/drawing/2010/main" val="0"/>
-              </a:ext>
-            </a:extLst>
-          </a:blip>
-          <a:srcRect/>
-          <a:stretch>
-            <a:fillRect/>
-          </a:stretch>
-        </p:blipFill>
-        <p:spPr bwMode="auto">
-          <a:xfrm>
-            <a:off x="77379" y="2764249"/>
-            <a:ext cx="3651521" cy="2058269"/>
-          </a:xfrm>
-          <a:prstGeom prst="rect">
-            <a:avLst/>
-          </a:prstGeom>
-          <a:noFill/>
-          <a:extLst>
-            <a:ext uri="{909E8E84-426E-40DD-AFC4-6F175D3DCCD1}">
-              <a14:hiddenFill xmlns:a14="http://schemas.microsoft.com/office/drawing/2010/main">
-                <a:solidFill>
-                  <a:srgbClr val="FFFFFF"/>
-                </a:solidFill>
-              </a14:hiddenFill>
-            </a:ext>
-          </a:extLst>
-        </p:spPr>
-      </p:pic>
-      <p:pic>
-        <p:nvPicPr>
-          <p:cNvPr id="1032" name="Picture 8">
-            <a:extLst>
-              <a:ext uri="{FF2B5EF4-FFF2-40B4-BE49-F238E27FC236}">
-                <a16:creationId xmlns:a16="http://schemas.microsoft.com/office/drawing/2014/main" id="{E1FC81A1-77EE-92AF-B8B4-964516398205}"/>
-              </a:ext>
-            </a:extLst>
-          </p:cNvPr>
-          <p:cNvPicPr>
-            <a:picLocks noChangeAspect="1" noChangeArrowheads="1"/>
-          </p:cNvPicPr>
-          <p:nvPr/>
-        </p:nvPicPr>
-        <p:blipFill>
-          <a:blip r:embed="rId4">
-            <a:extLst>
-              <a:ext uri="{28A0092B-C50C-407E-A947-70E740481C1C}">
-                <a14:useLocalDpi xmlns:a14="http://schemas.microsoft.com/office/drawing/2010/main" val="0"/>
-              </a:ext>
-            </a:extLst>
-          </a:blip>
-          <a:srcRect/>
-          <a:stretch>
-            <a:fillRect/>
-          </a:stretch>
-        </p:blipFill>
-        <p:spPr bwMode="auto">
-          <a:xfrm>
-            <a:off x="7790667" y="2499895"/>
-            <a:ext cx="4102084" cy="2336748"/>
-          </a:xfrm>
-          <a:prstGeom prst="rect">
-            <a:avLst/>
-          </a:prstGeom>
-          <a:noFill/>
-          <a:extLst>
-            <a:ext uri="{909E8E84-426E-40DD-AFC4-6F175D3DCCD1}">
-              <a14:hiddenFill xmlns:a14="http://schemas.microsoft.com/office/drawing/2010/main">
-                <a:solidFill>
-                  <a:srgbClr val="FFFFFF"/>
-                </a:solidFill>
-              </a14:hiddenFill>
-            </a:ext>
-          </a:extLst>
-        </p:spPr>
-      </p:pic>
-      <p:pic>
-        <p:nvPicPr>
-          <p:cNvPr id="1034" name="Picture 10">
-            <a:extLst>
-              <a:ext uri="{FF2B5EF4-FFF2-40B4-BE49-F238E27FC236}">
-                <a16:creationId xmlns:a16="http://schemas.microsoft.com/office/drawing/2014/main" id="{C116C109-F2B0-6AFE-BC07-E5CB3D7F5F5E}"/>
-              </a:ext>
-            </a:extLst>
-          </p:cNvPr>
-          <p:cNvPicPr>
-            <a:picLocks noChangeAspect="1" noChangeArrowheads="1"/>
-          </p:cNvPicPr>
-          <p:nvPr/>
-        </p:nvPicPr>
-        <p:blipFill>
-          <a:blip r:embed="rId5">
-            <a:extLst>
-              <a:ext uri="{28A0092B-C50C-407E-A947-70E740481C1C}">
-                <a14:useLocalDpi xmlns:a14="http://schemas.microsoft.com/office/drawing/2010/main" val="0"/>
-              </a:ext>
-            </a:extLst>
-          </a:blip>
-          <a:srcRect/>
-          <a:stretch>
-            <a:fillRect/>
-          </a:stretch>
-        </p:blipFill>
-        <p:spPr bwMode="auto">
-          <a:xfrm>
-            <a:off x="3728900" y="3795582"/>
-            <a:ext cx="4208825" cy="2368698"/>
-          </a:xfrm>
-          <a:prstGeom prst="rect">
-            <a:avLst/>
-          </a:prstGeom>
-          <a:noFill/>
-          <a:extLst>
-            <a:ext uri="{909E8E84-426E-40DD-AFC4-6F175D3DCCD1}">
-              <a14:hiddenFill xmlns:a14="http://schemas.microsoft.com/office/drawing/2010/main">
-                <a:solidFill>
-                  <a:srgbClr val="FFFFFF"/>
-                </a:solidFill>
-              </a14:hiddenFill>
-            </a:ext>
-          </a:extLst>
-        </p:spPr>
-      </p:pic>
+            <a:endParaRPr/>
+          </a:p>
+        </p:txBody>
+      </p:sp>
     </p:spTree>
     <p:extLst>
       <p:ext uri="{BB962C8B-B14F-4D97-AF65-F5344CB8AC3E}">
-        <p14:creationId xmlns:p14="http://schemas.microsoft.com/office/powerpoint/2010/main" val="1268480456"/>
+        <p14:creationId xmlns:p14="http://schemas.microsoft.com/office/powerpoint/2010/main" val="4046525345"/>
       </p:ext>
     </p:extLst>
   </p:cSld>
@@ -8351,7 +9497,7 @@
         <p:fade/>
       </p:transition>
     </mc:Choice>
-    <mc:Fallback xmlns="" xmlns:p15="http://schemas.microsoft.com/office/powerpoint/2012/main">
+    <mc:Fallback xmlns:p15="http://schemas.microsoft.com/office/powerpoint/2012/main" xmlns="">
       <p:transition spd="med">
         <p:fade/>
       </p:transition>
@@ -8406,27 +9552,21 @@
           </a:bodyPr>
           <a:lstStyle/>
           <a:p>
-            <a:pPr algn="ctr">
-              <a:lnSpc>
-                <a:spcPct val="85000"/>
-              </a:lnSpc>
-              <a:buNone/>
+            <a:pPr marL="108000" algn="ctr">
+              <a:spcBef>
+                <a:spcPts val="1417"/>
+              </a:spcBef>
+              <a:buClr>
+                <a:schemeClr val="accent1"/>
+              </a:buClr>
+              <a:buSzPct val="45000"/>
             </a:pPr>
             <a:r>
-              <a:rPr lang="pt-PT" sz="4800" spc="-1" dirty="0">
-                <a:solidFill>
-                  <a:srgbClr val="000000"/>
-                </a:solidFill>
-                <a:latin typeface="Calibri"/>
-              </a:rPr>
-              <a:t>Bibliografia</a:t>
-            </a:r>
-            <a:endParaRPr lang="en-US" sz="4800" b="0" strike="noStrike" spc="-1" dirty="0">
-              <a:solidFill>
-                <a:srgbClr val="000000"/>
-              </a:solidFill>
-              <a:latin typeface="Calibri"/>
-            </a:endParaRPr>
+              <a:rPr lang="pt-PT" sz="3600" dirty="0">
+                <a:latin typeface="Arial" panose="020B0604020202020204" pitchFamily="34" charset="0"/>
+              </a:rPr>
+              <a:t>Produção de Vestuário</a:t>
+            </a:r>
           </a:p>
         </p:txBody>
       </p:sp>
@@ -8442,7 +9582,7 @@
         </p:nvSpPr>
         <p:spPr>
           <a:xfrm>
-            <a:off x="1097280" y="1845720"/>
+            <a:off x="1066980" y="1846080"/>
             <a:ext cx="10058040" cy="4023000"/>
           </a:xfrm>
           <a:prstGeom prst="rect">
@@ -8471,18 +9611,19 @@
               <a:buChar char="o"/>
             </a:pPr>
             <a:r>
-              <a:rPr lang="pt-PT" sz="1400" b="0" i="0" dirty="0">
-                <a:effectLst/>
-                <a:latin typeface="Whitney"/>
-                <a:hlinkClick r:id="rId2" tooltip="https://looka.com/logo-maker/app/?sso"/>
-              </a:rPr>
-              <a:t>https://looka.com/logo-maker/app/?sso</a:t>
-            </a:r>
-            <a:endParaRPr lang="pt-PT" sz="1400" dirty="0">
+              <a:rPr lang="pt-PT" sz="2000" spc="-1" dirty="0">
+                <a:solidFill>
+                  <a:srgbClr val="404040"/>
+                </a:solidFill>
+                <a:latin typeface="Calibri"/>
+              </a:rPr>
+              <a:t>Objetivos</a:t>
+            </a:r>
+            <a:endParaRPr lang="pt-PT" sz="2000" b="0" strike="noStrike" spc="-1" dirty="0">
               <a:solidFill>
-                <a:srgbClr val="DCDDDE"/>
+                <a:srgbClr val="404040"/>
               </a:solidFill>
-              <a:latin typeface="Whitney"/>
+              <a:latin typeface="Calibri"/>
             </a:endParaRPr>
           </a:p>
           <a:p>
@@ -8497,14 +9638,6 @@
               <a:buFont typeface="Courier New" panose="02070309020205020404" pitchFamily="49" charset="0"/>
               <a:buChar char="o"/>
             </a:pPr>
-            <a:r>
-              <a:rPr lang="pt-PT" sz="1400" b="0" i="0" dirty="0">
-                <a:effectLst/>
-                <a:latin typeface="Whitney"/>
-                <a:hlinkClick r:id="rId3" tooltip="https://www.figma.com/"/>
-              </a:rPr>
-              <a:t>https://www.figma.com/</a:t>
-            </a:r>
             <a:endParaRPr lang="pt-PT" sz="2000" b="0" strike="noStrike" spc="-1" dirty="0">
               <a:solidFill>
                 <a:srgbClr val="404040"/>
@@ -8521,7 +9654,7 @@
           <p:nvPr/>
         </p:nvPicPr>
         <p:blipFill>
-          <a:blip r:embed="rId4"/>
+          <a:blip r:embed="rId3"/>
           <a:stretch/>
         </p:blipFill>
         <p:spPr>
@@ -8546,7 +9679,7 @@
         <p:spPr>
           <a:xfrm>
             <a:off x="1411560" y="177480"/>
-            <a:ext cx="3071160" cy="521766"/>
+            <a:ext cx="3328220" cy="521766"/>
           </a:xfrm>
           <a:prstGeom prst="rect">
             <a:avLst/>
@@ -8569,10 +9702,21 @@
           <a:fontRef idx="minor"/>
         </p:style>
         <p:txBody>
-          <a:bodyPr lIns="90000" tIns="45000" rIns="90000" bIns="45000" anchor="t">
+          <a:bodyPr wrap="square" lIns="90000" tIns="45000" rIns="90000" bIns="45000" anchor="t">
             <a:spAutoFit/>
           </a:bodyPr>
           <a:lstStyle/>
+          <a:p>
+            <a:r>
+              <a:rPr lang="pt-PT" sz="1400" spc="-1" dirty="0">
+                <a:solidFill>
+                  <a:srgbClr val="000000"/>
+                </a:solidFill>
+                <a:latin typeface="Calibri Light"/>
+              </a:rPr>
+              <a:t>Aprendizagem e Decisão Inteligentes</a:t>
+            </a:r>
+          </a:p>
           <a:p>
             <a:pPr>
               <a:lnSpc>
@@ -8587,26 +9731,6 @@
                 </a:solidFill>
                 <a:latin typeface="Calibri Light"/>
               </a:rPr>
-              <a:t>Laboratórios de Informática IV </a:t>
-            </a:r>
-            <a:endParaRPr lang="pt-PT" sz="1400" b="0" strike="noStrike" spc="-1" dirty="0">
-              <a:latin typeface="Arial"/>
-            </a:endParaRPr>
-          </a:p>
-          <a:p>
-            <a:pPr>
-              <a:lnSpc>
-                <a:spcPct val="100000"/>
-              </a:lnSpc>
-              <a:buNone/>
-            </a:pPr>
-            <a:r>
-              <a:rPr lang="pt-PT" sz="1400" b="0" strike="noStrike" spc="-1" dirty="0">
-                <a:solidFill>
-                  <a:srgbClr val="000000"/>
-                </a:solidFill>
-                <a:latin typeface="Calibri Light"/>
-              </a:rPr>
               <a:t>Ano letivo 2022/2023</a:t>
             </a:r>
             <a:endParaRPr lang="pt-PT" sz="1400" b="0" strike="noStrike" spc="-1" dirty="0">
@@ -8634,14 +9758,14 @@
               <a:rPr/>
               <a:t>11</a:t>
             </a:fld>
-            <a:endParaRPr dirty="0"/>
+            <a:endParaRPr/>
           </a:p>
         </p:txBody>
       </p:sp>
     </p:spTree>
     <p:extLst>
       <p:ext uri="{BB962C8B-B14F-4D97-AF65-F5344CB8AC3E}">
-        <p14:creationId xmlns:p14="http://schemas.microsoft.com/office/powerpoint/2010/main" val="2017520689"/>
+        <p14:creationId xmlns:p14="http://schemas.microsoft.com/office/powerpoint/2010/main" val="248166985"/>
       </p:ext>
     </p:extLst>
   </p:cSld>
@@ -8654,7 +9778,1381 @@
         <p:fade/>
       </p:transition>
     </mc:Choice>
-    <mc:Fallback xmlns="" xmlns:p15="http://schemas.microsoft.com/office/powerpoint/2012/main">
+    <mc:Fallback xmlns:p15="http://schemas.microsoft.com/office/powerpoint/2012/main" xmlns="">
+      <p:transition spd="med">
+        <p:fade/>
+      </p:transition>
+    </mc:Fallback>
+  </mc:AlternateContent>
+</p:sld>
+</file>
+
+<file path=ppt/slides/slide12.xml><?xml version="1.0" encoding="utf-8"?>
+<p:sld xmlns:a="http://schemas.openxmlformats.org/drawingml/2006/main" xmlns:r="http://schemas.openxmlformats.org/officeDocument/2006/relationships" xmlns:p="http://schemas.openxmlformats.org/presentationml/2006/main">
+  <p:cSld>
+    <p:spTree>
+      <p:nvGrpSpPr>
+        <p:cNvPr id="1" name=""/>
+        <p:cNvGrpSpPr/>
+        <p:nvPr/>
+      </p:nvGrpSpPr>
+      <p:grpSpPr>
+        <a:xfrm>
+          <a:off x="0" y="0"/>
+          <a:ext cx="0" cy="0"/>
+          <a:chOff x="0" y="0"/>
+          <a:chExt cx="0" cy="0"/>
+        </a:xfrm>
+      </p:grpSpPr>
+      <p:sp>
+        <p:nvSpPr>
+          <p:cNvPr id="95" name="PlaceHolder 1"/>
+          <p:cNvSpPr>
+            <a:spLocks noGrp="1"/>
+          </p:cNvSpPr>
+          <p:nvPr>
+            <p:ph type="title"/>
+          </p:nvPr>
+        </p:nvSpPr>
+        <p:spPr>
+          <a:xfrm>
+            <a:off x="1097280" y="286560"/>
+            <a:ext cx="10058040" cy="1450440"/>
+          </a:xfrm>
+          <a:prstGeom prst="rect">
+            <a:avLst/>
+          </a:prstGeom>
+          <a:noFill/>
+          <a:ln w="0">
+            <a:noFill/>
+          </a:ln>
+        </p:spPr>
+        <p:txBody>
+          <a:bodyPr anchor="b">
+            <a:noAutofit/>
+          </a:bodyPr>
+          <a:lstStyle/>
+          <a:p>
+            <a:pPr marL="108000" algn="ctr">
+              <a:spcBef>
+                <a:spcPts val="1417"/>
+              </a:spcBef>
+              <a:buClr>
+                <a:schemeClr val="accent1"/>
+              </a:buClr>
+              <a:buSzPct val="45000"/>
+            </a:pPr>
+            <a:r>
+              <a:rPr lang="pt-PT" sz="3600" dirty="0">
+                <a:latin typeface="Arial" panose="020B0604020202020204" pitchFamily="34" charset="0"/>
+              </a:rPr>
+              <a:t>Produção de Vestuário</a:t>
+            </a:r>
+          </a:p>
+        </p:txBody>
+      </p:sp>
+      <p:sp>
+        <p:nvSpPr>
+          <p:cNvPr id="96" name="PlaceHolder 2"/>
+          <p:cNvSpPr>
+            <a:spLocks noGrp="1"/>
+          </p:cNvSpPr>
+          <p:nvPr>
+            <p:ph/>
+          </p:nvPr>
+        </p:nvSpPr>
+        <p:spPr>
+          <a:xfrm>
+            <a:off x="1066980" y="1846080"/>
+            <a:ext cx="10058040" cy="4023000"/>
+          </a:xfrm>
+          <a:prstGeom prst="rect">
+            <a:avLst/>
+          </a:prstGeom>
+          <a:noFill/>
+          <a:ln w="0">
+            <a:noFill/>
+          </a:ln>
+        </p:spPr>
+        <p:txBody>
+          <a:bodyPr lIns="0" rIns="0" anchor="t">
+            <a:noAutofit/>
+          </a:bodyPr>
+          <a:lstStyle/>
+          <a:p>
+            <a:pPr marL="450900" indent="-342900">
+              <a:spcBef>
+                <a:spcPts val="1417"/>
+              </a:spcBef>
+              <a:buClr>
+                <a:schemeClr val="accent1"/>
+              </a:buClr>
+              <a:buSzPct val="45000"/>
+              <a:buFont typeface="Courier New" panose="02070309020205020404" pitchFamily="49" charset="0"/>
+              <a:buChar char="o"/>
+            </a:pPr>
+            <a:r>
+              <a:rPr lang="pt-PT" sz="2000" spc="-1" dirty="0">
+                <a:solidFill>
+                  <a:srgbClr val="404040"/>
+                </a:solidFill>
+                <a:latin typeface="Calibri"/>
+              </a:rPr>
+              <a:t>Estudo de dados</a:t>
+            </a:r>
+          </a:p>
+        </p:txBody>
+      </p:sp>
+      <p:pic>
+        <p:nvPicPr>
+          <p:cNvPr id="97" name="Picture 4"/>
+          <p:cNvPicPr/>
+          <p:nvPr/>
+        </p:nvPicPr>
+        <p:blipFill>
+          <a:blip r:embed="rId3"/>
+          <a:stretch/>
+        </p:blipFill>
+        <p:spPr>
+          <a:xfrm>
+            <a:off x="163440" y="140400"/>
+            <a:ext cx="1247760" cy="621720"/>
+          </a:xfrm>
+          <a:prstGeom prst="rect">
+            <a:avLst/>
+          </a:prstGeom>
+          <a:ln w="0">
+            <a:noFill/>
+          </a:ln>
+        </p:spPr>
+      </p:pic>
+      <p:sp>
+        <p:nvSpPr>
+          <p:cNvPr id="98" name="TextBox 5"/>
+          <p:cNvSpPr/>
+          <p:nvPr/>
+        </p:nvSpPr>
+        <p:spPr>
+          <a:xfrm>
+            <a:off x="1411560" y="177480"/>
+            <a:ext cx="3328220" cy="521766"/>
+          </a:xfrm>
+          <a:prstGeom prst="rect">
+            <a:avLst/>
+          </a:prstGeom>
+          <a:noFill/>
+          <a:ln w="0">
+            <a:noFill/>
+          </a:ln>
+        </p:spPr>
+        <p:style>
+          <a:lnRef idx="0">
+            <a:scrgbClr r="0" g="0" b="0"/>
+          </a:lnRef>
+          <a:fillRef idx="0">
+            <a:scrgbClr r="0" g="0" b="0"/>
+          </a:fillRef>
+          <a:effectRef idx="0">
+            <a:scrgbClr r="0" g="0" b="0"/>
+          </a:effectRef>
+          <a:fontRef idx="minor"/>
+        </p:style>
+        <p:txBody>
+          <a:bodyPr wrap="square" lIns="90000" tIns="45000" rIns="90000" bIns="45000" anchor="t">
+            <a:spAutoFit/>
+          </a:bodyPr>
+          <a:lstStyle/>
+          <a:p>
+            <a:r>
+              <a:rPr lang="pt-PT" sz="1400" spc="-1" dirty="0">
+                <a:solidFill>
+                  <a:srgbClr val="000000"/>
+                </a:solidFill>
+                <a:latin typeface="Calibri Light"/>
+              </a:rPr>
+              <a:t>Aprendizagem e Decisão Inteligentes</a:t>
+            </a:r>
+          </a:p>
+          <a:p>
+            <a:pPr>
+              <a:lnSpc>
+                <a:spcPct val="100000"/>
+              </a:lnSpc>
+              <a:buNone/>
+            </a:pPr>
+            <a:r>
+              <a:rPr lang="pt-PT" sz="1400" b="0" strike="noStrike" spc="-1" dirty="0">
+                <a:solidFill>
+                  <a:srgbClr val="000000"/>
+                </a:solidFill>
+                <a:latin typeface="Calibri Light"/>
+              </a:rPr>
+              <a:t>Ano letivo 2022/2023</a:t>
+            </a:r>
+            <a:endParaRPr lang="pt-PT" sz="1400" b="0" strike="noStrike" spc="-1" dirty="0">
+              <a:latin typeface="Arial"/>
+            </a:endParaRPr>
+          </a:p>
+        </p:txBody>
+      </p:sp>
+      <p:sp>
+        <p:nvSpPr>
+          <p:cNvPr id="4" name="PlaceHolder 3"/>
+          <p:cNvSpPr>
+            <a:spLocks noGrp="1"/>
+          </p:cNvSpPr>
+          <p:nvPr>
+            <p:ph type="sldNum" idx="6"/>
+          </p:nvPr>
+        </p:nvSpPr>
+        <p:spPr/>
+        <p:txBody>
+          <a:bodyPr/>
+          <a:lstStyle/>
+          <a:p>
+            <a:fld id="{246382AE-902A-42E1-A7A1-19C21562FEEE}" type="slidenum">
+              <a:rPr/>
+              <a:t>12</a:t>
+            </a:fld>
+            <a:endParaRPr/>
+          </a:p>
+        </p:txBody>
+      </p:sp>
+    </p:spTree>
+    <p:extLst>
+      <p:ext uri="{BB962C8B-B14F-4D97-AF65-F5344CB8AC3E}">
+        <p14:creationId xmlns:p14="http://schemas.microsoft.com/office/powerpoint/2010/main" val="4263486214"/>
+      </p:ext>
+    </p:extLst>
+  </p:cSld>
+  <p:clrMapOvr>
+    <a:masterClrMapping/>
+  </p:clrMapOvr>
+  <mc:AlternateContent xmlns:mc="http://schemas.openxmlformats.org/markup-compatibility/2006" xmlns:p14="http://schemas.microsoft.com/office/powerpoint/2010/main">
+    <mc:Choice Requires="p14">
+      <p:transition spd="med" p14:dur="700">
+        <p:fade/>
+      </p:transition>
+    </mc:Choice>
+    <mc:Fallback xmlns:p15="http://schemas.microsoft.com/office/powerpoint/2012/main" xmlns="">
+      <p:transition spd="med">
+        <p:fade/>
+      </p:transition>
+    </mc:Fallback>
+  </mc:AlternateContent>
+</p:sld>
+</file>
+
+<file path=ppt/slides/slide13.xml><?xml version="1.0" encoding="utf-8"?>
+<p:sld xmlns:a="http://schemas.openxmlformats.org/drawingml/2006/main" xmlns:r="http://schemas.openxmlformats.org/officeDocument/2006/relationships" xmlns:p="http://schemas.openxmlformats.org/presentationml/2006/main">
+  <p:cSld>
+    <p:spTree>
+      <p:nvGrpSpPr>
+        <p:cNvPr id="1" name=""/>
+        <p:cNvGrpSpPr/>
+        <p:nvPr/>
+      </p:nvGrpSpPr>
+      <p:grpSpPr>
+        <a:xfrm>
+          <a:off x="0" y="0"/>
+          <a:ext cx="0" cy="0"/>
+          <a:chOff x="0" y="0"/>
+          <a:chExt cx="0" cy="0"/>
+        </a:xfrm>
+      </p:grpSpPr>
+      <p:sp>
+        <p:nvSpPr>
+          <p:cNvPr id="95" name="PlaceHolder 1"/>
+          <p:cNvSpPr>
+            <a:spLocks noGrp="1"/>
+          </p:cNvSpPr>
+          <p:nvPr>
+            <p:ph type="title"/>
+          </p:nvPr>
+        </p:nvSpPr>
+        <p:spPr>
+          <a:xfrm>
+            <a:off x="1097280" y="286560"/>
+            <a:ext cx="10058040" cy="1450440"/>
+          </a:xfrm>
+          <a:prstGeom prst="rect">
+            <a:avLst/>
+          </a:prstGeom>
+          <a:noFill/>
+          <a:ln w="0">
+            <a:noFill/>
+          </a:ln>
+        </p:spPr>
+        <p:txBody>
+          <a:bodyPr anchor="b">
+            <a:noAutofit/>
+          </a:bodyPr>
+          <a:lstStyle/>
+          <a:p>
+            <a:pPr marL="108000" algn="ctr">
+              <a:spcBef>
+                <a:spcPts val="1417"/>
+              </a:spcBef>
+              <a:buClr>
+                <a:schemeClr val="accent1"/>
+              </a:buClr>
+              <a:buSzPct val="45000"/>
+            </a:pPr>
+            <a:r>
+              <a:rPr lang="pt-PT" sz="3600" dirty="0">
+                <a:latin typeface="Arial" panose="020B0604020202020204" pitchFamily="34" charset="0"/>
+              </a:rPr>
+              <a:t>Produção de Vestuário</a:t>
+            </a:r>
+          </a:p>
+        </p:txBody>
+      </p:sp>
+      <p:sp>
+        <p:nvSpPr>
+          <p:cNvPr id="96" name="PlaceHolder 2"/>
+          <p:cNvSpPr>
+            <a:spLocks noGrp="1"/>
+          </p:cNvSpPr>
+          <p:nvPr>
+            <p:ph/>
+          </p:nvPr>
+        </p:nvSpPr>
+        <p:spPr>
+          <a:xfrm>
+            <a:off x="1066980" y="1846080"/>
+            <a:ext cx="10058040" cy="4023000"/>
+          </a:xfrm>
+          <a:prstGeom prst="rect">
+            <a:avLst/>
+          </a:prstGeom>
+          <a:noFill/>
+          <a:ln w="0">
+            <a:noFill/>
+          </a:ln>
+        </p:spPr>
+        <p:txBody>
+          <a:bodyPr lIns="0" rIns="0" anchor="t">
+            <a:noAutofit/>
+          </a:bodyPr>
+          <a:lstStyle/>
+          <a:p>
+            <a:pPr marL="450900" indent="-342900">
+              <a:spcBef>
+                <a:spcPts val="1417"/>
+              </a:spcBef>
+              <a:buClr>
+                <a:schemeClr val="accent1"/>
+              </a:buClr>
+              <a:buSzPct val="45000"/>
+              <a:buFont typeface="Courier New" panose="02070309020205020404" pitchFamily="49" charset="0"/>
+              <a:buChar char="o"/>
+            </a:pPr>
+            <a:r>
+              <a:rPr lang="pt-PT" sz="2000" spc="-1" dirty="0">
+                <a:solidFill>
+                  <a:srgbClr val="404040"/>
+                </a:solidFill>
+                <a:latin typeface="Calibri"/>
+              </a:rPr>
+              <a:t>Preparação de dados</a:t>
+            </a:r>
+            <a:endParaRPr lang="pt-PT" sz="2000" b="0" strike="noStrike" spc="-1" dirty="0">
+              <a:solidFill>
+                <a:srgbClr val="404040"/>
+              </a:solidFill>
+              <a:latin typeface="Calibri"/>
+            </a:endParaRPr>
+          </a:p>
+          <a:p>
+            <a:pPr marL="450900" indent="-342900">
+              <a:spcBef>
+                <a:spcPts val="1417"/>
+              </a:spcBef>
+              <a:buClr>
+                <a:schemeClr val="accent1"/>
+              </a:buClr>
+              <a:buSzPct val="45000"/>
+              <a:buFont typeface="Courier New" panose="02070309020205020404" pitchFamily="49" charset="0"/>
+              <a:buChar char="o"/>
+            </a:pPr>
+            <a:endParaRPr lang="pt-PT" sz="2000" b="0" strike="noStrike" spc="-1" dirty="0">
+              <a:solidFill>
+                <a:srgbClr val="404040"/>
+              </a:solidFill>
+              <a:latin typeface="Calibri"/>
+            </a:endParaRPr>
+          </a:p>
+        </p:txBody>
+      </p:sp>
+      <p:pic>
+        <p:nvPicPr>
+          <p:cNvPr id="97" name="Picture 4"/>
+          <p:cNvPicPr/>
+          <p:nvPr/>
+        </p:nvPicPr>
+        <p:blipFill>
+          <a:blip r:embed="rId3"/>
+          <a:stretch/>
+        </p:blipFill>
+        <p:spPr>
+          <a:xfrm>
+            <a:off x="163440" y="140400"/>
+            <a:ext cx="1247760" cy="621720"/>
+          </a:xfrm>
+          <a:prstGeom prst="rect">
+            <a:avLst/>
+          </a:prstGeom>
+          <a:ln w="0">
+            <a:noFill/>
+          </a:ln>
+        </p:spPr>
+      </p:pic>
+      <p:sp>
+        <p:nvSpPr>
+          <p:cNvPr id="98" name="TextBox 5"/>
+          <p:cNvSpPr/>
+          <p:nvPr/>
+        </p:nvSpPr>
+        <p:spPr>
+          <a:xfrm>
+            <a:off x="1411560" y="177480"/>
+            <a:ext cx="3328220" cy="521766"/>
+          </a:xfrm>
+          <a:prstGeom prst="rect">
+            <a:avLst/>
+          </a:prstGeom>
+          <a:noFill/>
+          <a:ln w="0">
+            <a:noFill/>
+          </a:ln>
+        </p:spPr>
+        <p:style>
+          <a:lnRef idx="0">
+            <a:scrgbClr r="0" g="0" b="0"/>
+          </a:lnRef>
+          <a:fillRef idx="0">
+            <a:scrgbClr r="0" g="0" b="0"/>
+          </a:fillRef>
+          <a:effectRef idx="0">
+            <a:scrgbClr r="0" g="0" b="0"/>
+          </a:effectRef>
+          <a:fontRef idx="minor"/>
+        </p:style>
+        <p:txBody>
+          <a:bodyPr wrap="square" lIns="90000" tIns="45000" rIns="90000" bIns="45000" anchor="t">
+            <a:spAutoFit/>
+          </a:bodyPr>
+          <a:lstStyle/>
+          <a:p>
+            <a:r>
+              <a:rPr lang="pt-PT" sz="1400" spc="-1" dirty="0">
+                <a:solidFill>
+                  <a:srgbClr val="000000"/>
+                </a:solidFill>
+                <a:latin typeface="Calibri Light"/>
+              </a:rPr>
+              <a:t>Aprendizagem e Decisão Inteligentes</a:t>
+            </a:r>
+          </a:p>
+          <a:p>
+            <a:pPr>
+              <a:lnSpc>
+                <a:spcPct val="100000"/>
+              </a:lnSpc>
+              <a:buNone/>
+            </a:pPr>
+            <a:r>
+              <a:rPr lang="pt-PT" sz="1400" b="0" strike="noStrike" spc="-1" dirty="0">
+                <a:solidFill>
+                  <a:srgbClr val="000000"/>
+                </a:solidFill>
+                <a:latin typeface="Calibri Light"/>
+              </a:rPr>
+              <a:t>Ano letivo 2022/2023</a:t>
+            </a:r>
+            <a:endParaRPr lang="pt-PT" sz="1400" b="0" strike="noStrike" spc="-1" dirty="0">
+              <a:latin typeface="Arial"/>
+            </a:endParaRPr>
+          </a:p>
+        </p:txBody>
+      </p:sp>
+      <p:sp>
+        <p:nvSpPr>
+          <p:cNvPr id="4" name="PlaceHolder 3"/>
+          <p:cNvSpPr>
+            <a:spLocks noGrp="1"/>
+          </p:cNvSpPr>
+          <p:nvPr>
+            <p:ph type="sldNum" idx="6"/>
+          </p:nvPr>
+        </p:nvSpPr>
+        <p:spPr/>
+        <p:txBody>
+          <a:bodyPr/>
+          <a:lstStyle/>
+          <a:p>
+            <a:fld id="{246382AE-902A-42E1-A7A1-19C21562FEEE}" type="slidenum">
+              <a:rPr/>
+              <a:t>13</a:t>
+            </a:fld>
+            <a:endParaRPr/>
+          </a:p>
+        </p:txBody>
+      </p:sp>
+    </p:spTree>
+    <p:extLst>
+      <p:ext uri="{BB962C8B-B14F-4D97-AF65-F5344CB8AC3E}">
+        <p14:creationId xmlns:p14="http://schemas.microsoft.com/office/powerpoint/2010/main" val="1160131813"/>
+      </p:ext>
+    </p:extLst>
+  </p:cSld>
+  <p:clrMapOvr>
+    <a:masterClrMapping/>
+  </p:clrMapOvr>
+  <mc:AlternateContent xmlns:mc="http://schemas.openxmlformats.org/markup-compatibility/2006" xmlns:p14="http://schemas.microsoft.com/office/powerpoint/2010/main">
+    <mc:Choice Requires="p14">
+      <p:transition spd="med" p14:dur="700">
+        <p:fade/>
+      </p:transition>
+    </mc:Choice>
+    <mc:Fallback xmlns:p15="http://schemas.microsoft.com/office/powerpoint/2012/main" xmlns="">
+      <p:transition spd="med">
+        <p:fade/>
+      </p:transition>
+    </mc:Fallback>
+  </mc:AlternateContent>
+</p:sld>
+</file>
+
+<file path=ppt/slides/slide14.xml><?xml version="1.0" encoding="utf-8"?>
+<p:sld xmlns:a="http://schemas.openxmlformats.org/drawingml/2006/main" xmlns:r="http://schemas.openxmlformats.org/officeDocument/2006/relationships" xmlns:p="http://schemas.openxmlformats.org/presentationml/2006/main">
+  <p:cSld>
+    <p:spTree>
+      <p:nvGrpSpPr>
+        <p:cNvPr id="1" name=""/>
+        <p:cNvGrpSpPr/>
+        <p:nvPr/>
+      </p:nvGrpSpPr>
+      <p:grpSpPr>
+        <a:xfrm>
+          <a:off x="0" y="0"/>
+          <a:ext cx="0" cy="0"/>
+          <a:chOff x="0" y="0"/>
+          <a:chExt cx="0" cy="0"/>
+        </a:xfrm>
+      </p:grpSpPr>
+      <p:sp>
+        <p:nvSpPr>
+          <p:cNvPr id="95" name="PlaceHolder 1"/>
+          <p:cNvSpPr>
+            <a:spLocks noGrp="1"/>
+          </p:cNvSpPr>
+          <p:nvPr>
+            <p:ph type="title"/>
+          </p:nvPr>
+        </p:nvSpPr>
+        <p:spPr>
+          <a:xfrm>
+            <a:off x="1097280" y="286560"/>
+            <a:ext cx="10058040" cy="1450440"/>
+          </a:xfrm>
+          <a:prstGeom prst="rect">
+            <a:avLst/>
+          </a:prstGeom>
+          <a:noFill/>
+          <a:ln w="0">
+            <a:noFill/>
+          </a:ln>
+        </p:spPr>
+        <p:txBody>
+          <a:bodyPr anchor="b">
+            <a:noAutofit/>
+          </a:bodyPr>
+          <a:lstStyle/>
+          <a:p>
+            <a:pPr marL="108000" algn="ctr">
+              <a:spcBef>
+                <a:spcPts val="1417"/>
+              </a:spcBef>
+              <a:buClr>
+                <a:schemeClr val="accent1"/>
+              </a:buClr>
+              <a:buSzPct val="45000"/>
+            </a:pPr>
+            <a:r>
+              <a:rPr lang="pt-PT" sz="3600" dirty="0">
+                <a:latin typeface="Arial" panose="020B0604020202020204" pitchFamily="34" charset="0"/>
+              </a:rPr>
+              <a:t>Produção de Vestuário</a:t>
+            </a:r>
+          </a:p>
+        </p:txBody>
+      </p:sp>
+      <p:sp>
+        <p:nvSpPr>
+          <p:cNvPr id="96" name="PlaceHolder 2"/>
+          <p:cNvSpPr>
+            <a:spLocks noGrp="1"/>
+          </p:cNvSpPr>
+          <p:nvPr>
+            <p:ph/>
+          </p:nvPr>
+        </p:nvSpPr>
+        <p:spPr>
+          <a:xfrm>
+            <a:off x="1066980" y="1846080"/>
+            <a:ext cx="10058040" cy="4023000"/>
+          </a:xfrm>
+          <a:prstGeom prst="rect">
+            <a:avLst/>
+          </a:prstGeom>
+          <a:noFill/>
+          <a:ln w="0">
+            <a:noFill/>
+          </a:ln>
+        </p:spPr>
+        <p:txBody>
+          <a:bodyPr lIns="0" rIns="0" anchor="t">
+            <a:noAutofit/>
+          </a:bodyPr>
+          <a:lstStyle/>
+          <a:p>
+            <a:pPr marL="450900" indent="-342900">
+              <a:spcBef>
+                <a:spcPts val="1417"/>
+              </a:spcBef>
+              <a:buClr>
+                <a:schemeClr val="accent1"/>
+              </a:buClr>
+              <a:buSzPct val="45000"/>
+              <a:buFont typeface="Courier New" panose="02070309020205020404" pitchFamily="49" charset="0"/>
+              <a:buChar char="o"/>
+            </a:pPr>
+            <a:r>
+              <a:rPr lang="pt-PT" sz="2000" spc="-1" dirty="0">
+                <a:solidFill>
+                  <a:srgbClr val="404040"/>
+                </a:solidFill>
+                <a:latin typeface="Calibri"/>
+              </a:rPr>
+              <a:t>Modelação</a:t>
+            </a:r>
+            <a:endParaRPr lang="pt-PT" sz="2000" b="0" strike="noStrike" spc="-1" dirty="0">
+              <a:solidFill>
+                <a:srgbClr val="404040"/>
+              </a:solidFill>
+              <a:latin typeface="Calibri"/>
+            </a:endParaRPr>
+          </a:p>
+          <a:p>
+            <a:pPr marL="450900" indent="-342900">
+              <a:spcBef>
+                <a:spcPts val="1417"/>
+              </a:spcBef>
+              <a:buClr>
+                <a:schemeClr val="accent1"/>
+              </a:buClr>
+              <a:buSzPct val="45000"/>
+              <a:buFont typeface="Courier New" panose="02070309020205020404" pitchFamily="49" charset="0"/>
+              <a:buChar char="o"/>
+            </a:pPr>
+            <a:endParaRPr lang="pt-PT" sz="2000" b="0" strike="noStrike" spc="-1" dirty="0">
+              <a:solidFill>
+                <a:srgbClr val="404040"/>
+              </a:solidFill>
+              <a:latin typeface="Calibri"/>
+            </a:endParaRPr>
+          </a:p>
+        </p:txBody>
+      </p:sp>
+      <p:pic>
+        <p:nvPicPr>
+          <p:cNvPr id="97" name="Picture 4"/>
+          <p:cNvPicPr/>
+          <p:nvPr/>
+        </p:nvPicPr>
+        <p:blipFill>
+          <a:blip r:embed="rId3"/>
+          <a:stretch/>
+        </p:blipFill>
+        <p:spPr>
+          <a:xfrm>
+            <a:off x="163440" y="140400"/>
+            <a:ext cx="1247760" cy="621720"/>
+          </a:xfrm>
+          <a:prstGeom prst="rect">
+            <a:avLst/>
+          </a:prstGeom>
+          <a:ln w="0">
+            <a:noFill/>
+          </a:ln>
+        </p:spPr>
+      </p:pic>
+      <p:sp>
+        <p:nvSpPr>
+          <p:cNvPr id="98" name="TextBox 5"/>
+          <p:cNvSpPr/>
+          <p:nvPr/>
+        </p:nvSpPr>
+        <p:spPr>
+          <a:xfrm>
+            <a:off x="1411560" y="177480"/>
+            <a:ext cx="3328220" cy="521766"/>
+          </a:xfrm>
+          <a:prstGeom prst="rect">
+            <a:avLst/>
+          </a:prstGeom>
+          <a:noFill/>
+          <a:ln w="0">
+            <a:noFill/>
+          </a:ln>
+        </p:spPr>
+        <p:style>
+          <a:lnRef idx="0">
+            <a:scrgbClr r="0" g="0" b="0"/>
+          </a:lnRef>
+          <a:fillRef idx="0">
+            <a:scrgbClr r="0" g="0" b="0"/>
+          </a:fillRef>
+          <a:effectRef idx="0">
+            <a:scrgbClr r="0" g="0" b="0"/>
+          </a:effectRef>
+          <a:fontRef idx="minor"/>
+        </p:style>
+        <p:txBody>
+          <a:bodyPr wrap="square" lIns="90000" tIns="45000" rIns="90000" bIns="45000" anchor="t">
+            <a:spAutoFit/>
+          </a:bodyPr>
+          <a:lstStyle/>
+          <a:p>
+            <a:r>
+              <a:rPr lang="pt-PT" sz="1400" spc="-1" dirty="0">
+                <a:solidFill>
+                  <a:srgbClr val="000000"/>
+                </a:solidFill>
+                <a:latin typeface="Calibri Light"/>
+              </a:rPr>
+              <a:t>Aprendizagem e Decisão Inteligentes</a:t>
+            </a:r>
+          </a:p>
+          <a:p>
+            <a:pPr>
+              <a:lnSpc>
+                <a:spcPct val="100000"/>
+              </a:lnSpc>
+              <a:buNone/>
+            </a:pPr>
+            <a:r>
+              <a:rPr lang="pt-PT" sz="1400" b="0" strike="noStrike" spc="-1" dirty="0">
+                <a:solidFill>
+                  <a:srgbClr val="000000"/>
+                </a:solidFill>
+                <a:latin typeface="Calibri Light"/>
+              </a:rPr>
+              <a:t>Ano letivo 2022/2023</a:t>
+            </a:r>
+            <a:endParaRPr lang="pt-PT" sz="1400" b="0" strike="noStrike" spc="-1" dirty="0">
+              <a:latin typeface="Arial"/>
+            </a:endParaRPr>
+          </a:p>
+        </p:txBody>
+      </p:sp>
+      <p:sp>
+        <p:nvSpPr>
+          <p:cNvPr id="4" name="PlaceHolder 3"/>
+          <p:cNvSpPr>
+            <a:spLocks noGrp="1"/>
+          </p:cNvSpPr>
+          <p:nvPr>
+            <p:ph type="sldNum" idx="6"/>
+          </p:nvPr>
+        </p:nvSpPr>
+        <p:spPr/>
+        <p:txBody>
+          <a:bodyPr/>
+          <a:lstStyle/>
+          <a:p>
+            <a:fld id="{246382AE-902A-42E1-A7A1-19C21562FEEE}" type="slidenum">
+              <a:rPr/>
+              <a:t>14</a:t>
+            </a:fld>
+            <a:endParaRPr/>
+          </a:p>
+        </p:txBody>
+      </p:sp>
+    </p:spTree>
+    <p:extLst>
+      <p:ext uri="{BB962C8B-B14F-4D97-AF65-F5344CB8AC3E}">
+        <p14:creationId xmlns:p14="http://schemas.microsoft.com/office/powerpoint/2010/main" val="3843608921"/>
+      </p:ext>
+    </p:extLst>
+  </p:cSld>
+  <p:clrMapOvr>
+    <a:masterClrMapping/>
+  </p:clrMapOvr>
+  <mc:AlternateContent xmlns:mc="http://schemas.openxmlformats.org/markup-compatibility/2006" xmlns:p14="http://schemas.microsoft.com/office/powerpoint/2010/main">
+    <mc:Choice Requires="p14">
+      <p:transition spd="med" p14:dur="700">
+        <p:fade/>
+      </p:transition>
+    </mc:Choice>
+    <mc:Fallback xmlns:p15="http://schemas.microsoft.com/office/powerpoint/2012/main" xmlns="">
+      <p:transition spd="med">
+        <p:fade/>
+      </p:transition>
+    </mc:Fallback>
+  </mc:AlternateContent>
+</p:sld>
+</file>
+
+<file path=ppt/slides/slide15.xml><?xml version="1.0" encoding="utf-8"?>
+<p:sld xmlns:a="http://schemas.openxmlformats.org/drawingml/2006/main" xmlns:r="http://schemas.openxmlformats.org/officeDocument/2006/relationships" xmlns:p="http://schemas.openxmlformats.org/presentationml/2006/main">
+  <p:cSld>
+    <p:spTree>
+      <p:nvGrpSpPr>
+        <p:cNvPr id="1" name=""/>
+        <p:cNvGrpSpPr/>
+        <p:nvPr/>
+      </p:nvGrpSpPr>
+      <p:grpSpPr>
+        <a:xfrm>
+          <a:off x="0" y="0"/>
+          <a:ext cx="0" cy="0"/>
+          <a:chOff x="0" y="0"/>
+          <a:chExt cx="0" cy="0"/>
+        </a:xfrm>
+      </p:grpSpPr>
+      <p:sp>
+        <p:nvSpPr>
+          <p:cNvPr id="95" name="PlaceHolder 1"/>
+          <p:cNvSpPr>
+            <a:spLocks noGrp="1"/>
+          </p:cNvSpPr>
+          <p:nvPr>
+            <p:ph type="title"/>
+          </p:nvPr>
+        </p:nvSpPr>
+        <p:spPr>
+          <a:xfrm>
+            <a:off x="1097280" y="286560"/>
+            <a:ext cx="10058040" cy="1450440"/>
+          </a:xfrm>
+          <a:prstGeom prst="rect">
+            <a:avLst/>
+          </a:prstGeom>
+          <a:noFill/>
+          <a:ln w="0">
+            <a:noFill/>
+          </a:ln>
+        </p:spPr>
+        <p:txBody>
+          <a:bodyPr anchor="b">
+            <a:noAutofit/>
+          </a:bodyPr>
+          <a:lstStyle/>
+          <a:p>
+            <a:pPr marL="108000" algn="ctr">
+              <a:spcBef>
+                <a:spcPts val="1417"/>
+              </a:spcBef>
+              <a:buClr>
+                <a:schemeClr val="accent1"/>
+              </a:buClr>
+              <a:buSzPct val="45000"/>
+            </a:pPr>
+            <a:r>
+              <a:rPr lang="pt-PT" sz="3600" dirty="0">
+                <a:latin typeface="Arial" panose="020B0604020202020204" pitchFamily="34" charset="0"/>
+              </a:rPr>
+              <a:t>Produção de Vestuário</a:t>
+            </a:r>
+          </a:p>
+        </p:txBody>
+      </p:sp>
+      <p:sp>
+        <p:nvSpPr>
+          <p:cNvPr id="96" name="PlaceHolder 2"/>
+          <p:cNvSpPr>
+            <a:spLocks noGrp="1"/>
+          </p:cNvSpPr>
+          <p:nvPr>
+            <p:ph/>
+          </p:nvPr>
+        </p:nvSpPr>
+        <p:spPr>
+          <a:xfrm>
+            <a:off x="1066980" y="1846080"/>
+            <a:ext cx="10058040" cy="4023000"/>
+          </a:xfrm>
+          <a:prstGeom prst="rect">
+            <a:avLst/>
+          </a:prstGeom>
+          <a:noFill/>
+          <a:ln w="0">
+            <a:noFill/>
+          </a:ln>
+        </p:spPr>
+        <p:txBody>
+          <a:bodyPr lIns="0" rIns="0" anchor="t">
+            <a:noAutofit/>
+          </a:bodyPr>
+          <a:lstStyle/>
+          <a:p>
+            <a:pPr marL="450900" indent="-342900">
+              <a:spcBef>
+                <a:spcPts val="1417"/>
+              </a:spcBef>
+              <a:buClr>
+                <a:schemeClr val="accent1"/>
+              </a:buClr>
+              <a:buSzPct val="45000"/>
+              <a:buFont typeface="Courier New" panose="02070309020205020404" pitchFamily="49" charset="0"/>
+              <a:buChar char="o"/>
+            </a:pPr>
+            <a:r>
+              <a:rPr lang="pt-PT" sz="2000" spc="-1" dirty="0">
+                <a:solidFill>
+                  <a:srgbClr val="404040"/>
+                </a:solidFill>
+                <a:latin typeface="Calibri"/>
+              </a:rPr>
+              <a:t>Avaliação</a:t>
+            </a:r>
+            <a:endParaRPr lang="pt-PT" sz="2000" b="0" strike="noStrike" spc="-1" dirty="0">
+              <a:solidFill>
+                <a:srgbClr val="404040"/>
+              </a:solidFill>
+              <a:latin typeface="Calibri"/>
+            </a:endParaRPr>
+          </a:p>
+          <a:p>
+            <a:pPr marL="450900" indent="-342900">
+              <a:spcBef>
+                <a:spcPts val="1417"/>
+              </a:spcBef>
+              <a:buClr>
+                <a:schemeClr val="accent1"/>
+              </a:buClr>
+              <a:buSzPct val="45000"/>
+              <a:buFont typeface="Courier New" panose="02070309020205020404" pitchFamily="49" charset="0"/>
+              <a:buChar char="o"/>
+            </a:pPr>
+            <a:endParaRPr lang="pt-PT" sz="2000" b="0" strike="noStrike" spc="-1" dirty="0">
+              <a:solidFill>
+                <a:srgbClr val="404040"/>
+              </a:solidFill>
+              <a:latin typeface="Calibri"/>
+            </a:endParaRPr>
+          </a:p>
+        </p:txBody>
+      </p:sp>
+      <p:pic>
+        <p:nvPicPr>
+          <p:cNvPr id="97" name="Picture 4"/>
+          <p:cNvPicPr/>
+          <p:nvPr/>
+        </p:nvPicPr>
+        <p:blipFill>
+          <a:blip r:embed="rId3"/>
+          <a:stretch/>
+        </p:blipFill>
+        <p:spPr>
+          <a:xfrm>
+            <a:off x="163440" y="140400"/>
+            <a:ext cx="1247760" cy="621720"/>
+          </a:xfrm>
+          <a:prstGeom prst="rect">
+            <a:avLst/>
+          </a:prstGeom>
+          <a:ln w="0">
+            <a:noFill/>
+          </a:ln>
+        </p:spPr>
+      </p:pic>
+      <p:sp>
+        <p:nvSpPr>
+          <p:cNvPr id="98" name="TextBox 5"/>
+          <p:cNvSpPr/>
+          <p:nvPr/>
+        </p:nvSpPr>
+        <p:spPr>
+          <a:xfrm>
+            <a:off x="1411560" y="177480"/>
+            <a:ext cx="3328220" cy="521766"/>
+          </a:xfrm>
+          <a:prstGeom prst="rect">
+            <a:avLst/>
+          </a:prstGeom>
+          <a:noFill/>
+          <a:ln w="0">
+            <a:noFill/>
+          </a:ln>
+        </p:spPr>
+        <p:style>
+          <a:lnRef idx="0">
+            <a:scrgbClr r="0" g="0" b="0"/>
+          </a:lnRef>
+          <a:fillRef idx="0">
+            <a:scrgbClr r="0" g="0" b="0"/>
+          </a:fillRef>
+          <a:effectRef idx="0">
+            <a:scrgbClr r="0" g="0" b="0"/>
+          </a:effectRef>
+          <a:fontRef idx="minor"/>
+        </p:style>
+        <p:txBody>
+          <a:bodyPr wrap="square" lIns="90000" tIns="45000" rIns="90000" bIns="45000" anchor="t">
+            <a:spAutoFit/>
+          </a:bodyPr>
+          <a:lstStyle/>
+          <a:p>
+            <a:r>
+              <a:rPr lang="pt-PT" sz="1400" spc="-1" dirty="0">
+                <a:solidFill>
+                  <a:srgbClr val="000000"/>
+                </a:solidFill>
+                <a:latin typeface="Calibri Light"/>
+              </a:rPr>
+              <a:t>Aprendizagem e Decisão Inteligentes</a:t>
+            </a:r>
+          </a:p>
+          <a:p>
+            <a:pPr>
+              <a:lnSpc>
+                <a:spcPct val="100000"/>
+              </a:lnSpc>
+              <a:buNone/>
+            </a:pPr>
+            <a:r>
+              <a:rPr lang="pt-PT" sz="1400" b="0" strike="noStrike" spc="-1" dirty="0">
+                <a:solidFill>
+                  <a:srgbClr val="000000"/>
+                </a:solidFill>
+                <a:latin typeface="Calibri Light"/>
+              </a:rPr>
+              <a:t>Ano letivo 2022/2023</a:t>
+            </a:r>
+            <a:endParaRPr lang="pt-PT" sz="1400" b="0" strike="noStrike" spc="-1" dirty="0">
+              <a:latin typeface="Arial"/>
+            </a:endParaRPr>
+          </a:p>
+        </p:txBody>
+      </p:sp>
+      <p:sp>
+        <p:nvSpPr>
+          <p:cNvPr id="4" name="PlaceHolder 3"/>
+          <p:cNvSpPr>
+            <a:spLocks noGrp="1"/>
+          </p:cNvSpPr>
+          <p:nvPr>
+            <p:ph type="sldNum" idx="6"/>
+          </p:nvPr>
+        </p:nvSpPr>
+        <p:spPr/>
+        <p:txBody>
+          <a:bodyPr/>
+          <a:lstStyle/>
+          <a:p>
+            <a:fld id="{246382AE-902A-42E1-A7A1-19C21562FEEE}" type="slidenum">
+              <a:rPr/>
+              <a:t>15</a:t>
+            </a:fld>
+            <a:endParaRPr/>
+          </a:p>
+        </p:txBody>
+      </p:sp>
+    </p:spTree>
+    <p:extLst>
+      <p:ext uri="{BB962C8B-B14F-4D97-AF65-F5344CB8AC3E}">
+        <p14:creationId xmlns:p14="http://schemas.microsoft.com/office/powerpoint/2010/main" val="424966700"/>
+      </p:ext>
+    </p:extLst>
+  </p:cSld>
+  <p:clrMapOvr>
+    <a:masterClrMapping/>
+  </p:clrMapOvr>
+  <mc:AlternateContent xmlns:mc="http://schemas.openxmlformats.org/markup-compatibility/2006" xmlns:p14="http://schemas.microsoft.com/office/powerpoint/2010/main">
+    <mc:Choice Requires="p14">
+      <p:transition spd="med" p14:dur="700">
+        <p:fade/>
+      </p:transition>
+    </mc:Choice>
+    <mc:Fallback xmlns:p15="http://schemas.microsoft.com/office/powerpoint/2012/main" xmlns="">
+      <p:transition spd="med">
+        <p:fade/>
+      </p:transition>
+    </mc:Fallback>
+  </mc:AlternateContent>
+</p:sld>
+</file>
+
+<file path=ppt/slides/slide16.xml><?xml version="1.0" encoding="utf-8"?>
+<p:sld xmlns:a="http://schemas.openxmlformats.org/drawingml/2006/main" xmlns:r="http://schemas.openxmlformats.org/officeDocument/2006/relationships" xmlns:p="http://schemas.openxmlformats.org/presentationml/2006/main">
+  <p:cSld>
+    <p:spTree>
+      <p:nvGrpSpPr>
+        <p:cNvPr id="1" name=""/>
+        <p:cNvGrpSpPr/>
+        <p:nvPr/>
+      </p:nvGrpSpPr>
+      <p:grpSpPr>
+        <a:xfrm>
+          <a:off x="0" y="0"/>
+          <a:ext cx="0" cy="0"/>
+          <a:chOff x="0" y="0"/>
+          <a:chExt cx="0" cy="0"/>
+        </a:xfrm>
+      </p:grpSpPr>
+      <p:sp>
+        <p:nvSpPr>
+          <p:cNvPr id="95" name="PlaceHolder 1"/>
+          <p:cNvSpPr>
+            <a:spLocks noGrp="1"/>
+          </p:cNvSpPr>
+          <p:nvPr>
+            <p:ph type="title"/>
+          </p:nvPr>
+        </p:nvSpPr>
+        <p:spPr>
+          <a:xfrm>
+            <a:off x="1097280" y="286560"/>
+            <a:ext cx="10058040" cy="1450440"/>
+          </a:xfrm>
+          <a:prstGeom prst="rect">
+            <a:avLst/>
+          </a:prstGeom>
+          <a:noFill/>
+          <a:ln w="0">
+            <a:noFill/>
+          </a:ln>
+        </p:spPr>
+        <p:txBody>
+          <a:bodyPr anchor="b">
+            <a:noAutofit/>
+          </a:bodyPr>
+          <a:lstStyle/>
+          <a:p>
+            <a:pPr marL="108000" algn="ctr">
+              <a:spcBef>
+                <a:spcPts val="1417"/>
+              </a:spcBef>
+              <a:buClr>
+                <a:schemeClr val="accent1"/>
+              </a:buClr>
+              <a:buSzPct val="45000"/>
+            </a:pPr>
+            <a:r>
+              <a:rPr lang="pt-PT" sz="3600" dirty="0">
+                <a:latin typeface="Arial" panose="020B0604020202020204" pitchFamily="34" charset="0"/>
+              </a:rPr>
+              <a:t>Produção de Vestuário</a:t>
+            </a:r>
+          </a:p>
+        </p:txBody>
+      </p:sp>
+      <p:sp>
+        <p:nvSpPr>
+          <p:cNvPr id="96" name="PlaceHolder 2"/>
+          <p:cNvSpPr>
+            <a:spLocks noGrp="1"/>
+          </p:cNvSpPr>
+          <p:nvPr>
+            <p:ph/>
+          </p:nvPr>
+        </p:nvSpPr>
+        <p:spPr>
+          <a:xfrm>
+            <a:off x="1066980" y="1846080"/>
+            <a:ext cx="10058040" cy="4023000"/>
+          </a:xfrm>
+          <a:prstGeom prst="rect">
+            <a:avLst/>
+          </a:prstGeom>
+          <a:noFill/>
+          <a:ln w="0">
+            <a:noFill/>
+          </a:ln>
+        </p:spPr>
+        <p:txBody>
+          <a:bodyPr lIns="0" rIns="0" anchor="t">
+            <a:noAutofit/>
+          </a:bodyPr>
+          <a:lstStyle/>
+          <a:p>
+            <a:pPr marL="450900" indent="-342900">
+              <a:spcBef>
+                <a:spcPts val="1417"/>
+              </a:spcBef>
+              <a:buClr>
+                <a:schemeClr val="accent1"/>
+              </a:buClr>
+              <a:buSzPct val="45000"/>
+              <a:buFont typeface="Courier New" panose="02070309020205020404" pitchFamily="49" charset="0"/>
+              <a:buChar char="o"/>
+            </a:pPr>
+            <a:r>
+              <a:rPr lang="pt-PT" sz="2000" spc="-1" dirty="0">
+                <a:solidFill>
+                  <a:srgbClr val="404040"/>
+                </a:solidFill>
+                <a:latin typeface="Calibri"/>
+              </a:rPr>
+              <a:t>Sugestões e Recomendações</a:t>
+            </a:r>
+          </a:p>
+          <a:p>
+            <a:pPr marL="450900" indent="-342900">
+              <a:spcBef>
+                <a:spcPts val="1417"/>
+              </a:spcBef>
+              <a:buClr>
+                <a:schemeClr val="accent1"/>
+              </a:buClr>
+              <a:buSzPct val="45000"/>
+              <a:buFont typeface="Courier New" panose="02070309020205020404" pitchFamily="49" charset="0"/>
+              <a:buChar char="o"/>
+            </a:pPr>
+            <a:endParaRPr lang="pt-PT" sz="2000" b="0" strike="noStrike" spc="-1" dirty="0">
+              <a:solidFill>
+                <a:srgbClr val="404040"/>
+              </a:solidFill>
+              <a:latin typeface="Calibri"/>
+            </a:endParaRPr>
+          </a:p>
+        </p:txBody>
+      </p:sp>
+      <p:pic>
+        <p:nvPicPr>
+          <p:cNvPr id="97" name="Picture 4"/>
+          <p:cNvPicPr/>
+          <p:nvPr/>
+        </p:nvPicPr>
+        <p:blipFill>
+          <a:blip r:embed="rId3"/>
+          <a:stretch/>
+        </p:blipFill>
+        <p:spPr>
+          <a:xfrm>
+            <a:off x="163440" y="140400"/>
+            <a:ext cx="1247760" cy="621720"/>
+          </a:xfrm>
+          <a:prstGeom prst="rect">
+            <a:avLst/>
+          </a:prstGeom>
+          <a:ln w="0">
+            <a:noFill/>
+          </a:ln>
+        </p:spPr>
+      </p:pic>
+      <p:sp>
+        <p:nvSpPr>
+          <p:cNvPr id="98" name="TextBox 5"/>
+          <p:cNvSpPr/>
+          <p:nvPr/>
+        </p:nvSpPr>
+        <p:spPr>
+          <a:xfrm>
+            <a:off x="1411560" y="177480"/>
+            <a:ext cx="3328220" cy="521766"/>
+          </a:xfrm>
+          <a:prstGeom prst="rect">
+            <a:avLst/>
+          </a:prstGeom>
+          <a:noFill/>
+          <a:ln w="0">
+            <a:noFill/>
+          </a:ln>
+        </p:spPr>
+        <p:style>
+          <a:lnRef idx="0">
+            <a:scrgbClr r="0" g="0" b="0"/>
+          </a:lnRef>
+          <a:fillRef idx="0">
+            <a:scrgbClr r="0" g="0" b="0"/>
+          </a:fillRef>
+          <a:effectRef idx="0">
+            <a:scrgbClr r="0" g="0" b="0"/>
+          </a:effectRef>
+          <a:fontRef idx="minor"/>
+        </p:style>
+        <p:txBody>
+          <a:bodyPr wrap="square" lIns="90000" tIns="45000" rIns="90000" bIns="45000" anchor="t">
+            <a:spAutoFit/>
+          </a:bodyPr>
+          <a:lstStyle/>
+          <a:p>
+            <a:r>
+              <a:rPr lang="pt-PT" sz="1400" spc="-1" dirty="0">
+                <a:solidFill>
+                  <a:srgbClr val="000000"/>
+                </a:solidFill>
+                <a:latin typeface="Calibri Light"/>
+              </a:rPr>
+              <a:t>Aprendizagem e Decisão Inteligentes</a:t>
+            </a:r>
+          </a:p>
+          <a:p>
+            <a:pPr>
+              <a:lnSpc>
+                <a:spcPct val="100000"/>
+              </a:lnSpc>
+              <a:buNone/>
+            </a:pPr>
+            <a:r>
+              <a:rPr lang="pt-PT" sz="1400" b="0" strike="noStrike" spc="-1" dirty="0">
+                <a:solidFill>
+                  <a:srgbClr val="000000"/>
+                </a:solidFill>
+                <a:latin typeface="Calibri Light"/>
+              </a:rPr>
+              <a:t>Ano letivo 2022/2023</a:t>
+            </a:r>
+            <a:endParaRPr lang="pt-PT" sz="1400" b="0" strike="noStrike" spc="-1" dirty="0">
+              <a:latin typeface="Arial"/>
+            </a:endParaRPr>
+          </a:p>
+        </p:txBody>
+      </p:sp>
+      <p:sp>
+        <p:nvSpPr>
+          <p:cNvPr id="4" name="PlaceHolder 3"/>
+          <p:cNvSpPr>
+            <a:spLocks noGrp="1"/>
+          </p:cNvSpPr>
+          <p:nvPr>
+            <p:ph type="sldNum" idx="6"/>
+          </p:nvPr>
+        </p:nvSpPr>
+        <p:spPr/>
+        <p:txBody>
+          <a:bodyPr/>
+          <a:lstStyle/>
+          <a:p>
+            <a:fld id="{246382AE-902A-42E1-A7A1-19C21562FEEE}" type="slidenum">
+              <a:rPr/>
+              <a:t>16</a:t>
+            </a:fld>
+            <a:endParaRPr/>
+          </a:p>
+        </p:txBody>
+      </p:sp>
+    </p:spTree>
+    <p:extLst>
+      <p:ext uri="{BB962C8B-B14F-4D97-AF65-F5344CB8AC3E}">
+        <p14:creationId xmlns:p14="http://schemas.microsoft.com/office/powerpoint/2010/main" val="548064894"/>
+      </p:ext>
+    </p:extLst>
+  </p:cSld>
+  <p:clrMapOvr>
+    <a:masterClrMapping/>
+  </p:clrMapOvr>
+  <mc:AlternateContent xmlns:mc="http://schemas.openxmlformats.org/markup-compatibility/2006" xmlns:p14="http://schemas.microsoft.com/office/powerpoint/2010/main">
+    <mc:Choice Requires="p14">
+      <p:transition spd="med" p14:dur="700">
+        <p:fade/>
+      </p:transition>
+    </mc:Choice>
+    <mc:Fallback xmlns:p15="http://schemas.microsoft.com/office/powerpoint/2012/main" xmlns="">
       <p:transition spd="med">
         <p:fade/>
       </p:transition>
@@ -8716,40 +11214,13 @@
               <a:buNone/>
             </a:pPr>
             <a:r>
-              <a:rPr lang="pt-PT" sz="4800" b="0" strike="noStrike" spc="-1" dirty="0">
-                <a:solidFill>
-                  <a:srgbClr val="000000"/>
-                </a:solidFill>
-                <a:latin typeface="Calibri"/>
-              </a:rPr>
-              <a:t>Análise</a:t>
-            </a:r>
-            <a:r>
               <a:rPr lang="en-US" sz="4800" b="0" strike="noStrike" spc="-1" dirty="0">
                 <a:solidFill>
                   <a:srgbClr val="000000"/>
                 </a:solidFill>
                 <a:latin typeface="Calibri"/>
               </a:rPr>
-              <a:t> dos </a:t>
-            </a:r>
-            <a:r>
-              <a:rPr lang="en-US" sz="4800" b="0" strike="noStrike" spc="-1" dirty="0" err="1">
-                <a:solidFill>
-                  <a:srgbClr val="000000"/>
-                </a:solidFill>
-                <a:latin typeface="Calibri"/>
-              </a:rPr>
-              <a:t>requisitos</a:t>
-            </a:r>
-            <a:r>
-              <a:rPr lang="en-US" sz="4800" b="0" strike="noStrike" spc="-1" dirty="0">
-                <a:solidFill>
-                  <a:srgbClr val="000000"/>
-                </a:solidFill>
-                <a:latin typeface="Calibri"/>
-              </a:rPr>
-              <a:t> da app</a:t>
+              <a:t>DATASET’S</a:t>
             </a:r>
           </a:p>
         </p:txBody>
@@ -8795,13 +11266,10 @@
               <a:buChar char="o"/>
             </a:pPr>
             <a:r>
-              <a:rPr lang="pt-PT" sz="2000" b="0" strike="noStrike" spc="-1" dirty="0">
-                <a:solidFill>
-                  <a:srgbClr val="404040"/>
-                </a:solidFill>
-                <a:latin typeface="Calibri"/>
-              </a:rPr>
-              <a:t>De modo a fazer o levantamento e análise de requisitos, teve-se em conta os requisitos funcionais e não funcionais. </a:t>
+              <a:rPr lang="pt-PT" sz="1400" dirty="0">
+                <a:latin typeface="Arial" panose="020B0604020202020204" pitchFamily="34" charset="0"/>
+              </a:rPr>
+              <a:t>Vendas e Avaliações Globais de Videojogos</a:t>
             </a:r>
           </a:p>
           <a:p>
@@ -8817,13 +11285,37 @@
               <a:buChar char="o"/>
             </a:pPr>
             <a:r>
-              <a:rPr lang="pt-PT" sz="2000" spc="-1" dirty="0">
-                <a:solidFill>
-                  <a:srgbClr val="404040"/>
-                </a:solidFill>
-                <a:latin typeface="Calibri"/>
-              </a:rPr>
-              <a:t>Nos funcionais estes foram divididos em requisites funcionais do utilizador e do Sistema, de forma a uma maior compreensão.</a:t>
+              <a:rPr lang="pt-PT" sz="1400" b="0" i="0" dirty="0">
+                <a:effectLst/>
+                <a:latin typeface="Arial" panose="020B0604020202020204" pitchFamily="34" charset="0"/>
+              </a:rPr>
+              <a:t>Produ</a:t>
+            </a:r>
+            <a:r>
+              <a:rPr lang="pt-PT" sz="1400" dirty="0">
+                <a:latin typeface="Arial" panose="020B0604020202020204" pitchFamily="34" charset="0"/>
+              </a:rPr>
+              <a:t>ção</a:t>
+            </a:r>
+            <a:r>
+              <a:rPr lang="pt-PT" sz="1400" b="0" i="0" dirty="0">
+                <a:effectLst/>
+                <a:latin typeface="Arial" panose="020B0604020202020204" pitchFamily="34" charset="0"/>
+              </a:rPr>
+              <a:t> de Vestu</a:t>
+            </a:r>
+            <a:r>
+              <a:rPr lang="pt-PT" sz="1400" dirty="0">
+                <a:latin typeface="Arial" panose="020B0604020202020204" pitchFamily="34" charset="0"/>
+              </a:rPr>
+              <a:t>á</a:t>
+            </a:r>
+            <a:r>
+              <a:rPr lang="pt-PT" sz="1400" b="0" i="0" dirty="0">
+                <a:effectLst/>
+                <a:latin typeface="Arial" panose="020B0604020202020204" pitchFamily="34" charset="0"/>
+              </a:rPr>
+              <a:t>rio</a:t>
             </a:r>
             <a:endParaRPr lang="pt-PT" sz="2000" b="0" strike="noStrike" spc="-1" dirty="0">
               <a:solidFill>
@@ -8866,7 +11358,7 @@
         <p:spPr>
           <a:xfrm>
             <a:off x="1411560" y="177480"/>
-            <a:ext cx="3071160" cy="521766"/>
+            <a:ext cx="3328220" cy="521766"/>
           </a:xfrm>
           <a:prstGeom prst="rect">
             <a:avLst/>
@@ -8889,10 +11381,21 @@
           <a:fontRef idx="minor"/>
         </p:style>
         <p:txBody>
-          <a:bodyPr lIns="90000" tIns="45000" rIns="90000" bIns="45000" anchor="t">
+          <a:bodyPr wrap="square" lIns="90000" tIns="45000" rIns="90000" bIns="45000" anchor="t">
             <a:spAutoFit/>
           </a:bodyPr>
           <a:lstStyle/>
+          <a:p>
+            <a:r>
+              <a:rPr lang="pt-PT" sz="1400" spc="-1" dirty="0">
+                <a:solidFill>
+                  <a:srgbClr val="000000"/>
+                </a:solidFill>
+                <a:latin typeface="Calibri Light"/>
+              </a:rPr>
+              <a:t>Aprendizagem e Decisão Inteligentes</a:t>
+            </a:r>
+          </a:p>
           <a:p>
             <a:pPr>
               <a:lnSpc>
@@ -8907,26 +11410,6 @@
                 </a:solidFill>
                 <a:latin typeface="Calibri Light"/>
               </a:rPr>
-              <a:t>Laboratórios de Informática IV </a:t>
-            </a:r>
-            <a:endParaRPr lang="pt-PT" sz="1400" b="0" strike="noStrike" spc="-1" dirty="0">
-              <a:latin typeface="Arial"/>
-            </a:endParaRPr>
-          </a:p>
-          <a:p>
-            <a:pPr>
-              <a:lnSpc>
-                <a:spcPct val="100000"/>
-              </a:lnSpc>
-              <a:buNone/>
-            </a:pPr>
-            <a:r>
-              <a:rPr lang="pt-PT" sz="1400" b="0" strike="noStrike" spc="-1" dirty="0">
-                <a:solidFill>
-                  <a:srgbClr val="000000"/>
-                </a:solidFill>
-                <a:latin typeface="Calibri Light"/>
-              </a:rPr>
               <a:t>Ano letivo 2022/2023</a:t>
             </a:r>
             <a:endParaRPr lang="pt-PT" sz="1400" b="0" strike="noStrike" spc="-1" dirty="0">
@@ -8958,6 +11441,53 @@
           </a:p>
         </p:txBody>
       </p:sp>
+      <p:pic>
+        <p:nvPicPr>
+          <p:cNvPr id="1028" name="Picture 4" descr="Cover image">
+            <a:extLst>
+              <a:ext uri="{FF2B5EF4-FFF2-40B4-BE49-F238E27FC236}">
+                <a16:creationId xmlns:a16="http://schemas.microsoft.com/office/drawing/2014/main" id="{698EED7A-5DD1-CD6F-8324-537939AD8CF8}"/>
+              </a:ext>
+            </a:extLst>
+          </p:cNvPr>
+          <p:cNvPicPr>
+            <a:picLocks noChangeAspect="1" noChangeArrowheads="1"/>
+          </p:cNvPicPr>
+          <p:nvPr/>
+        </p:nvPicPr>
+        <p:blipFill>
+          <a:blip r:embed="rId4">
+            <a:extLst>
+              <a:ext uri="{28A0092B-C50C-407E-A947-70E740481C1C}">
+                <a14:useLocalDpi xmlns:a14="http://schemas.microsoft.com/office/drawing/2010/main" val="0"/>
+              </a:ext>
+            </a:extLst>
+          </a:blip>
+          <a:srcRect/>
+          <a:stretch>
+            <a:fillRect/>
+          </a:stretch>
+        </p:blipFill>
+        <p:spPr bwMode="auto">
+          <a:xfrm>
+            <a:off x="6678174" y="2005503"/>
+            <a:ext cx="4534026" cy="2281271"/>
+          </a:xfrm>
+          <a:prstGeom prst="rect">
+            <a:avLst/>
+          </a:prstGeom>
+          <a:noFill/>
+          <a:extLst>
+            <a:ext uri="{909E8E84-426E-40DD-AFC4-6F175D3DCCD1}">
+              <a14:hiddenFill xmlns:a14="http://schemas.microsoft.com/office/drawing/2010/main">
+                <a:solidFill>
+                  <a:srgbClr val="FFFFFF"/>
+                </a:solidFill>
+              </a14:hiddenFill>
+            </a:ext>
+          </a:extLst>
+        </p:spPr>
+      </p:pic>
     </p:spTree>
   </p:cSld>
   <p:clrMapOvr>
@@ -8969,7 +11499,7 @@
         <p:fade/>
       </p:transition>
     </mc:Choice>
-    <mc:Fallback xmlns="" xmlns:p15="http://schemas.microsoft.com/office/powerpoint/2012/main">
+    <mc:Fallback xmlns:p15="http://schemas.microsoft.com/office/powerpoint/2012/main" xmlns="">
       <p:transition spd="med">
         <p:fade/>
       </p:transition>
@@ -8995,42 +11525,6 @@
           <a:chExt cx="0" cy="0"/>
         </a:xfrm>
       </p:grpSpPr>
-      <p:pic>
-        <p:nvPicPr>
-          <p:cNvPr id="3" name="Marcador de Posição de Conteúdo 2">
-            <a:extLst>
-              <a:ext uri="{FF2B5EF4-FFF2-40B4-BE49-F238E27FC236}">
-                <a16:creationId xmlns:a16="http://schemas.microsoft.com/office/drawing/2014/main" id="{23AAE8AD-B32E-E5FF-453E-01A409374576}"/>
-              </a:ext>
-            </a:extLst>
-          </p:cNvPr>
-          <p:cNvPicPr>
-            <a:picLocks noGrp="1" noChangeAspect="1"/>
-          </p:cNvPicPr>
-          <p:nvPr>
-            <p:ph/>
-          </p:nvPr>
-        </p:nvPicPr>
-        <p:blipFill>
-          <a:blip r:embed="rId2"/>
-          <a:stretch>
-            <a:fillRect/>
-          </a:stretch>
-        </p:blipFill>
-        <p:spPr>
-          <a:xfrm>
-            <a:off x="787320" y="1883160"/>
-            <a:ext cx="4393863" cy="4359137"/>
-          </a:xfrm>
-          <a:prstGeom prst="rect">
-            <a:avLst/>
-          </a:prstGeom>
-          <a:noFill/>
-          <a:ln w="0">
-            <a:noFill/>
-          </a:ln>
-        </p:spPr>
-      </p:pic>
       <p:sp>
         <p:nvSpPr>
           <p:cNvPr id="95" name="PlaceHolder 1"/>
@@ -9060,48 +11554,221 @@
           </a:bodyPr>
           <a:lstStyle/>
           <a:p>
-            <a:pPr algn="ctr">
-              <a:lnSpc>
-                <a:spcPct val="85000"/>
-              </a:lnSpc>
-              <a:buNone/>
+            <a:pPr marL="108000" algn="ctr">
+              <a:spcBef>
+                <a:spcPts val="1417"/>
+              </a:spcBef>
+              <a:buClr>
+                <a:schemeClr val="accent1"/>
+              </a:buClr>
+              <a:buSzPct val="45000"/>
             </a:pPr>
             <a:r>
-              <a:rPr lang="pt-PT" sz="4800" b="0" strike="noStrike" spc="-1" dirty="0">
+              <a:rPr lang="pt-PT" sz="3600" dirty="0">
+                <a:latin typeface="Arial" panose="020B0604020202020204" pitchFamily="34" charset="0"/>
+              </a:rPr>
+              <a:t>Vendas e Avaliações Globais de Videojogos</a:t>
+            </a:r>
+          </a:p>
+        </p:txBody>
+      </p:sp>
+      <p:sp>
+        <p:nvSpPr>
+          <p:cNvPr id="96" name="PlaceHolder 2"/>
+          <p:cNvSpPr>
+            <a:spLocks noGrp="1"/>
+          </p:cNvSpPr>
+          <p:nvPr>
+            <p:ph/>
+          </p:nvPr>
+        </p:nvSpPr>
+        <p:spPr>
+          <a:xfrm>
+            <a:off x="1066980" y="1846080"/>
+            <a:ext cx="10058040" cy="4023000"/>
+          </a:xfrm>
+          <a:prstGeom prst="rect">
+            <a:avLst/>
+          </a:prstGeom>
+          <a:noFill/>
+          <a:ln w="0">
+            <a:noFill/>
+          </a:ln>
+        </p:spPr>
+        <p:txBody>
+          <a:bodyPr lIns="0" rIns="0" anchor="t">
+            <a:noAutofit/>
+          </a:bodyPr>
+          <a:lstStyle/>
+          <a:p>
+            <a:pPr marL="450900" indent="-342900">
+              <a:spcBef>
+                <a:spcPts val="1417"/>
+              </a:spcBef>
+              <a:buClr>
+                <a:schemeClr val="accent1"/>
+              </a:buClr>
+              <a:buSzPct val="45000"/>
+              <a:buFont typeface="Courier New" panose="02070309020205020404" pitchFamily="49" charset="0"/>
+              <a:buChar char="o"/>
+            </a:pPr>
+            <a:r>
+              <a:rPr lang="pt-PT" sz="2000" spc="-1" dirty="0">
                 <a:solidFill>
-                  <a:srgbClr val="000000"/>
+                  <a:srgbClr val="404040"/>
                 </a:solidFill>
                 <a:latin typeface="Calibri"/>
               </a:rPr>
-              <a:t>Exemplos</a:t>
-            </a:r>
-            <a:r>
-              <a:rPr lang="en-US" sz="4800" b="0" strike="noStrike" spc="-1" dirty="0">
+              <a:t>Objetivos</a:t>
+            </a:r>
+          </a:p>
+          <a:p>
+            <a:pPr marL="450900" indent="-342900">
+              <a:spcBef>
+                <a:spcPts val="1417"/>
+              </a:spcBef>
+              <a:buClr>
+                <a:schemeClr val="accent1"/>
+              </a:buClr>
+              <a:buSzPct val="45000"/>
+              <a:buFont typeface="Courier New" panose="02070309020205020404" pitchFamily="49" charset="0"/>
+              <a:buChar char="o"/>
+            </a:pPr>
+            <a:r>
+              <a:rPr lang="pt-PT" sz="2000" spc="-1" dirty="0">
                 <a:solidFill>
-                  <a:srgbClr val="000000"/>
+                  <a:srgbClr val="404040"/>
                 </a:solidFill>
                 <a:latin typeface="Calibri"/>
               </a:rPr>
-              <a:t> de </a:t>
-            </a:r>
-            <a:r>
-              <a:rPr lang="pt-PT" sz="4800" b="0" strike="noStrike" spc="-1" dirty="0">
+              <a:t>Estudo de dados</a:t>
+            </a:r>
+          </a:p>
+          <a:p>
+            <a:pPr marL="450900" indent="-342900">
+              <a:spcBef>
+                <a:spcPts val="1417"/>
+              </a:spcBef>
+              <a:buClr>
+                <a:schemeClr val="accent1"/>
+              </a:buClr>
+              <a:buSzPct val="45000"/>
+              <a:buFont typeface="Courier New" panose="02070309020205020404" pitchFamily="49" charset="0"/>
+              <a:buChar char="o"/>
+            </a:pPr>
+            <a:r>
+              <a:rPr lang="pt-PT" sz="2000" spc="-1" dirty="0">
                 <a:solidFill>
-                  <a:srgbClr val="000000"/>
+                  <a:srgbClr val="404040"/>
                 </a:solidFill>
                 <a:latin typeface="Calibri"/>
               </a:rPr>
-              <a:t>requisitos</a:t>
-            </a:r>
-            <a:r>
-              <a:rPr lang="en-US" sz="4800" b="0" strike="noStrike" spc="-1" dirty="0">
+              <a:t>Preparação de dados</a:t>
+            </a:r>
+          </a:p>
+          <a:p>
+            <a:pPr marL="450900" indent="-342900">
+              <a:spcBef>
+                <a:spcPts val="1417"/>
+              </a:spcBef>
+              <a:buClr>
+                <a:schemeClr val="accent1"/>
+              </a:buClr>
+              <a:buSzPct val="45000"/>
+              <a:buFont typeface="Courier New" panose="02070309020205020404" pitchFamily="49" charset="0"/>
+              <a:buChar char="o"/>
+            </a:pPr>
+            <a:r>
+              <a:rPr lang="pt-PT" sz="2000" spc="-1" dirty="0">
                 <a:solidFill>
-                  <a:srgbClr val="000000"/>
+                  <a:srgbClr val="404040"/>
                 </a:solidFill>
                 <a:latin typeface="Calibri"/>
               </a:rPr>
-              <a:t> :</a:t>
-            </a:r>
+              <a:t>Modelação</a:t>
+            </a:r>
+          </a:p>
+          <a:p>
+            <a:pPr marL="450900" indent="-342900">
+              <a:spcBef>
+                <a:spcPts val="1417"/>
+              </a:spcBef>
+              <a:buClr>
+                <a:schemeClr val="accent1"/>
+              </a:buClr>
+              <a:buSzPct val="45000"/>
+              <a:buFont typeface="Courier New" panose="02070309020205020404" pitchFamily="49" charset="0"/>
+              <a:buChar char="o"/>
+            </a:pPr>
+            <a:r>
+              <a:rPr lang="pt-PT" sz="2000" spc="-1" dirty="0">
+                <a:solidFill>
+                  <a:srgbClr val="404040"/>
+                </a:solidFill>
+                <a:latin typeface="Calibri"/>
+              </a:rPr>
+              <a:t>Avaliação</a:t>
+            </a:r>
+          </a:p>
+          <a:p>
+            <a:pPr marL="450900" indent="-342900">
+              <a:spcBef>
+                <a:spcPts val="1417"/>
+              </a:spcBef>
+              <a:buClr>
+                <a:schemeClr val="accent1"/>
+              </a:buClr>
+              <a:buSzPct val="45000"/>
+              <a:buFont typeface="Courier New" panose="02070309020205020404" pitchFamily="49" charset="0"/>
+              <a:buChar char="o"/>
+            </a:pPr>
+            <a:r>
+              <a:rPr lang="pt-PT" sz="2000" spc="-1" dirty="0">
+                <a:solidFill>
+                  <a:srgbClr val="404040"/>
+                </a:solidFill>
+                <a:latin typeface="Calibri"/>
+              </a:rPr>
+              <a:t>Sugestões e Recomendações</a:t>
+            </a:r>
+          </a:p>
+          <a:p>
+            <a:pPr marL="450900" indent="-342900">
+              <a:spcBef>
+                <a:spcPts val="1417"/>
+              </a:spcBef>
+              <a:buClr>
+                <a:schemeClr val="accent1"/>
+              </a:buClr>
+              <a:buSzPct val="45000"/>
+              <a:buFont typeface="Courier New" panose="02070309020205020404" pitchFamily="49" charset="0"/>
+              <a:buChar char="o"/>
+            </a:pPr>
+            <a:endParaRPr lang="pt-PT" sz="2000" b="0" strike="noStrike" spc="-1" dirty="0">
+              <a:solidFill>
+                <a:srgbClr val="404040"/>
+              </a:solidFill>
+              <a:latin typeface="Calibri"/>
+            </a:endParaRPr>
+          </a:p>
+          <a:p>
+            <a:pPr marL="450900" indent="-342900">
+              <a:spcBef>
+                <a:spcPts val="1417"/>
+              </a:spcBef>
+              <a:buClr>
+                <a:schemeClr val="accent1"/>
+              </a:buClr>
+              <a:buSzPct val="45000"/>
+              <a:buFont typeface="Courier New" panose="02070309020205020404" pitchFamily="49" charset="0"/>
+              <a:buChar char="o"/>
+            </a:pPr>
+            <a:endParaRPr lang="pt-PT" sz="2000" b="0" strike="noStrike" spc="-1" dirty="0">
+              <a:solidFill>
+                <a:srgbClr val="404040"/>
+              </a:solidFill>
+              <a:latin typeface="Calibri"/>
+            </a:endParaRPr>
           </a:p>
         </p:txBody>
       </p:sp>
@@ -9137,7 +11804,7 @@
         <p:spPr>
           <a:xfrm>
             <a:off x="1411560" y="177480"/>
-            <a:ext cx="3071160" cy="521766"/>
+            <a:ext cx="3328220" cy="521766"/>
           </a:xfrm>
           <a:prstGeom prst="rect">
             <a:avLst/>
@@ -9160,10 +11827,21 @@
           <a:fontRef idx="minor"/>
         </p:style>
         <p:txBody>
-          <a:bodyPr lIns="90000" tIns="45000" rIns="90000" bIns="45000" anchor="t">
+          <a:bodyPr wrap="square" lIns="90000" tIns="45000" rIns="90000" bIns="45000" anchor="t">
             <a:spAutoFit/>
           </a:bodyPr>
           <a:lstStyle/>
+          <a:p>
+            <a:r>
+              <a:rPr lang="pt-PT" sz="1400" spc="-1" dirty="0">
+                <a:solidFill>
+                  <a:srgbClr val="000000"/>
+                </a:solidFill>
+                <a:latin typeface="Calibri Light"/>
+              </a:rPr>
+              <a:t>Aprendizagem e Decisão Inteligentes</a:t>
+            </a:r>
+          </a:p>
           <a:p>
             <a:pPr>
               <a:lnSpc>
@@ -9178,26 +11856,6 @@
                 </a:solidFill>
                 <a:latin typeface="Calibri Light"/>
               </a:rPr>
-              <a:t>Laboratórios de Informática IV </a:t>
-            </a:r>
-            <a:endParaRPr lang="pt-PT" sz="1400" b="0" strike="noStrike" spc="-1" dirty="0">
-              <a:latin typeface="Arial"/>
-            </a:endParaRPr>
-          </a:p>
-          <a:p>
-            <a:pPr>
-              <a:lnSpc>
-                <a:spcPct val="100000"/>
-              </a:lnSpc>
-              <a:buNone/>
-            </a:pPr>
-            <a:r>
-              <a:rPr lang="pt-PT" sz="1400" b="0" strike="noStrike" spc="-1" dirty="0">
-                <a:solidFill>
-                  <a:srgbClr val="000000"/>
-                </a:solidFill>
-                <a:latin typeface="Calibri Light"/>
-              </a:rPr>
               <a:t>Ano letivo 2022/2023</a:t>
             </a:r>
             <a:endParaRPr lang="pt-PT" sz="1400" b="0" strike="noStrike" spc="-1" dirty="0">
@@ -9229,70 +11887,10 @@
           </a:p>
         </p:txBody>
       </p:sp>
-      <p:pic>
-        <p:nvPicPr>
-          <p:cNvPr id="6" name="Imagem 5">
-            <a:extLst>
-              <a:ext uri="{FF2B5EF4-FFF2-40B4-BE49-F238E27FC236}">
-                <a16:creationId xmlns:a16="http://schemas.microsoft.com/office/drawing/2014/main" id="{301976B4-992E-C995-BA46-E1232136F96E}"/>
-              </a:ext>
-            </a:extLst>
-          </p:cNvPr>
-          <p:cNvPicPr>
-            <a:picLocks noChangeAspect="1"/>
-          </p:cNvPicPr>
-          <p:nvPr/>
-        </p:nvPicPr>
-        <p:blipFill>
-          <a:blip r:embed="rId4"/>
-          <a:stretch>
-            <a:fillRect/>
-          </a:stretch>
-        </p:blipFill>
-        <p:spPr>
-          <a:xfrm>
-            <a:off x="4894419" y="2248643"/>
-            <a:ext cx="3063037" cy="3628169"/>
-          </a:xfrm>
-          <a:prstGeom prst="rect">
-            <a:avLst/>
-          </a:prstGeom>
-        </p:spPr>
-      </p:pic>
-      <p:pic>
-        <p:nvPicPr>
-          <p:cNvPr id="8" name="Imagem 7">
-            <a:extLst>
-              <a:ext uri="{FF2B5EF4-FFF2-40B4-BE49-F238E27FC236}">
-                <a16:creationId xmlns:a16="http://schemas.microsoft.com/office/drawing/2014/main" id="{DB670EF9-DB32-9937-E1C1-35928DE7885D}"/>
-              </a:ext>
-            </a:extLst>
-          </p:cNvPr>
-          <p:cNvPicPr>
-            <a:picLocks noChangeAspect="1"/>
-          </p:cNvPicPr>
-          <p:nvPr/>
-        </p:nvPicPr>
-        <p:blipFill>
-          <a:blip r:embed="rId5"/>
-          <a:stretch>
-            <a:fillRect/>
-          </a:stretch>
-        </p:blipFill>
-        <p:spPr>
-          <a:xfrm>
-            <a:off x="7957456" y="2349444"/>
-            <a:ext cx="4017521" cy="3527368"/>
-          </a:xfrm>
-          <a:prstGeom prst="rect">
-            <a:avLst/>
-          </a:prstGeom>
-        </p:spPr>
-      </p:pic>
     </p:spTree>
     <p:extLst>
       <p:ext uri="{BB962C8B-B14F-4D97-AF65-F5344CB8AC3E}">
-        <p14:creationId xmlns:p14="http://schemas.microsoft.com/office/powerpoint/2010/main" val="847256415"/>
+        <p14:creationId xmlns:p14="http://schemas.microsoft.com/office/powerpoint/2010/main" val="3194953543"/>
       </p:ext>
     </p:extLst>
   </p:cSld>
@@ -9305,7 +11903,7 @@
         <p:fade/>
       </p:transition>
     </mc:Choice>
-    <mc:Fallback xmlns="">
+    <mc:Fallback xmlns:p15="http://schemas.microsoft.com/office/powerpoint/2012/main" xmlns="">
       <p:transition spd="med">
         <p:fade/>
       </p:transition>
@@ -9360,20 +11958,20 @@
           </a:bodyPr>
           <a:lstStyle/>
           <a:p>
-            <a:pPr algn="ctr">
-              <a:lnSpc>
-                <a:spcPct val="85000"/>
-              </a:lnSpc>
-              <a:buNone/>
+            <a:pPr marL="108000" algn="ctr">
+              <a:spcBef>
+                <a:spcPts val="1417"/>
+              </a:spcBef>
+              <a:buClr>
+                <a:schemeClr val="accent1"/>
+              </a:buClr>
+              <a:buSzPct val="45000"/>
             </a:pPr>
             <a:r>
-              <a:rPr lang="pt-PT" sz="4800" b="0" strike="noStrike" spc="-1" dirty="0">
-                <a:solidFill>
-                  <a:srgbClr val="000000"/>
-                </a:solidFill>
-                <a:latin typeface="Calibri"/>
-              </a:rPr>
-              <a:t>Especificação detalhada do software</a:t>
+              <a:rPr lang="pt-PT" sz="3600" dirty="0">
+                <a:latin typeface="Arial" panose="020B0604020202020204" pitchFamily="34" charset="0"/>
+              </a:rPr>
+              <a:t>Vendas e Avaliações Globais de Videojogos</a:t>
             </a:r>
           </a:p>
         </p:txBody>
@@ -9390,7 +11988,7 @@
         </p:nvSpPr>
         <p:spPr>
           <a:xfrm>
-            <a:off x="1097280" y="1845720"/>
+            <a:off x="1066980" y="1846080"/>
             <a:ext cx="10058040" cy="4023000"/>
           </a:xfrm>
           <a:prstGeom prst="rect">
@@ -9419,41 +12017,20 @@
               <a:buChar char="o"/>
             </a:pPr>
             <a:r>
-              <a:rPr lang="pt-PT" sz="2000" b="0" strike="noStrike" spc="-1" dirty="0">
-                <a:solidFill>
-                  <a:srgbClr val="404040"/>
-                </a:solidFill>
-                <a:latin typeface="Calibri"/>
-              </a:rPr>
-              <a:t>De modo a assegurar o bom funcionamento do software, preparou-se um ficheiro </a:t>
-            </a:r>
-            <a:r>
-              <a:rPr lang="pt-PT" sz="2000" b="0" strike="noStrike" spc="-1" dirty="0" err="1">
-                <a:solidFill>
-                  <a:srgbClr val="404040"/>
-                </a:solidFill>
-                <a:latin typeface="Calibri"/>
-              </a:rPr>
-              <a:t>excel</a:t>
-            </a:r>
-            <a:r>
-              <a:rPr lang="pt-PT" sz="2000" b="0" strike="noStrike" spc="-1" dirty="0">
-                <a:solidFill>
-                  <a:srgbClr val="404040"/>
-                </a:solidFill>
-                <a:latin typeface="Calibri"/>
-              </a:rPr>
-              <a:t> com especificações de casos de uso, com fluxos alternativos e fluxos de exceção</a:t>
-            </a:r>
-            <a:r>
               <a:rPr lang="pt-PT" sz="2000" spc="-1" dirty="0">
                 <a:solidFill>
                   <a:srgbClr val="404040"/>
                 </a:solidFill>
                 <a:latin typeface="Calibri"/>
               </a:rPr>
-              <a:t>. </a:t>
-            </a:r>
+              <a:t>Objetivos</a:t>
+            </a:r>
+            <a:endParaRPr lang="pt-PT" sz="2000" b="0" strike="noStrike" spc="-1" dirty="0">
+              <a:solidFill>
+                <a:srgbClr val="404040"/>
+              </a:solidFill>
+              <a:latin typeface="Calibri"/>
+            </a:endParaRPr>
           </a:p>
           <a:p>
             <a:pPr marL="450900" indent="-342900">
@@ -9467,37 +12044,12 @@
               <a:buFont typeface="Courier New" panose="02070309020205020404" pitchFamily="49" charset="0"/>
               <a:buChar char="o"/>
             </a:pPr>
-            <a:r>
-              <a:rPr lang="pt-PT" sz="2000" spc="-1" dirty="0">
-                <a:solidFill>
-                  <a:srgbClr val="404040"/>
-                </a:solidFill>
-                <a:latin typeface="Calibri"/>
-              </a:rPr>
-              <a:t>A partir deste fizemos vários diagramas de modo a identificar as interações entre as várias classes do nosso Sistema. </a:t>
-            </a:r>
-          </a:p>
-          <a:p>
-            <a:pPr marL="450900" indent="-342900">
-              <a:spcBef>
-                <a:spcPts val="1417"/>
-              </a:spcBef>
-              <a:buClr>
-                <a:schemeClr val="accent1"/>
-              </a:buClr>
-              <a:buSzPct val="45000"/>
-              <a:buFont typeface="Courier New" panose="02070309020205020404" pitchFamily="49" charset="0"/>
-              <a:buChar char="o"/>
-            </a:pPr>
-            <a:r>
-              <a:rPr lang="pt-PT" sz="2000" spc="-1" dirty="0">
-                <a:solidFill>
-                  <a:srgbClr val="404040"/>
-                </a:solidFill>
-                <a:latin typeface="Calibri"/>
-              </a:rPr>
-              <a:t>Para isto desenvolvemos um modelo de domínio, um diagrama de use cases, e vários diagramas de atividade. </a:t>
-            </a:r>
+            <a:endParaRPr lang="pt-PT" sz="2000" b="0" strike="noStrike" spc="-1" dirty="0">
+              <a:solidFill>
+                <a:srgbClr val="404040"/>
+              </a:solidFill>
+              <a:latin typeface="Calibri"/>
+            </a:endParaRPr>
           </a:p>
         </p:txBody>
       </p:sp>
@@ -9508,7 +12060,7 @@
           <p:nvPr/>
         </p:nvPicPr>
         <p:blipFill>
-          <a:blip r:embed="rId2"/>
+          <a:blip r:embed="rId3"/>
           <a:stretch/>
         </p:blipFill>
         <p:spPr>
@@ -9533,7 +12085,7 @@
         <p:spPr>
           <a:xfrm>
             <a:off x="1411560" y="177480"/>
-            <a:ext cx="3071160" cy="521766"/>
+            <a:ext cx="3328220" cy="521766"/>
           </a:xfrm>
           <a:prstGeom prst="rect">
             <a:avLst/>
@@ -9556,10 +12108,21 @@
           <a:fontRef idx="minor"/>
         </p:style>
         <p:txBody>
-          <a:bodyPr lIns="90000" tIns="45000" rIns="90000" bIns="45000" anchor="t">
+          <a:bodyPr wrap="square" lIns="90000" tIns="45000" rIns="90000" bIns="45000" anchor="t">
             <a:spAutoFit/>
           </a:bodyPr>
           <a:lstStyle/>
+          <a:p>
+            <a:r>
+              <a:rPr lang="pt-PT" sz="1400" spc="-1" dirty="0">
+                <a:solidFill>
+                  <a:srgbClr val="000000"/>
+                </a:solidFill>
+                <a:latin typeface="Calibri Light"/>
+              </a:rPr>
+              <a:t>Aprendizagem e Decisão Inteligentes</a:t>
+            </a:r>
+          </a:p>
           <a:p>
             <a:pPr>
               <a:lnSpc>
@@ -9574,26 +12137,6 @@
                 </a:solidFill>
                 <a:latin typeface="Calibri Light"/>
               </a:rPr>
-              <a:t>Laboratórios de Informática IV </a:t>
-            </a:r>
-            <a:endParaRPr lang="pt-PT" sz="1400" b="0" strike="noStrike" spc="-1" dirty="0">
-              <a:latin typeface="Arial"/>
-            </a:endParaRPr>
-          </a:p>
-          <a:p>
-            <a:pPr>
-              <a:lnSpc>
-                <a:spcPct val="100000"/>
-              </a:lnSpc>
-              <a:buNone/>
-            </a:pPr>
-            <a:r>
-              <a:rPr lang="pt-PT" sz="1400" b="0" strike="noStrike" spc="-1" dirty="0">
-                <a:solidFill>
-                  <a:srgbClr val="000000"/>
-                </a:solidFill>
-                <a:latin typeface="Calibri Light"/>
-              </a:rPr>
               <a:t>Ano letivo 2022/2023</a:t>
             </a:r>
             <a:endParaRPr lang="pt-PT" sz="1400" b="0" strike="noStrike" spc="-1" dirty="0">
@@ -9621,14 +12164,14 @@
               <a:rPr/>
               <a:t>4</a:t>
             </a:fld>
-            <a:endParaRPr dirty="0"/>
+            <a:endParaRPr/>
           </a:p>
         </p:txBody>
       </p:sp>
     </p:spTree>
     <p:extLst>
       <p:ext uri="{BB962C8B-B14F-4D97-AF65-F5344CB8AC3E}">
-        <p14:creationId xmlns:p14="http://schemas.microsoft.com/office/powerpoint/2010/main" val="3155092698"/>
+        <p14:creationId xmlns:p14="http://schemas.microsoft.com/office/powerpoint/2010/main" val="3581204724"/>
       </p:ext>
     </p:extLst>
   </p:cSld>
@@ -9641,7 +12184,7 @@
         <p:fade/>
       </p:transition>
     </mc:Choice>
-    <mc:Fallback xmlns="">
+    <mc:Fallback xmlns:p15="http://schemas.microsoft.com/office/powerpoint/2012/main" xmlns="">
       <p:transition spd="med">
         <p:fade/>
       </p:transition>
@@ -9696,60 +12239,101 @@
           </a:bodyPr>
           <a:lstStyle/>
           <a:p>
-            <a:pPr algn="ctr">
-              <a:lnSpc>
-                <a:spcPct val="85000"/>
-              </a:lnSpc>
-              <a:buNone/>
+            <a:pPr marL="108000" algn="ctr">
+              <a:spcBef>
+                <a:spcPts val="1417"/>
+              </a:spcBef>
+              <a:buClr>
+                <a:schemeClr val="accent1"/>
+              </a:buClr>
+              <a:buSzPct val="45000"/>
             </a:pPr>
             <a:r>
-              <a:rPr lang="pt-PT" sz="4800" b="0" strike="noStrike" spc="-1" dirty="0">
+              <a:rPr lang="pt-PT" sz="3600" dirty="0">
+                <a:latin typeface="Arial" panose="020B0604020202020204" pitchFamily="34" charset="0"/>
+              </a:rPr>
+              <a:t>Vendas e Avaliações Globais de Videojogos</a:t>
+            </a:r>
+          </a:p>
+        </p:txBody>
+      </p:sp>
+      <p:sp>
+        <p:nvSpPr>
+          <p:cNvPr id="96" name="PlaceHolder 2"/>
+          <p:cNvSpPr>
+            <a:spLocks noGrp="1"/>
+          </p:cNvSpPr>
+          <p:nvPr>
+            <p:ph/>
+          </p:nvPr>
+        </p:nvSpPr>
+        <p:spPr>
+          <a:xfrm>
+            <a:off x="1066980" y="1846080"/>
+            <a:ext cx="2548675" cy="410559"/>
+          </a:xfrm>
+          <a:prstGeom prst="rect">
+            <a:avLst/>
+          </a:prstGeom>
+          <a:noFill/>
+          <a:ln w="0">
+            <a:noFill/>
+          </a:ln>
+        </p:spPr>
+        <p:txBody>
+          <a:bodyPr lIns="0" rIns="0" anchor="t">
+            <a:noAutofit/>
+          </a:bodyPr>
+          <a:lstStyle/>
+          <a:p>
+            <a:pPr marL="450900" indent="-342900">
+              <a:spcBef>
+                <a:spcPts val="1417"/>
+              </a:spcBef>
+              <a:buClr>
+                <a:schemeClr val="accent1"/>
+              </a:buClr>
+              <a:buSzPct val="45000"/>
+              <a:buFont typeface="Courier New" panose="02070309020205020404" pitchFamily="49" charset="0"/>
+              <a:buChar char="o"/>
+            </a:pPr>
+            <a:r>
+              <a:rPr lang="pt-PT" sz="2000" spc="-1" dirty="0">
                 <a:solidFill>
-                  <a:srgbClr val="000000"/>
+                  <a:srgbClr val="404040"/>
                 </a:solidFill>
                 <a:latin typeface="Calibri"/>
               </a:rPr>
-              <a:t>Especificação Use cases</a:t>
-            </a:r>
-          </a:p>
-        </p:txBody>
-      </p:sp>
-      <p:pic>
-        <p:nvPicPr>
-          <p:cNvPr id="3" name="Marcador de Posição de Conteúdo 2">
-            <a:extLst>
-              <a:ext uri="{FF2B5EF4-FFF2-40B4-BE49-F238E27FC236}">
-                <a16:creationId xmlns:a16="http://schemas.microsoft.com/office/drawing/2014/main" id="{539C1969-CF9E-EA61-8F98-E9B8DCD52088}"/>
-              </a:ext>
-            </a:extLst>
-          </p:cNvPr>
-          <p:cNvPicPr>
-            <a:picLocks noGrp="1" noChangeAspect="1"/>
-          </p:cNvPicPr>
-          <p:nvPr>
-            <p:ph/>
-          </p:nvPr>
-        </p:nvPicPr>
-        <p:blipFill>
-          <a:blip r:embed="rId2"/>
-          <a:stretch>
-            <a:fillRect/>
-          </a:stretch>
-        </p:blipFill>
-        <p:spPr>
-          <a:xfrm>
-            <a:off x="1097280" y="1845720"/>
-            <a:ext cx="4965394" cy="1986051"/>
-          </a:xfrm>
-          <a:prstGeom prst="rect">
-            <a:avLst/>
-          </a:prstGeom>
-          <a:noFill/>
-          <a:ln w="0">
-            <a:noFill/>
-          </a:ln>
-        </p:spPr>
-      </p:pic>
+              <a:t>Estudo de dados</a:t>
+            </a:r>
+            <a:endParaRPr lang="pt-PT" sz="2000" b="0" strike="noStrike" spc="-1" dirty="0">
+              <a:solidFill>
+                <a:srgbClr val="404040"/>
+              </a:solidFill>
+              <a:latin typeface="Calibri"/>
+            </a:endParaRPr>
+          </a:p>
+          <a:p>
+            <a:pPr marL="450900" indent="-342900">
+              <a:spcBef>
+                <a:spcPts val="1417"/>
+              </a:spcBef>
+              <a:buClr>
+                <a:schemeClr val="accent1"/>
+              </a:buClr>
+              <a:buSzPct val="45000"/>
+              <a:buFont typeface="Courier New" panose="02070309020205020404" pitchFamily="49" charset="0"/>
+              <a:buChar char="o"/>
+            </a:pPr>
+            <a:endParaRPr lang="pt-PT" sz="2000" b="0" strike="noStrike" spc="-1" dirty="0">
+              <a:solidFill>
+                <a:srgbClr val="404040"/>
+              </a:solidFill>
+              <a:latin typeface="Calibri"/>
+            </a:endParaRPr>
+          </a:p>
+        </p:txBody>
+      </p:sp>
       <p:pic>
         <p:nvPicPr>
           <p:cNvPr id="97" name="Picture 4"/>
@@ -9782,7 +12366,7 @@
         <p:spPr>
           <a:xfrm>
             <a:off x="1411560" y="177480"/>
-            <a:ext cx="3071160" cy="521766"/>
+            <a:ext cx="3328220" cy="521766"/>
           </a:xfrm>
           <a:prstGeom prst="rect">
             <a:avLst/>
@@ -9805,10 +12389,21 @@
           <a:fontRef idx="minor"/>
         </p:style>
         <p:txBody>
-          <a:bodyPr lIns="90000" tIns="45000" rIns="90000" bIns="45000" anchor="t">
+          <a:bodyPr wrap="square" lIns="90000" tIns="45000" rIns="90000" bIns="45000" anchor="t">
             <a:spAutoFit/>
           </a:bodyPr>
           <a:lstStyle/>
+          <a:p>
+            <a:r>
+              <a:rPr lang="pt-PT" sz="1400" spc="-1" dirty="0">
+                <a:solidFill>
+                  <a:srgbClr val="000000"/>
+                </a:solidFill>
+                <a:latin typeface="Calibri Light"/>
+              </a:rPr>
+              <a:t>Aprendizagem e Decisão Inteligentes</a:t>
+            </a:r>
+          </a:p>
           <a:p>
             <a:pPr>
               <a:lnSpc>
@@ -9823,26 +12418,6 @@
                 </a:solidFill>
                 <a:latin typeface="Calibri Light"/>
               </a:rPr>
-              <a:t>Laboratórios de Informática IV </a:t>
-            </a:r>
-            <a:endParaRPr lang="pt-PT" sz="1400" b="0" strike="noStrike" spc="-1" dirty="0">
-              <a:latin typeface="Arial"/>
-            </a:endParaRPr>
-          </a:p>
-          <a:p>
-            <a:pPr>
-              <a:lnSpc>
-                <a:spcPct val="100000"/>
-              </a:lnSpc>
-              <a:buNone/>
-            </a:pPr>
-            <a:r>
-              <a:rPr lang="pt-PT" sz="1400" b="0" strike="noStrike" spc="-1" dirty="0">
-                <a:solidFill>
-                  <a:srgbClr val="000000"/>
-                </a:solidFill>
-                <a:latin typeface="Calibri Light"/>
-              </a:rPr>
               <a:t>Ano letivo 2022/2023</a:t>
             </a:r>
             <a:endParaRPr lang="pt-PT" sz="1400" b="0" strike="noStrike" spc="-1" dirty="0">
@@ -9870,44 +12445,610 @@
               <a:rPr/>
               <a:t>5</a:t>
             </a:fld>
-            <a:endParaRPr dirty="0"/>
-          </a:p>
-        </p:txBody>
-      </p:sp>
-      <p:pic>
-        <p:nvPicPr>
-          <p:cNvPr id="6" name="Imagem 5">
+            <a:endParaRPr/>
+          </a:p>
+        </p:txBody>
+      </p:sp>
+      <p:sp>
+        <p:nvSpPr>
+          <p:cNvPr id="2" name="CaixaDeTexto 1">
             <a:extLst>
               <a:ext uri="{FF2B5EF4-FFF2-40B4-BE49-F238E27FC236}">
-                <a16:creationId xmlns:a16="http://schemas.microsoft.com/office/drawing/2014/main" id="{A5E0D2CF-D2EB-A4E3-610E-F6BD22885C9C}"/>
+                <a16:creationId xmlns:a16="http://schemas.microsoft.com/office/drawing/2014/main" id="{356071CD-3F76-AEC9-931E-0F656EC557E8}"/>
               </a:ext>
             </a:extLst>
           </p:cNvPr>
-          <p:cNvPicPr>
-            <a:picLocks noChangeAspect="1"/>
-          </p:cNvPicPr>
+          <p:cNvSpPr txBox="1"/>
           <p:nvPr/>
-        </p:nvPicPr>
-        <p:blipFill>
-          <a:blip r:embed="rId4"/>
-          <a:stretch>
-            <a:fillRect/>
-          </a:stretch>
-        </p:blipFill>
-        <p:spPr>
-          <a:xfrm>
-            <a:off x="6062674" y="3882103"/>
-            <a:ext cx="5149526" cy="1450440"/>
-          </a:xfrm>
-          <a:prstGeom prst="rect">
-            <a:avLst/>
-          </a:prstGeom>
-        </p:spPr>
-      </p:pic>
+        </p:nvSpPr>
+        <p:spPr>
+          <a:xfrm>
+            <a:off x="1411200" y="2454007"/>
+            <a:ext cx="5140602" cy="2970044"/>
+          </a:xfrm>
+          <a:prstGeom prst="rect">
+            <a:avLst/>
+          </a:prstGeom>
+          <a:noFill/>
+        </p:spPr>
+        <p:txBody>
+          <a:bodyPr wrap="square" rtlCol="0">
+            <a:spAutoFit/>
+          </a:bodyPr>
+          <a:lstStyle/>
+          <a:p>
+            <a:r>
+              <a:rPr lang="pt-PT" sz="1100" b="0" i="0" dirty="0">
+                <a:effectLst/>
+                <a:latin typeface="Courier New" panose="02070309020205020404" pitchFamily="49" charset="0"/>
+              </a:rPr>
+              <a:t>• </a:t>
+            </a:r>
+            <a:r>
+              <a:rPr lang="pt-PT" sz="1100" b="1" i="1" dirty="0" err="1">
+                <a:effectLst/>
+                <a:latin typeface="Arial" panose="020B0604020202020204" pitchFamily="34" charset="0"/>
+              </a:rPr>
+              <a:t>Name</a:t>
+            </a:r>
+            <a:r>
+              <a:rPr lang="pt-PT" sz="1100" b="0" i="0" dirty="0">
+                <a:effectLst/>
+                <a:latin typeface="Arial" panose="020B0604020202020204" pitchFamily="34" charset="0"/>
+              </a:rPr>
+              <a:t> - Nome do jogo;</a:t>
+            </a:r>
+            <a:br>
+              <a:rPr lang="pt-PT" sz="1100" dirty="0"/>
+            </a:br>
+            <a:r>
+              <a:rPr lang="pt-PT" sz="1100" b="0" i="0" dirty="0">
+                <a:effectLst/>
+                <a:latin typeface="Courier New" panose="02070309020205020404" pitchFamily="49" charset="0"/>
+              </a:rPr>
+              <a:t>• </a:t>
+            </a:r>
+            <a:r>
+              <a:rPr lang="pt-PT" sz="1100" b="1" i="1" dirty="0" err="1">
+                <a:effectLst/>
+                <a:latin typeface="Arial" panose="020B0604020202020204" pitchFamily="34" charset="0"/>
+              </a:rPr>
+              <a:t>Platform</a:t>
+            </a:r>
+            <a:r>
+              <a:rPr lang="pt-PT" sz="1100" b="0" i="0" dirty="0">
+                <a:effectLst/>
+                <a:latin typeface="Arial" panose="020B0604020202020204" pitchFamily="34" charset="0"/>
+              </a:rPr>
+              <a:t> - Plataforma para o qual o jogo foi constru</a:t>
+            </a:r>
+            <a:r>
+              <a:rPr lang="pt-PT" sz="1100" dirty="0">
+                <a:latin typeface="Arial" panose="020B0604020202020204" pitchFamily="34" charset="0"/>
+              </a:rPr>
+              <a:t>í</a:t>
+            </a:r>
+            <a:r>
+              <a:rPr lang="pt-PT" sz="1100" b="0" i="0" dirty="0">
+                <a:effectLst/>
+                <a:latin typeface="Arial" panose="020B0604020202020204" pitchFamily="34" charset="0"/>
+              </a:rPr>
+              <a:t>do;</a:t>
+            </a:r>
+            <a:br>
+              <a:rPr lang="pt-PT" sz="1100" dirty="0"/>
+            </a:br>
+            <a:r>
+              <a:rPr lang="pt-PT" sz="1100" b="0" i="0" dirty="0">
+                <a:effectLst/>
+                <a:latin typeface="Courier New" panose="02070309020205020404" pitchFamily="49" charset="0"/>
+              </a:rPr>
+              <a:t>• </a:t>
+            </a:r>
+            <a:r>
+              <a:rPr lang="pt-PT" sz="1100" b="1" i="1" dirty="0" err="1">
+                <a:effectLst/>
+                <a:latin typeface="Arial" panose="020B0604020202020204" pitchFamily="34" charset="0"/>
+              </a:rPr>
+              <a:t>Year</a:t>
+            </a:r>
+            <a:r>
+              <a:rPr lang="pt-PT" sz="1100" b="1" i="1" dirty="0">
+                <a:effectLst/>
+                <a:latin typeface="Arial" panose="020B0604020202020204" pitchFamily="34" charset="0"/>
+              </a:rPr>
+              <a:t> </a:t>
+            </a:r>
+            <a:r>
+              <a:rPr lang="pt-PT" sz="1100" b="1" i="1" dirty="0" err="1">
+                <a:effectLst/>
+                <a:latin typeface="Arial" panose="020B0604020202020204" pitchFamily="34" charset="0"/>
+              </a:rPr>
+              <a:t>of</a:t>
+            </a:r>
+            <a:r>
+              <a:rPr lang="pt-PT" sz="1100" b="1" i="1" dirty="0">
+                <a:effectLst/>
+                <a:latin typeface="Arial" panose="020B0604020202020204" pitchFamily="34" charset="0"/>
+              </a:rPr>
+              <a:t> </a:t>
+            </a:r>
+            <a:r>
+              <a:rPr lang="pt-PT" sz="1100" b="1" i="1" dirty="0" err="1">
+                <a:effectLst/>
+                <a:latin typeface="Arial" panose="020B0604020202020204" pitchFamily="34" charset="0"/>
+              </a:rPr>
+              <a:t>Release</a:t>
+            </a:r>
+            <a:r>
+              <a:rPr lang="pt-PT" sz="1100" b="0" i="0" dirty="0">
+                <a:effectLst/>
+                <a:latin typeface="Arial" panose="020B0604020202020204" pitchFamily="34" charset="0"/>
+              </a:rPr>
+              <a:t> - Ano em que o jogo foi lan</a:t>
+            </a:r>
+            <a:r>
+              <a:rPr lang="pt-PT" sz="1100" dirty="0">
+                <a:latin typeface="Arial" panose="020B0604020202020204" pitchFamily="34" charset="0"/>
+              </a:rPr>
+              <a:t>ç</a:t>
+            </a:r>
+            <a:r>
+              <a:rPr lang="pt-PT" sz="1100" b="0" i="0" dirty="0">
+                <a:effectLst/>
+                <a:latin typeface="Arial" panose="020B0604020202020204" pitchFamily="34" charset="0"/>
+              </a:rPr>
+              <a:t>ado para o público geral;</a:t>
+            </a:r>
+            <a:br>
+              <a:rPr lang="pt-PT" sz="1100" dirty="0"/>
+            </a:br>
+            <a:r>
+              <a:rPr lang="pt-PT" sz="1100" b="0" i="0" dirty="0">
+                <a:effectLst/>
+                <a:latin typeface="Courier New" panose="02070309020205020404" pitchFamily="49" charset="0"/>
+              </a:rPr>
+              <a:t>• </a:t>
+            </a:r>
+            <a:r>
+              <a:rPr lang="pt-PT" sz="1100" b="1" i="0" dirty="0" err="1">
+                <a:effectLst/>
+                <a:latin typeface="Arial" panose="020B0604020202020204" pitchFamily="34" charset="0"/>
+              </a:rPr>
+              <a:t>Genre</a:t>
+            </a:r>
+            <a:r>
+              <a:rPr lang="pt-PT" sz="1100" b="0" i="0" dirty="0">
+                <a:effectLst/>
+                <a:latin typeface="Arial" panose="020B0604020202020204" pitchFamily="34" charset="0"/>
+              </a:rPr>
+              <a:t> - G</a:t>
+            </a:r>
+            <a:r>
+              <a:rPr lang="pt-PT" sz="1100" dirty="0">
+                <a:latin typeface="Arial" panose="020B0604020202020204" pitchFamily="34" charset="0"/>
+              </a:rPr>
+              <a:t>ê</a:t>
+            </a:r>
+            <a:r>
+              <a:rPr lang="pt-PT" sz="1100" b="0" i="0" dirty="0">
+                <a:effectLst/>
+                <a:latin typeface="Arial" panose="020B0604020202020204" pitchFamily="34" charset="0"/>
+              </a:rPr>
+              <a:t>nero em qual o jogo se enquadra;</a:t>
+            </a:r>
+          </a:p>
+          <a:p>
+            <a:r>
+              <a:rPr lang="pt-PT" sz="1100" b="0" i="0" dirty="0">
+                <a:effectLst/>
+                <a:latin typeface="Courier New" panose="02070309020205020404" pitchFamily="49" charset="0"/>
+              </a:rPr>
+              <a:t>• </a:t>
+            </a:r>
+            <a:r>
+              <a:rPr lang="pt-PT" sz="1100" b="1" i="1" dirty="0">
+                <a:effectLst/>
+                <a:latin typeface="Arial" panose="020B0604020202020204" pitchFamily="34" charset="0"/>
+              </a:rPr>
+              <a:t>Publisher</a:t>
+            </a:r>
+            <a:r>
+              <a:rPr lang="pt-PT" sz="1100" b="0" i="0" dirty="0">
+                <a:effectLst/>
+                <a:latin typeface="Arial" panose="020B0604020202020204" pitchFamily="34" charset="0"/>
+              </a:rPr>
+              <a:t> - Empresa que publicou o jogo;</a:t>
+            </a:r>
+            <a:br>
+              <a:rPr lang="pt-PT" sz="1100" dirty="0"/>
+            </a:br>
+            <a:r>
+              <a:rPr lang="pt-PT" sz="1100" b="0" i="0" dirty="0">
+                <a:effectLst/>
+                <a:latin typeface="Courier New" panose="02070309020205020404" pitchFamily="49" charset="0"/>
+              </a:rPr>
+              <a:t>• </a:t>
+            </a:r>
+            <a:r>
+              <a:rPr lang="pt-PT" sz="1100" b="1" i="1" dirty="0">
+                <a:effectLst/>
+                <a:latin typeface="Arial" panose="020B0604020202020204" pitchFamily="34" charset="0"/>
+              </a:rPr>
+              <a:t>NA Sales</a:t>
+            </a:r>
+            <a:r>
+              <a:rPr lang="pt-PT" sz="1100" b="0" i="0" dirty="0">
+                <a:effectLst/>
+                <a:latin typeface="Arial" panose="020B0604020202020204" pitchFamily="34" charset="0"/>
+              </a:rPr>
+              <a:t> - Número de vendas na região da Am</a:t>
+            </a:r>
+            <a:r>
+              <a:rPr lang="pt-PT" sz="1100" dirty="0">
+                <a:latin typeface="Arial" panose="020B0604020202020204" pitchFamily="34" charset="0"/>
+              </a:rPr>
+              <a:t>é</a:t>
+            </a:r>
+            <a:r>
+              <a:rPr lang="pt-PT" sz="1100" b="0" i="0" dirty="0">
+                <a:effectLst/>
+                <a:latin typeface="Arial" panose="020B0604020202020204" pitchFamily="34" charset="0"/>
+              </a:rPr>
+              <a:t>rica do Norte;</a:t>
+            </a:r>
+            <a:br>
+              <a:rPr lang="pt-PT" sz="1100" dirty="0"/>
+            </a:br>
+            <a:r>
+              <a:rPr lang="pt-PT" sz="1100" b="0" i="0" dirty="0">
+                <a:effectLst/>
+                <a:latin typeface="Courier New" panose="02070309020205020404" pitchFamily="49" charset="0"/>
+              </a:rPr>
+              <a:t>• </a:t>
+            </a:r>
+            <a:r>
+              <a:rPr lang="pt-PT" sz="1100" b="1" i="1" dirty="0">
+                <a:effectLst/>
+                <a:latin typeface="Arial" panose="020B0604020202020204" pitchFamily="34" charset="0"/>
+              </a:rPr>
+              <a:t>EU Sales </a:t>
+            </a:r>
+            <a:r>
+              <a:rPr lang="pt-PT" sz="1100" b="0" i="0" dirty="0">
+                <a:effectLst/>
+                <a:latin typeface="Arial" panose="020B0604020202020204" pitchFamily="34" charset="0"/>
+              </a:rPr>
+              <a:t>- Numero de vendas na regi ̃ao da Europa;</a:t>
+            </a:r>
+            <a:br>
+              <a:rPr lang="pt-PT" sz="1100" dirty="0"/>
+            </a:br>
+            <a:r>
+              <a:rPr lang="pt-PT" sz="1100" b="0" i="0" dirty="0">
+                <a:effectLst/>
+                <a:latin typeface="Courier New" panose="02070309020205020404" pitchFamily="49" charset="0"/>
+              </a:rPr>
+              <a:t>• </a:t>
+            </a:r>
+            <a:r>
+              <a:rPr lang="pt-PT" sz="1100" b="1" i="1" dirty="0">
+                <a:effectLst/>
+                <a:latin typeface="Arial" panose="020B0604020202020204" pitchFamily="34" charset="0"/>
+              </a:rPr>
+              <a:t>JP Sales </a:t>
+            </a:r>
+            <a:r>
+              <a:rPr lang="pt-PT" sz="1100" b="0" i="0" dirty="0">
+                <a:effectLst/>
+                <a:latin typeface="Arial" panose="020B0604020202020204" pitchFamily="34" charset="0"/>
+              </a:rPr>
+              <a:t>- Número de vendas no Japão;</a:t>
+            </a:r>
+            <a:br>
+              <a:rPr lang="pt-PT" sz="1100" dirty="0"/>
+            </a:br>
+            <a:r>
+              <a:rPr lang="pt-PT" sz="1100" b="0" i="0" dirty="0">
+                <a:effectLst/>
+                <a:latin typeface="Courier New" panose="02070309020205020404" pitchFamily="49" charset="0"/>
+              </a:rPr>
+              <a:t>• </a:t>
+            </a:r>
+            <a:r>
+              <a:rPr lang="pt-PT" sz="1100" b="1" i="1" dirty="0" err="1">
+                <a:effectLst/>
+                <a:latin typeface="Arial" panose="020B0604020202020204" pitchFamily="34" charset="0"/>
+              </a:rPr>
+              <a:t>Other</a:t>
+            </a:r>
+            <a:r>
+              <a:rPr lang="pt-PT" sz="1100" b="1" i="1" dirty="0">
+                <a:effectLst/>
+                <a:latin typeface="Arial" panose="020B0604020202020204" pitchFamily="34" charset="0"/>
+              </a:rPr>
+              <a:t> Sales </a:t>
+            </a:r>
+            <a:r>
+              <a:rPr lang="pt-PT" sz="1100" b="0" i="0" dirty="0">
+                <a:effectLst/>
+                <a:latin typeface="Arial" panose="020B0604020202020204" pitchFamily="34" charset="0"/>
+              </a:rPr>
+              <a:t>- Número de vendas no resto do mundo;</a:t>
+            </a:r>
+            <a:br>
+              <a:rPr lang="pt-PT" sz="1100" dirty="0"/>
+            </a:br>
+            <a:r>
+              <a:rPr lang="pt-PT" sz="1100" b="0" i="0" dirty="0">
+                <a:effectLst/>
+                <a:latin typeface="Courier New" panose="02070309020205020404" pitchFamily="49" charset="0"/>
+              </a:rPr>
+              <a:t>• </a:t>
+            </a:r>
+            <a:r>
+              <a:rPr lang="pt-PT" sz="1100" b="1" i="1" dirty="0">
+                <a:effectLst/>
+                <a:latin typeface="Arial" panose="020B0604020202020204" pitchFamily="34" charset="0"/>
+              </a:rPr>
+              <a:t>Global Sales </a:t>
+            </a:r>
+            <a:r>
+              <a:rPr lang="pt-PT" sz="1100" b="0" i="0" dirty="0">
+                <a:effectLst/>
+                <a:latin typeface="Arial" panose="020B0604020202020204" pitchFamily="34" charset="0"/>
+              </a:rPr>
+              <a:t>- Número de vendas total;</a:t>
+            </a:r>
+            <a:br>
+              <a:rPr lang="pt-PT" sz="1100" dirty="0"/>
+            </a:br>
+            <a:r>
+              <a:rPr lang="pt-PT" sz="1100" b="0" i="0" dirty="0">
+                <a:effectLst/>
+                <a:latin typeface="Courier New" panose="02070309020205020404" pitchFamily="49" charset="0"/>
+              </a:rPr>
+              <a:t>• </a:t>
+            </a:r>
+            <a:r>
+              <a:rPr lang="pt-PT" sz="1100" b="1" i="1" dirty="0" err="1">
+                <a:effectLst/>
+                <a:latin typeface="Arial" panose="020B0604020202020204" pitchFamily="34" charset="0"/>
+              </a:rPr>
+              <a:t>Critic</a:t>
+            </a:r>
+            <a:r>
+              <a:rPr lang="pt-PT" sz="1100" b="1" i="1" dirty="0">
+                <a:effectLst/>
+                <a:latin typeface="Arial" panose="020B0604020202020204" pitchFamily="34" charset="0"/>
+              </a:rPr>
+              <a:t> Score </a:t>
+            </a:r>
+            <a:r>
+              <a:rPr lang="pt-PT" sz="1100" b="0" i="0" dirty="0">
+                <a:effectLst/>
+                <a:latin typeface="Arial" panose="020B0604020202020204" pitchFamily="34" charset="0"/>
+              </a:rPr>
+              <a:t>- Avaliação dos cr</a:t>
+            </a:r>
+            <a:r>
+              <a:rPr lang="pt-PT" sz="1100" dirty="0">
+                <a:latin typeface="Arial" panose="020B0604020202020204" pitchFamily="34" charset="0"/>
+              </a:rPr>
+              <a:t>ít</a:t>
+            </a:r>
+            <a:r>
+              <a:rPr lang="pt-PT" sz="1100" b="0" i="0" dirty="0">
+                <a:effectLst/>
+                <a:latin typeface="Arial" panose="020B0604020202020204" pitchFamily="34" charset="0"/>
+              </a:rPr>
+              <a:t>icos;</a:t>
+            </a:r>
+            <a:br>
+              <a:rPr lang="pt-PT" sz="1100" dirty="0"/>
+            </a:br>
+            <a:r>
+              <a:rPr lang="pt-PT" sz="1100" b="0" i="0" dirty="0">
+                <a:effectLst/>
+                <a:latin typeface="Courier New" panose="02070309020205020404" pitchFamily="49" charset="0"/>
+              </a:rPr>
+              <a:t>• </a:t>
+            </a:r>
+            <a:r>
+              <a:rPr lang="pt-PT" sz="1100" b="1" i="1" dirty="0" err="1">
+                <a:effectLst/>
+                <a:latin typeface="Arial" panose="020B0604020202020204" pitchFamily="34" charset="0"/>
+              </a:rPr>
+              <a:t>Critic</a:t>
+            </a:r>
+            <a:r>
+              <a:rPr lang="pt-PT" sz="1100" b="1" i="1" dirty="0">
+                <a:effectLst/>
+                <a:latin typeface="Arial" panose="020B0604020202020204" pitchFamily="34" charset="0"/>
+              </a:rPr>
+              <a:t> </a:t>
+            </a:r>
+            <a:r>
+              <a:rPr lang="pt-PT" sz="1100" b="1" i="1" dirty="0" err="1">
+                <a:effectLst/>
+                <a:latin typeface="Arial" panose="020B0604020202020204" pitchFamily="34" charset="0"/>
+              </a:rPr>
+              <a:t>Count</a:t>
+            </a:r>
+            <a:r>
+              <a:rPr lang="pt-PT" sz="1100" b="1" i="1" dirty="0">
+                <a:effectLst/>
+                <a:latin typeface="Arial" panose="020B0604020202020204" pitchFamily="34" charset="0"/>
+              </a:rPr>
+              <a:t> </a:t>
+            </a:r>
+            <a:r>
+              <a:rPr lang="pt-PT" sz="1100" b="0" i="0" dirty="0">
+                <a:effectLst/>
+                <a:latin typeface="Arial" panose="020B0604020202020204" pitchFamily="34" charset="0"/>
+              </a:rPr>
+              <a:t>- Número de cr</a:t>
+            </a:r>
+            <a:r>
+              <a:rPr lang="pt-PT" sz="1100" dirty="0">
+                <a:latin typeface="Arial" panose="020B0604020202020204" pitchFamily="34" charset="0"/>
+              </a:rPr>
+              <a:t>í</a:t>
+            </a:r>
+            <a:r>
+              <a:rPr lang="pt-PT" sz="1100" b="0" i="0" dirty="0">
+                <a:effectLst/>
+                <a:latin typeface="Arial" panose="020B0604020202020204" pitchFamily="34" charset="0"/>
+              </a:rPr>
+              <a:t>ticos que contribuíram para o </a:t>
+            </a:r>
+            <a:r>
+              <a:rPr lang="pt-PT" sz="1100" b="0" i="0" dirty="0" err="1">
+                <a:effectLst/>
+                <a:latin typeface="Arial" panose="020B0604020202020204" pitchFamily="34" charset="0"/>
+              </a:rPr>
+              <a:t>Critic</a:t>
+            </a:r>
+            <a:r>
+              <a:rPr lang="pt-PT" sz="1100" b="0" i="0" dirty="0">
+                <a:effectLst/>
+                <a:latin typeface="Arial" panose="020B0604020202020204" pitchFamily="34" charset="0"/>
+              </a:rPr>
+              <a:t> Score;</a:t>
+            </a:r>
+            <a:br>
+              <a:rPr lang="pt-PT" sz="1100" dirty="0"/>
+            </a:br>
+            <a:r>
+              <a:rPr lang="pt-PT" sz="1100" b="0" i="0" dirty="0">
+                <a:effectLst/>
+                <a:latin typeface="Courier New" panose="02070309020205020404" pitchFamily="49" charset="0"/>
+              </a:rPr>
+              <a:t>• </a:t>
+            </a:r>
+            <a:r>
+              <a:rPr lang="pt-PT" sz="1100" b="1" i="1" dirty="0">
+                <a:effectLst/>
+                <a:latin typeface="Arial" panose="020B0604020202020204" pitchFamily="34" charset="0"/>
+              </a:rPr>
+              <a:t>User Score </a:t>
+            </a:r>
+            <a:r>
+              <a:rPr lang="pt-PT" sz="1100" b="0" i="0" dirty="0">
+                <a:effectLst/>
+                <a:latin typeface="Arial" panose="020B0604020202020204" pitchFamily="34" charset="0"/>
+              </a:rPr>
+              <a:t>- Avaliação dos jogadores;</a:t>
+            </a:r>
+            <a:br>
+              <a:rPr lang="pt-PT" sz="1100" dirty="0"/>
+            </a:br>
+            <a:r>
+              <a:rPr lang="pt-PT" sz="1100" b="0" i="0" dirty="0">
+                <a:effectLst/>
+                <a:latin typeface="Courier New" panose="02070309020205020404" pitchFamily="49" charset="0"/>
+              </a:rPr>
+              <a:t>• </a:t>
+            </a:r>
+            <a:r>
+              <a:rPr lang="pt-PT" sz="1100" b="1" i="1" dirty="0">
+                <a:effectLst/>
+                <a:latin typeface="Arial" panose="020B0604020202020204" pitchFamily="34" charset="0"/>
+              </a:rPr>
+              <a:t>User </a:t>
+            </a:r>
+            <a:r>
+              <a:rPr lang="pt-PT" sz="1100" b="1" i="1" dirty="0" err="1">
+                <a:effectLst/>
+                <a:latin typeface="Arial" panose="020B0604020202020204" pitchFamily="34" charset="0"/>
+              </a:rPr>
+              <a:t>Count</a:t>
+            </a:r>
+            <a:r>
+              <a:rPr lang="pt-PT" sz="1100" b="1" i="1" dirty="0">
+                <a:effectLst/>
+                <a:latin typeface="Arial" panose="020B0604020202020204" pitchFamily="34" charset="0"/>
+              </a:rPr>
+              <a:t> </a:t>
+            </a:r>
+            <a:r>
+              <a:rPr lang="pt-PT" sz="1100" b="0" i="0" dirty="0">
+                <a:effectLst/>
+                <a:latin typeface="Arial" panose="020B0604020202020204" pitchFamily="34" charset="0"/>
+              </a:rPr>
+              <a:t>- Número de jogadores que contribuíram para o User Score;</a:t>
+            </a:r>
+            <a:br>
+              <a:rPr lang="pt-PT" sz="1100" dirty="0"/>
+            </a:br>
+            <a:r>
+              <a:rPr lang="pt-PT" sz="1100" b="0" i="0" dirty="0">
+                <a:effectLst/>
+                <a:latin typeface="Courier New" panose="02070309020205020404" pitchFamily="49" charset="0"/>
+              </a:rPr>
+              <a:t>• </a:t>
+            </a:r>
+            <a:r>
+              <a:rPr lang="pt-PT" sz="1100" b="1" i="1" dirty="0" err="1">
+                <a:effectLst/>
+                <a:latin typeface="Arial" panose="020B0604020202020204" pitchFamily="34" charset="0"/>
+              </a:rPr>
+              <a:t>Developer</a:t>
+            </a:r>
+            <a:r>
+              <a:rPr lang="pt-PT" sz="1100" b="0" i="0" dirty="0">
+                <a:effectLst/>
+                <a:latin typeface="Arial" panose="020B0604020202020204" pitchFamily="34" charset="0"/>
+              </a:rPr>
+              <a:t> - Empresa que fez o jogo;</a:t>
+            </a:r>
+            <a:br>
+              <a:rPr lang="pt-PT" sz="1100" dirty="0"/>
+            </a:br>
+            <a:r>
+              <a:rPr lang="pt-PT" sz="1100" b="0" i="0" dirty="0">
+                <a:effectLst/>
+                <a:latin typeface="Courier New" panose="02070309020205020404" pitchFamily="49" charset="0"/>
+              </a:rPr>
+              <a:t>• </a:t>
+            </a:r>
+            <a:r>
+              <a:rPr lang="pt-PT" sz="1100" b="1" i="1" dirty="0">
+                <a:effectLst/>
+                <a:latin typeface="Arial" panose="020B0604020202020204" pitchFamily="34" charset="0"/>
+              </a:rPr>
+              <a:t>Rating</a:t>
+            </a:r>
+            <a:r>
+              <a:rPr lang="pt-PT" sz="1100" b="0" i="0" dirty="0">
+                <a:effectLst/>
+                <a:latin typeface="Arial" panose="020B0604020202020204" pitchFamily="34" charset="0"/>
+              </a:rPr>
+              <a:t> - Faixa et</a:t>
+            </a:r>
+            <a:r>
+              <a:rPr lang="pt-PT" sz="1100" dirty="0">
+                <a:latin typeface="Arial" panose="020B0604020202020204" pitchFamily="34" charset="0"/>
+              </a:rPr>
+              <a:t>á</a:t>
+            </a:r>
+            <a:r>
+              <a:rPr lang="pt-PT" sz="1100" b="0" i="0" dirty="0">
+                <a:effectLst/>
+                <a:latin typeface="Arial" panose="020B0604020202020204" pitchFamily="34" charset="0"/>
+              </a:rPr>
+              <a:t>ria à qual o jogo se destina.</a:t>
+            </a:r>
+          </a:p>
+          <a:p>
+            <a:endParaRPr lang="pt-PT" sz="1100" dirty="0"/>
+          </a:p>
+        </p:txBody>
+      </p:sp>
     </p:spTree>
     <p:extLst>
       <p:ext uri="{BB962C8B-B14F-4D97-AF65-F5344CB8AC3E}">
-        <p14:creationId xmlns:p14="http://schemas.microsoft.com/office/powerpoint/2010/main" val="3850476356"/>
+        <p14:creationId xmlns:p14="http://schemas.microsoft.com/office/powerpoint/2010/main" val="3972504277"/>
       </p:ext>
     </p:extLst>
   </p:cSld>
@@ -9920,7 +13061,7 @@
         <p:fade/>
       </p:transition>
     </mc:Choice>
-    <mc:Fallback xmlns="" xmlns:p15="http://schemas.microsoft.com/office/powerpoint/2012/main">
+    <mc:Fallback xmlns:p15="http://schemas.microsoft.com/office/powerpoint/2012/main" xmlns="">
       <p:transition spd="med">
         <p:fade/>
       </p:transition>
@@ -9975,21 +13116,98 @@
           </a:bodyPr>
           <a:lstStyle/>
           <a:p>
-            <a:pPr algn="ctr">
-              <a:lnSpc>
-                <a:spcPct val="85000"/>
-              </a:lnSpc>
-              <a:buNone/>
+            <a:pPr marL="108000" algn="ctr">
+              <a:spcBef>
+                <a:spcPts val="1417"/>
+              </a:spcBef>
+              <a:buClr>
+                <a:schemeClr val="accent1"/>
+              </a:buClr>
+              <a:buSzPct val="45000"/>
             </a:pPr>
             <a:r>
-              <a:rPr lang="pt-PT" sz="4800" b="0" strike="noStrike" spc="-1" dirty="0">
+              <a:rPr lang="pt-PT" sz="3600" dirty="0">
+                <a:latin typeface="Arial" panose="020B0604020202020204" pitchFamily="34" charset="0"/>
+              </a:rPr>
+              <a:t>Vendas e Avaliações Globais de Videojogos</a:t>
+            </a:r>
+          </a:p>
+        </p:txBody>
+      </p:sp>
+      <p:sp>
+        <p:nvSpPr>
+          <p:cNvPr id="96" name="PlaceHolder 2"/>
+          <p:cNvSpPr>
+            <a:spLocks noGrp="1"/>
+          </p:cNvSpPr>
+          <p:nvPr>
+            <p:ph/>
+          </p:nvPr>
+        </p:nvSpPr>
+        <p:spPr>
+          <a:xfrm>
+            <a:off x="1066980" y="1846080"/>
+            <a:ext cx="10058040" cy="4023000"/>
+          </a:xfrm>
+          <a:prstGeom prst="rect">
+            <a:avLst/>
+          </a:prstGeom>
+          <a:noFill/>
+          <a:ln w="0">
+            <a:noFill/>
+          </a:ln>
+        </p:spPr>
+        <p:txBody>
+          <a:bodyPr lIns="0" rIns="0" anchor="t">
+            <a:noAutofit/>
+          </a:bodyPr>
+          <a:lstStyle/>
+          <a:p>
+            <a:pPr marL="450900" indent="-342900">
+              <a:spcBef>
+                <a:spcPts val="1417"/>
+              </a:spcBef>
+              <a:buClr>
+                <a:schemeClr val="accent1"/>
+              </a:buClr>
+              <a:buSzPct val="45000"/>
+              <a:buFont typeface="Courier New" panose="02070309020205020404" pitchFamily="49" charset="0"/>
+              <a:buChar char="o"/>
+            </a:pPr>
+            <a:r>
+              <a:rPr lang="pt-PT" sz="2000" spc="-1" dirty="0">
                 <a:solidFill>
-                  <a:srgbClr val="000000"/>
+                  <a:srgbClr val="404040"/>
                 </a:solidFill>
                 <a:latin typeface="Calibri"/>
               </a:rPr>
-              <a:t>Modelo de domínio </a:t>
-            </a:r>
+              <a:t>Preparação de dados</a:t>
+            </a:r>
+            <a:endParaRPr lang="pt-PT" sz="2000" b="0" strike="noStrike" spc="-1" dirty="0">
+              <a:solidFill>
+                <a:srgbClr val="404040"/>
+              </a:solidFill>
+              <a:latin typeface="Calibri"/>
+            </a:endParaRPr>
+          </a:p>
+          <a:p>
+            <a:pPr marL="450900" indent="-342900">
+              <a:spcBef>
+                <a:spcPts val="1417"/>
+              </a:spcBef>
+              <a:buClr>
+                <a:schemeClr val="accent1"/>
+              </a:buClr>
+              <a:buSzPct val="45000"/>
+              <a:buFont typeface="Courier New" panose="02070309020205020404" pitchFamily="49" charset="0"/>
+              <a:buChar char="o"/>
+            </a:pPr>
+            <a:endParaRPr lang="pt-PT" sz="2000" b="0" strike="noStrike" spc="-1" dirty="0">
+              <a:solidFill>
+                <a:srgbClr val="404040"/>
+              </a:solidFill>
+              <a:latin typeface="Calibri"/>
+            </a:endParaRPr>
           </a:p>
         </p:txBody>
       </p:sp>
@@ -10000,7 +13218,7 @@
           <p:nvPr/>
         </p:nvPicPr>
         <p:blipFill>
-          <a:blip r:embed="rId2"/>
+          <a:blip r:embed="rId3"/>
           <a:stretch/>
         </p:blipFill>
         <p:spPr>
@@ -10025,7 +13243,7 @@
         <p:spPr>
           <a:xfrm>
             <a:off x="1411560" y="177480"/>
-            <a:ext cx="3071160" cy="521766"/>
+            <a:ext cx="3328220" cy="521766"/>
           </a:xfrm>
           <a:prstGeom prst="rect">
             <a:avLst/>
@@ -10048,10 +13266,21 @@
           <a:fontRef idx="minor"/>
         </p:style>
         <p:txBody>
-          <a:bodyPr lIns="90000" tIns="45000" rIns="90000" bIns="45000" anchor="t">
+          <a:bodyPr wrap="square" lIns="90000" tIns="45000" rIns="90000" bIns="45000" anchor="t">
             <a:spAutoFit/>
           </a:bodyPr>
           <a:lstStyle/>
+          <a:p>
+            <a:r>
+              <a:rPr lang="pt-PT" sz="1400" spc="-1" dirty="0">
+                <a:solidFill>
+                  <a:srgbClr val="000000"/>
+                </a:solidFill>
+                <a:latin typeface="Calibri Light"/>
+              </a:rPr>
+              <a:t>Aprendizagem e Decisão Inteligentes</a:t>
+            </a:r>
+          </a:p>
           <a:p>
             <a:pPr>
               <a:lnSpc>
@@ -10066,26 +13295,6 @@
                 </a:solidFill>
                 <a:latin typeface="Calibri Light"/>
               </a:rPr>
-              <a:t>Laboratórios de Informática IV </a:t>
-            </a:r>
-            <a:endParaRPr lang="pt-PT" sz="1400" b="0" strike="noStrike" spc="-1" dirty="0">
-              <a:latin typeface="Arial"/>
-            </a:endParaRPr>
-          </a:p>
-          <a:p>
-            <a:pPr>
-              <a:lnSpc>
-                <a:spcPct val="100000"/>
-              </a:lnSpc>
-              <a:buNone/>
-            </a:pPr>
-            <a:r>
-              <a:rPr lang="pt-PT" sz="1400" b="0" strike="noStrike" spc="-1" dirty="0">
-                <a:solidFill>
-                  <a:srgbClr val="000000"/>
-                </a:solidFill>
-                <a:latin typeface="Calibri Light"/>
-              </a:rPr>
               <a:t>Ano letivo 2022/2023</a:t>
             </a:r>
             <a:endParaRPr lang="pt-PT" sz="1400" b="0" strike="noStrike" spc="-1" dirty="0">
@@ -10113,61 +13322,14 @@
               <a:rPr/>
               <a:t>6</a:t>
             </a:fld>
-            <a:endParaRPr dirty="0"/>
-          </a:p>
-        </p:txBody>
-      </p:sp>
-      <p:pic>
-        <p:nvPicPr>
-          <p:cNvPr id="1026" name="Picture 2">
-            <a:extLst>
-              <a:ext uri="{FF2B5EF4-FFF2-40B4-BE49-F238E27FC236}">
-                <a16:creationId xmlns:a16="http://schemas.microsoft.com/office/drawing/2014/main" id="{EB3DABB8-7139-598D-75CF-7A3BB34A424D}"/>
-              </a:ext>
-            </a:extLst>
-          </p:cNvPr>
-          <p:cNvPicPr>
-            <a:picLocks noChangeAspect="1" noChangeArrowheads="1"/>
-          </p:cNvPicPr>
-          <p:nvPr/>
-        </p:nvPicPr>
-        <p:blipFill>
-          <a:blip r:embed="rId3">
-            <a:extLst>
-              <a:ext uri="{28A0092B-C50C-407E-A947-70E740481C1C}">
-                <a14:useLocalDpi xmlns:a14="http://schemas.microsoft.com/office/drawing/2010/main" val="0"/>
-              </a:ext>
-            </a:extLst>
-          </a:blip>
-          <a:srcRect/>
-          <a:stretch>
-            <a:fillRect/>
-          </a:stretch>
-        </p:blipFill>
-        <p:spPr bwMode="auto">
-          <a:xfrm>
-            <a:off x="2548560" y="1737000"/>
-            <a:ext cx="7351800" cy="4065507"/>
-          </a:xfrm>
-          <a:prstGeom prst="rect">
-            <a:avLst/>
-          </a:prstGeom>
-          <a:noFill/>
-          <a:extLst>
-            <a:ext uri="{909E8E84-426E-40DD-AFC4-6F175D3DCCD1}">
-              <a14:hiddenFill xmlns:a14="http://schemas.microsoft.com/office/drawing/2010/main">
-                <a:solidFill>
-                  <a:srgbClr val="FFFFFF"/>
-                </a:solidFill>
-              </a14:hiddenFill>
-            </a:ext>
-          </a:extLst>
-        </p:spPr>
-      </p:pic>
+            <a:endParaRPr/>
+          </a:p>
+        </p:txBody>
+      </p:sp>
     </p:spTree>
     <p:extLst>
       <p:ext uri="{BB962C8B-B14F-4D97-AF65-F5344CB8AC3E}">
-        <p14:creationId xmlns:p14="http://schemas.microsoft.com/office/powerpoint/2010/main" val="2186978965"/>
+        <p14:creationId xmlns:p14="http://schemas.microsoft.com/office/powerpoint/2010/main" val="881160790"/>
       </p:ext>
     </p:extLst>
   </p:cSld>
@@ -10180,7 +13342,7 @@
         <p:fade/>
       </p:transition>
     </mc:Choice>
-    <mc:Fallback xmlns="">
+    <mc:Fallback xmlns:p15="http://schemas.microsoft.com/office/powerpoint/2012/main" xmlns="">
       <p:transition spd="med">
         <p:fade/>
       </p:transition>
@@ -10235,21 +13397,98 @@
           </a:bodyPr>
           <a:lstStyle/>
           <a:p>
-            <a:pPr algn="ctr">
-              <a:lnSpc>
-                <a:spcPct val="85000"/>
-              </a:lnSpc>
-              <a:buNone/>
+            <a:pPr marL="108000" algn="ctr">
+              <a:spcBef>
+                <a:spcPts val="1417"/>
+              </a:spcBef>
+              <a:buClr>
+                <a:schemeClr val="accent1"/>
+              </a:buClr>
+              <a:buSzPct val="45000"/>
             </a:pPr>
             <a:r>
-              <a:rPr lang="pt-PT" sz="4800" b="0" strike="noStrike" spc="-1" dirty="0">
+              <a:rPr lang="pt-PT" sz="3600" dirty="0">
+                <a:latin typeface="Arial" panose="020B0604020202020204" pitchFamily="34" charset="0"/>
+              </a:rPr>
+              <a:t>Vendas e Avaliações Globais de Videojogos</a:t>
+            </a:r>
+          </a:p>
+        </p:txBody>
+      </p:sp>
+      <p:sp>
+        <p:nvSpPr>
+          <p:cNvPr id="96" name="PlaceHolder 2"/>
+          <p:cNvSpPr>
+            <a:spLocks noGrp="1"/>
+          </p:cNvSpPr>
+          <p:nvPr>
+            <p:ph/>
+          </p:nvPr>
+        </p:nvSpPr>
+        <p:spPr>
+          <a:xfrm>
+            <a:off x="1066980" y="1846080"/>
+            <a:ext cx="10058040" cy="4023000"/>
+          </a:xfrm>
+          <a:prstGeom prst="rect">
+            <a:avLst/>
+          </a:prstGeom>
+          <a:noFill/>
+          <a:ln w="0">
+            <a:noFill/>
+          </a:ln>
+        </p:spPr>
+        <p:txBody>
+          <a:bodyPr lIns="0" rIns="0" anchor="t">
+            <a:noAutofit/>
+          </a:bodyPr>
+          <a:lstStyle/>
+          <a:p>
+            <a:pPr marL="450900" indent="-342900">
+              <a:spcBef>
+                <a:spcPts val="1417"/>
+              </a:spcBef>
+              <a:buClr>
+                <a:schemeClr val="accent1"/>
+              </a:buClr>
+              <a:buSzPct val="45000"/>
+              <a:buFont typeface="Courier New" panose="02070309020205020404" pitchFamily="49" charset="0"/>
+              <a:buChar char="o"/>
+            </a:pPr>
+            <a:r>
+              <a:rPr lang="pt-PT" sz="2000" spc="-1" dirty="0">
                 <a:solidFill>
-                  <a:srgbClr val="000000"/>
+                  <a:srgbClr val="404040"/>
                 </a:solidFill>
                 <a:latin typeface="Calibri"/>
               </a:rPr>
-              <a:t>Diagrama Use cases</a:t>
-            </a:r>
+              <a:t>Modelação</a:t>
+            </a:r>
+            <a:endParaRPr lang="pt-PT" sz="2000" b="0" strike="noStrike" spc="-1" dirty="0">
+              <a:solidFill>
+                <a:srgbClr val="404040"/>
+              </a:solidFill>
+              <a:latin typeface="Calibri"/>
+            </a:endParaRPr>
+          </a:p>
+          <a:p>
+            <a:pPr marL="450900" indent="-342900">
+              <a:spcBef>
+                <a:spcPts val="1417"/>
+              </a:spcBef>
+              <a:buClr>
+                <a:schemeClr val="accent1"/>
+              </a:buClr>
+              <a:buSzPct val="45000"/>
+              <a:buFont typeface="Courier New" panose="02070309020205020404" pitchFamily="49" charset="0"/>
+              <a:buChar char="o"/>
+            </a:pPr>
+            <a:endParaRPr lang="pt-PT" sz="2000" b="0" strike="noStrike" spc="-1" dirty="0">
+              <a:solidFill>
+                <a:srgbClr val="404040"/>
+              </a:solidFill>
+              <a:latin typeface="Calibri"/>
+            </a:endParaRPr>
           </a:p>
         </p:txBody>
       </p:sp>
@@ -10260,7 +13499,7 @@
           <p:nvPr/>
         </p:nvPicPr>
         <p:blipFill>
-          <a:blip r:embed="rId2"/>
+          <a:blip r:embed="rId3"/>
           <a:stretch/>
         </p:blipFill>
         <p:spPr>
@@ -10285,7 +13524,7 @@
         <p:spPr>
           <a:xfrm>
             <a:off x="1411560" y="177480"/>
-            <a:ext cx="3071160" cy="521766"/>
+            <a:ext cx="3328220" cy="521766"/>
           </a:xfrm>
           <a:prstGeom prst="rect">
             <a:avLst/>
@@ -10308,10 +13547,21 @@
           <a:fontRef idx="minor"/>
         </p:style>
         <p:txBody>
-          <a:bodyPr lIns="90000" tIns="45000" rIns="90000" bIns="45000" anchor="t">
+          <a:bodyPr wrap="square" lIns="90000" tIns="45000" rIns="90000" bIns="45000" anchor="t">
             <a:spAutoFit/>
           </a:bodyPr>
           <a:lstStyle/>
+          <a:p>
+            <a:r>
+              <a:rPr lang="pt-PT" sz="1400" spc="-1" dirty="0">
+                <a:solidFill>
+                  <a:srgbClr val="000000"/>
+                </a:solidFill>
+                <a:latin typeface="Calibri Light"/>
+              </a:rPr>
+              <a:t>Aprendizagem e Decisão Inteligentes</a:t>
+            </a:r>
+          </a:p>
           <a:p>
             <a:pPr>
               <a:lnSpc>
@@ -10326,26 +13576,6 @@
                 </a:solidFill>
                 <a:latin typeface="Calibri Light"/>
               </a:rPr>
-              <a:t>Laboratórios de Informática IV </a:t>
-            </a:r>
-            <a:endParaRPr lang="pt-PT" sz="1400" b="0" strike="noStrike" spc="-1" dirty="0">
-              <a:latin typeface="Arial"/>
-            </a:endParaRPr>
-          </a:p>
-          <a:p>
-            <a:pPr>
-              <a:lnSpc>
-                <a:spcPct val="100000"/>
-              </a:lnSpc>
-              <a:buNone/>
-            </a:pPr>
-            <a:r>
-              <a:rPr lang="pt-PT" sz="1400" b="0" strike="noStrike" spc="-1" dirty="0">
-                <a:solidFill>
-                  <a:srgbClr val="000000"/>
-                </a:solidFill>
-                <a:latin typeface="Calibri Light"/>
-              </a:rPr>
               <a:t>Ano letivo 2022/2023</a:t>
             </a:r>
             <a:endParaRPr lang="pt-PT" sz="1400" b="0" strike="noStrike" spc="-1" dirty="0">
@@ -10373,61 +13603,14 @@
               <a:rPr/>
               <a:t>7</a:t>
             </a:fld>
-            <a:endParaRPr dirty="0"/>
-          </a:p>
-        </p:txBody>
-      </p:sp>
-      <p:pic>
-        <p:nvPicPr>
-          <p:cNvPr id="2050" name="Picture 2">
-            <a:extLst>
-              <a:ext uri="{FF2B5EF4-FFF2-40B4-BE49-F238E27FC236}">
-                <a16:creationId xmlns:a16="http://schemas.microsoft.com/office/drawing/2014/main" id="{8E96067F-F5F5-AE6D-DCA0-09770ED69D44}"/>
-              </a:ext>
-            </a:extLst>
-          </p:cNvPr>
-          <p:cNvPicPr>
-            <a:picLocks noChangeAspect="1" noChangeArrowheads="1"/>
-          </p:cNvPicPr>
-          <p:nvPr/>
-        </p:nvPicPr>
-        <p:blipFill>
-          <a:blip r:embed="rId3">
-            <a:extLst>
-              <a:ext uri="{28A0092B-C50C-407E-A947-70E740481C1C}">
-                <a14:useLocalDpi xmlns:a14="http://schemas.microsoft.com/office/drawing/2010/main" val="0"/>
-              </a:ext>
-            </a:extLst>
-          </a:blip>
-          <a:srcRect/>
-          <a:stretch>
-            <a:fillRect/>
-          </a:stretch>
-        </p:blipFill>
-        <p:spPr bwMode="auto">
-          <a:xfrm>
-            <a:off x="2947140" y="1737000"/>
-            <a:ext cx="7020832" cy="4173087"/>
-          </a:xfrm>
-          <a:prstGeom prst="rect">
-            <a:avLst/>
-          </a:prstGeom>
-          <a:noFill/>
-          <a:extLst>
-            <a:ext uri="{909E8E84-426E-40DD-AFC4-6F175D3DCCD1}">
-              <a14:hiddenFill xmlns:a14="http://schemas.microsoft.com/office/drawing/2010/main">
-                <a:solidFill>
-                  <a:srgbClr val="FFFFFF"/>
-                </a:solidFill>
-              </a14:hiddenFill>
-            </a:ext>
-          </a:extLst>
-        </p:spPr>
-      </p:pic>
+            <a:endParaRPr/>
+          </a:p>
+        </p:txBody>
+      </p:sp>
     </p:spTree>
     <p:extLst>
       <p:ext uri="{BB962C8B-B14F-4D97-AF65-F5344CB8AC3E}">
-        <p14:creationId xmlns:p14="http://schemas.microsoft.com/office/powerpoint/2010/main" val="1760321423"/>
+        <p14:creationId xmlns:p14="http://schemas.microsoft.com/office/powerpoint/2010/main" val="4281557855"/>
       </p:ext>
     </p:extLst>
   </p:cSld>
@@ -10440,7 +13623,7 @@
         <p:fade/>
       </p:transition>
     </mc:Choice>
-    <mc:Fallback xmlns="">
+    <mc:Fallback xmlns:p15="http://schemas.microsoft.com/office/powerpoint/2012/main" xmlns="">
       <p:transition spd="med">
         <p:fade/>
       </p:transition>
@@ -10495,33 +13678,95 @@
           </a:bodyPr>
           <a:lstStyle/>
           <a:p>
-            <a:pPr algn="ctr">
-              <a:lnSpc>
-                <a:spcPct val="85000"/>
-              </a:lnSpc>
-              <a:buNone/>
+            <a:pPr marL="108000" algn="ctr">
+              <a:spcBef>
+                <a:spcPts val="1417"/>
+              </a:spcBef>
+              <a:buClr>
+                <a:schemeClr val="accent1"/>
+              </a:buClr>
+              <a:buSzPct val="45000"/>
             </a:pPr>
             <a:r>
-              <a:rPr lang="pt-PT" sz="4800" spc="-1" dirty="0">
+              <a:rPr lang="pt-PT" sz="3600" dirty="0">
+                <a:latin typeface="Arial" panose="020B0604020202020204" pitchFamily="34" charset="0"/>
+              </a:rPr>
+              <a:t>Vendas e Avaliações Globais de Videojogos</a:t>
+            </a:r>
+          </a:p>
+        </p:txBody>
+      </p:sp>
+      <p:sp>
+        <p:nvSpPr>
+          <p:cNvPr id="96" name="PlaceHolder 2"/>
+          <p:cNvSpPr>
+            <a:spLocks noGrp="1"/>
+          </p:cNvSpPr>
+          <p:nvPr>
+            <p:ph/>
+          </p:nvPr>
+        </p:nvSpPr>
+        <p:spPr>
+          <a:xfrm>
+            <a:off x="1066980" y="1846080"/>
+            <a:ext cx="10058040" cy="4023000"/>
+          </a:xfrm>
+          <a:prstGeom prst="rect">
+            <a:avLst/>
+          </a:prstGeom>
+          <a:noFill/>
+          <a:ln w="0">
+            <a:noFill/>
+          </a:ln>
+        </p:spPr>
+        <p:txBody>
+          <a:bodyPr lIns="0" rIns="0" anchor="t">
+            <a:noAutofit/>
+          </a:bodyPr>
+          <a:lstStyle/>
+          <a:p>
+            <a:pPr marL="450900" indent="-342900">
+              <a:spcBef>
+                <a:spcPts val="1417"/>
+              </a:spcBef>
+              <a:buClr>
+                <a:schemeClr val="accent1"/>
+              </a:buClr>
+              <a:buSzPct val="45000"/>
+              <a:buFont typeface="Courier New" panose="02070309020205020404" pitchFamily="49" charset="0"/>
+              <a:buChar char="o"/>
+            </a:pPr>
+            <a:r>
+              <a:rPr lang="pt-PT" sz="2000" spc="-1" dirty="0">
                 <a:solidFill>
-                  <a:srgbClr val="000000"/>
+                  <a:srgbClr val="404040"/>
                 </a:solidFill>
                 <a:latin typeface="Calibri"/>
               </a:rPr>
-              <a:t>Diagramas </a:t>
-            </a:r>
-            <a:r>
-              <a:rPr lang="pt-PT" sz="4800" spc="-1">
-                <a:solidFill>
-                  <a:srgbClr val="000000"/>
-                </a:solidFill>
-                <a:latin typeface="Calibri"/>
-              </a:rPr>
-              <a:t>de atividades</a:t>
-            </a:r>
-            <a:endParaRPr lang="pt-PT" sz="4800" b="0" strike="noStrike" spc="-1" dirty="0">
+              <a:t>Avaliação</a:t>
+            </a:r>
+            <a:endParaRPr lang="pt-PT" sz="2000" b="0" strike="noStrike" spc="-1" dirty="0">
               <a:solidFill>
-                <a:srgbClr val="000000"/>
+                <a:srgbClr val="404040"/>
+              </a:solidFill>
+              <a:latin typeface="Calibri"/>
+            </a:endParaRPr>
+          </a:p>
+          <a:p>
+            <a:pPr marL="450900" indent="-342900">
+              <a:spcBef>
+                <a:spcPts val="1417"/>
+              </a:spcBef>
+              <a:buClr>
+                <a:schemeClr val="accent1"/>
+              </a:buClr>
+              <a:buSzPct val="45000"/>
+              <a:buFont typeface="Courier New" panose="02070309020205020404" pitchFamily="49" charset="0"/>
+              <a:buChar char="o"/>
+            </a:pPr>
+            <a:endParaRPr lang="pt-PT" sz="2000" b="0" strike="noStrike" spc="-1" dirty="0">
+              <a:solidFill>
+                <a:srgbClr val="404040"/>
               </a:solidFill>
               <a:latin typeface="Calibri"/>
             </a:endParaRPr>
@@ -10535,7 +13780,7 @@
           <p:nvPr/>
         </p:nvPicPr>
         <p:blipFill>
-          <a:blip r:embed="rId2"/>
+          <a:blip r:embed="rId3"/>
           <a:stretch/>
         </p:blipFill>
         <p:spPr>
@@ -10560,7 +13805,7 @@
         <p:spPr>
           <a:xfrm>
             <a:off x="1411560" y="177480"/>
-            <a:ext cx="3071160" cy="521766"/>
+            <a:ext cx="3328220" cy="521766"/>
           </a:xfrm>
           <a:prstGeom prst="rect">
             <a:avLst/>
@@ -10583,10 +13828,21 @@
           <a:fontRef idx="minor"/>
         </p:style>
         <p:txBody>
-          <a:bodyPr lIns="90000" tIns="45000" rIns="90000" bIns="45000" anchor="t">
+          <a:bodyPr wrap="square" lIns="90000" tIns="45000" rIns="90000" bIns="45000" anchor="t">
             <a:spAutoFit/>
           </a:bodyPr>
           <a:lstStyle/>
+          <a:p>
+            <a:r>
+              <a:rPr lang="pt-PT" sz="1400" spc="-1" dirty="0">
+                <a:solidFill>
+                  <a:srgbClr val="000000"/>
+                </a:solidFill>
+                <a:latin typeface="Calibri Light"/>
+              </a:rPr>
+              <a:t>Aprendizagem e Decisão Inteligentes</a:t>
+            </a:r>
+          </a:p>
           <a:p>
             <a:pPr>
               <a:lnSpc>
@@ -10601,26 +13857,6 @@
                 </a:solidFill>
                 <a:latin typeface="Calibri Light"/>
               </a:rPr>
-              <a:t>Laboratórios de Informática IV </a:t>
-            </a:r>
-            <a:endParaRPr lang="pt-PT" sz="1400" b="0" strike="noStrike" spc="-1" dirty="0">
-              <a:latin typeface="Arial"/>
-            </a:endParaRPr>
-          </a:p>
-          <a:p>
-            <a:pPr>
-              <a:lnSpc>
-                <a:spcPct val="100000"/>
-              </a:lnSpc>
-              <a:buNone/>
-            </a:pPr>
-            <a:r>
-              <a:rPr lang="pt-PT" sz="1400" b="0" strike="noStrike" spc="-1" dirty="0">
-                <a:solidFill>
-                  <a:srgbClr val="000000"/>
-                </a:solidFill>
-                <a:latin typeface="Calibri Light"/>
-              </a:rPr>
               <a:t>Ano letivo 2022/2023</a:t>
             </a:r>
             <a:endParaRPr lang="pt-PT" sz="1400" b="0" strike="noStrike" spc="-1" dirty="0">
@@ -10648,108 +13884,14 @@
               <a:rPr/>
               <a:t>8</a:t>
             </a:fld>
-            <a:endParaRPr dirty="0"/>
-          </a:p>
-        </p:txBody>
-      </p:sp>
-      <p:pic>
-        <p:nvPicPr>
-          <p:cNvPr id="3074" name="Picture 2">
-            <a:extLst>
-              <a:ext uri="{FF2B5EF4-FFF2-40B4-BE49-F238E27FC236}">
-                <a16:creationId xmlns:a16="http://schemas.microsoft.com/office/drawing/2014/main" id="{C81B84D8-BF4A-D452-B30F-2E99892EA727}"/>
-              </a:ext>
-            </a:extLst>
-          </p:cNvPr>
-          <p:cNvPicPr>
-            <a:picLocks noChangeAspect="1" noChangeArrowheads="1"/>
-          </p:cNvPicPr>
-          <p:nvPr/>
-        </p:nvPicPr>
-        <p:blipFill>
-          <a:blip r:embed="rId3" cstate="print">
-            <a:extLst>
-              <a:ext uri="{28A0092B-C50C-407E-A947-70E740481C1C}">
-                <a14:useLocalDpi xmlns:a14="http://schemas.microsoft.com/office/drawing/2010/main" val="0"/>
-              </a:ext>
-            </a:extLst>
-          </a:blip>
-          <a:srcRect/>
-          <a:stretch>
-            <a:fillRect/>
-          </a:stretch>
-        </p:blipFill>
-        <p:spPr bwMode="auto">
-          <a:xfrm>
-            <a:off x="426357" y="2078966"/>
-            <a:ext cx="5397500" cy="3042035"/>
-          </a:xfrm>
-          <a:prstGeom prst="rect">
-            <a:avLst/>
-          </a:prstGeom>
-          <a:noFill/>
-          <a:extLst>
-            <a:ext uri="{909E8E84-426E-40DD-AFC4-6F175D3DCCD1}">
-              <a14:hiddenFill xmlns:a14="http://schemas.microsoft.com/office/drawing/2010/main">
-                <a:solidFill>
-                  <a:srgbClr val="FFFFFF"/>
-                </a:solidFill>
-              </a14:hiddenFill>
-            </a:ext>
-          </a:extLst>
-        </p:spPr>
-      </p:pic>
-      <p:pic>
-        <p:nvPicPr>
-          <p:cNvPr id="3076" name="Picture 4">
-            <a:extLst>
-              <a:ext uri="{FF2B5EF4-FFF2-40B4-BE49-F238E27FC236}">
-                <a16:creationId xmlns:a16="http://schemas.microsoft.com/office/drawing/2014/main" id="{F7C2FA58-F636-83E2-388F-B89ABE492972}"/>
-              </a:ext>
-            </a:extLst>
-          </p:cNvPr>
-          <p:cNvPicPr>
-            <a:picLocks noChangeAspect="1" noChangeArrowheads="1"/>
-          </p:cNvPicPr>
-          <p:nvPr/>
-        </p:nvPicPr>
-        <p:blipFill>
-          <a:blip r:embed="rId4" cstate="print">
-            <a:extLst>
-              <a:ext uri="{28A0092B-C50C-407E-A947-70E740481C1C}">
-                <a14:useLocalDpi xmlns:a14="http://schemas.microsoft.com/office/drawing/2010/main" val="0"/>
-              </a:ext>
-            </a:extLst>
-          </a:blip>
-          <a:srcRect/>
-          <a:stretch>
-            <a:fillRect/>
-          </a:stretch>
-        </p:blipFill>
-        <p:spPr bwMode="auto">
-          <a:xfrm>
-            <a:off x="5823857" y="2066858"/>
-            <a:ext cx="5397499" cy="3042035"/>
-          </a:xfrm>
-          <a:prstGeom prst="rect">
-            <a:avLst/>
-          </a:prstGeom>
-          <a:noFill/>
-          <a:extLst>
-            <a:ext uri="{909E8E84-426E-40DD-AFC4-6F175D3DCCD1}">
-              <a14:hiddenFill xmlns:a14="http://schemas.microsoft.com/office/drawing/2010/main">
-                <a:solidFill>
-                  <a:srgbClr val="FFFFFF"/>
-                </a:solidFill>
-              </a14:hiddenFill>
-            </a:ext>
-          </a:extLst>
-        </p:spPr>
-      </p:pic>
+            <a:endParaRPr/>
+          </a:p>
+        </p:txBody>
+      </p:sp>
     </p:spTree>
     <p:extLst>
       <p:ext uri="{BB962C8B-B14F-4D97-AF65-F5344CB8AC3E}">
-        <p14:creationId xmlns:p14="http://schemas.microsoft.com/office/powerpoint/2010/main" val="2616273531"/>
+        <p14:creationId xmlns:p14="http://schemas.microsoft.com/office/powerpoint/2010/main" val="3584101409"/>
       </p:ext>
     </p:extLst>
   </p:cSld>
@@ -10762,7 +13904,7 @@
         <p:fade/>
       </p:transition>
     </mc:Choice>
-    <mc:Fallback xmlns="">
+    <mc:Fallback xmlns:p15="http://schemas.microsoft.com/office/powerpoint/2012/main" xmlns="">
       <p:transition spd="med">
         <p:fade/>
       </p:transition>
@@ -10817,33 +13959,108 @@
           </a:bodyPr>
           <a:lstStyle/>
           <a:p>
-            <a:pPr algn="ctr">
-              <a:lnSpc>
-                <a:spcPct val="85000"/>
-              </a:lnSpc>
-              <a:buNone/>
+            <a:pPr marL="108000" algn="ctr">
+              <a:spcBef>
+                <a:spcPts val="1417"/>
+              </a:spcBef>
+              <a:buClr>
+                <a:schemeClr val="accent1"/>
+              </a:buClr>
+              <a:buSzPct val="45000"/>
             </a:pPr>
             <a:r>
-              <a:rPr lang="pt-PT" sz="4800" spc="-1" dirty="0">
+              <a:rPr lang="pt-PT" sz="3600" dirty="0">
+                <a:latin typeface="Arial" panose="020B0604020202020204" pitchFamily="34" charset="0"/>
+              </a:rPr>
+              <a:t>Vendas e Avaliações Globais de Videojogos</a:t>
+            </a:r>
+          </a:p>
+        </p:txBody>
+      </p:sp>
+      <p:sp>
+        <p:nvSpPr>
+          <p:cNvPr id="96" name="PlaceHolder 2"/>
+          <p:cNvSpPr>
+            <a:spLocks noGrp="1"/>
+          </p:cNvSpPr>
+          <p:nvPr>
+            <p:ph/>
+          </p:nvPr>
+        </p:nvSpPr>
+        <p:spPr>
+          <a:xfrm>
+            <a:off x="1066980" y="1846080"/>
+            <a:ext cx="10058040" cy="4023000"/>
+          </a:xfrm>
+          <a:prstGeom prst="rect">
+            <a:avLst/>
+          </a:prstGeom>
+          <a:noFill/>
+          <a:ln w="0">
+            <a:noFill/>
+          </a:ln>
+        </p:spPr>
+        <p:txBody>
+          <a:bodyPr lIns="0" rIns="0" anchor="t">
+            <a:noAutofit/>
+          </a:bodyPr>
+          <a:lstStyle/>
+          <a:p>
+            <a:pPr marL="450900" indent="-342900">
+              <a:spcBef>
+                <a:spcPts val="1417"/>
+              </a:spcBef>
+              <a:buClr>
+                <a:schemeClr val="accent1"/>
+              </a:buClr>
+              <a:buSzPct val="45000"/>
+              <a:buFont typeface="Courier New" panose="02070309020205020404" pitchFamily="49" charset="0"/>
+              <a:buChar char="o"/>
+            </a:pPr>
+            <a:r>
+              <a:rPr lang="pt-PT" sz="2000" spc="-1" dirty="0">
                 <a:solidFill>
-                  <a:srgbClr val="000000"/>
+                  <a:srgbClr val="404040"/>
                 </a:solidFill>
                 <a:latin typeface="Calibri"/>
               </a:rPr>
-              <a:t>Diagramas </a:t>
-            </a:r>
-            <a:r>
-              <a:rPr lang="pt-PT" sz="4800" spc="-1">
-                <a:solidFill>
-                  <a:srgbClr val="000000"/>
-                </a:solidFill>
-                <a:latin typeface="Calibri"/>
-              </a:rPr>
-              <a:t>de atividades</a:t>
-            </a:r>
-            <a:endParaRPr lang="pt-PT" sz="4800" b="0" strike="noStrike" spc="-1" dirty="0">
+              <a:t>Sugestões e Recomendações</a:t>
+            </a:r>
+          </a:p>
+          <a:p>
+            <a:pPr marL="450900" indent="-342900">
+              <a:spcBef>
+                <a:spcPts val="1417"/>
+              </a:spcBef>
+              <a:buClr>
+                <a:schemeClr val="accent1"/>
+              </a:buClr>
+              <a:buSzPct val="45000"/>
+              <a:buFont typeface="Courier New" panose="02070309020205020404" pitchFamily="49" charset="0"/>
+              <a:buChar char="o"/>
+            </a:pPr>
+            <a:endParaRPr lang="pt-PT" sz="2000" b="0" strike="noStrike" spc="-1" dirty="0">
               <a:solidFill>
-                <a:srgbClr val="000000"/>
+                <a:srgbClr val="404040"/>
+              </a:solidFill>
+              <a:latin typeface="Calibri"/>
+            </a:endParaRPr>
+          </a:p>
+          <a:p>
+            <a:pPr marL="450900" indent="-342900">
+              <a:spcBef>
+                <a:spcPts val="1417"/>
+              </a:spcBef>
+              <a:buClr>
+                <a:schemeClr val="accent1"/>
+              </a:buClr>
+              <a:buSzPct val="45000"/>
+              <a:buFont typeface="Courier New" panose="02070309020205020404" pitchFamily="49" charset="0"/>
+              <a:buChar char="o"/>
+            </a:pPr>
+            <a:endParaRPr lang="pt-PT" sz="2000" b="0" strike="noStrike" spc="-1" dirty="0">
+              <a:solidFill>
+                <a:srgbClr val="404040"/>
               </a:solidFill>
               <a:latin typeface="Calibri"/>
             </a:endParaRPr>
@@ -10857,7 +14074,7 @@
           <p:nvPr/>
         </p:nvPicPr>
         <p:blipFill>
-          <a:blip r:embed="rId2"/>
+          <a:blip r:embed="rId3"/>
           <a:stretch/>
         </p:blipFill>
         <p:spPr>
@@ -10882,7 +14099,7 @@
         <p:spPr>
           <a:xfrm>
             <a:off x="1411560" y="177480"/>
-            <a:ext cx="3071160" cy="521766"/>
+            <a:ext cx="3328220" cy="521766"/>
           </a:xfrm>
           <a:prstGeom prst="rect">
             <a:avLst/>
@@ -10905,10 +14122,21 @@
           <a:fontRef idx="minor"/>
         </p:style>
         <p:txBody>
-          <a:bodyPr lIns="90000" tIns="45000" rIns="90000" bIns="45000" anchor="t">
+          <a:bodyPr wrap="square" lIns="90000" tIns="45000" rIns="90000" bIns="45000" anchor="t">
             <a:spAutoFit/>
           </a:bodyPr>
           <a:lstStyle/>
+          <a:p>
+            <a:r>
+              <a:rPr lang="pt-PT" sz="1400" spc="-1" dirty="0">
+                <a:solidFill>
+                  <a:srgbClr val="000000"/>
+                </a:solidFill>
+                <a:latin typeface="Calibri Light"/>
+              </a:rPr>
+              <a:t>Aprendizagem e Decisão Inteligentes</a:t>
+            </a:r>
+          </a:p>
           <a:p>
             <a:pPr>
               <a:lnSpc>
@@ -10923,26 +14151,6 @@
                 </a:solidFill>
                 <a:latin typeface="Calibri Light"/>
               </a:rPr>
-              <a:t>Laboratórios de Informática IV </a:t>
-            </a:r>
-            <a:endParaRPr lang="pt-PT" sz="1400" b="0" strike="noStrike" spc="-1" dirty="0">
-              <a:latin typeface="Arial"/>
-            </a:endParaRPr>
-          </a:p>
-          <a:p>
-            <a:pPr>
-              <a:lnSpc>
-                <a:spcPct val="100000"/>
-              </a:lnSpc>
-              <a:buNone/>
-            </a:pPr>
-            <a:r>
-              <a:rPr lang="pt-PT" sz="1400" b="0" strike="noStrike" spc="-1" dirty="0">
-                <a:solidFill>
-                  <a:srgbClr val="000000"/>
-                </a:solidFill>
-                <a:latin typeface="Calibri Light"/>
-              </a:rPr>
               <a:t>Ano letivo 2022/2023</a:t>
             </a:r>
             <a:endParaRPr lang="pt-PT" sz="1400" b="0" strike="noStrike" spc="-1" dirty="0">
@@ -10970,155 +14178,14 @@
               <a:rPr/>
               <a:t>9</a:t>
             </a:fld>
-            <a:endParaRPr dirty="0"/>
-          </a:p>
-        </p:txBody>
-      </p:sp>
-      <p:pic>
-        <p:nvPicPr>
-          <p:cNvPr id="4098" name="Picture 2">
-            <a:extLst>
-              <a:ext uri="{FF2B5EF4-FFF2-40B4-BE49-F238E27FC236}">
-                <a16:creationId xmlns:a16="http://schemas.microsoft.com/office/drawing/2014/main" id="{CAE58E9E-468C-FE30-D05C-955CCBD6E324}"/>
-              </a:ext>
-            </a:extLst>
-          </p:cNvPr>
-          <p:cNvPicPr>
-            <a:picLocks noChangeAspect="1" noChangeArrowheads="1"/>
-          </p:cNvPicPr>
-          <p:nvPr/>
-        </p:nvPicPr>
-        <p:blipFill>
-          <a:blip r:embed="rId3" cstate="print">
-            <a:extLst>
-              <a:ext uri="{28A0092B-C50C-407E-A947-70E740481C1C}">
-                <a14:useLocalDpi xmlns:a14="http://schemas.microsoft.com/office/drawing/2010/main" val="0"/>
-              </a:ext>
-            </a:extLst>
-          </a:blip>
-          <a:srcRect/>
-          <a:stretch>
-            <a:fillRect/>
-          </a:stretch>
-        </p:blipFill>
-        <p:spPr bwMode="auto">
-          <a:xfrm>
-            <a:off x="163440" y="1737000"/>
-            <a:ext cx="4577556" cy="2579914"/>
-          </a:xfrm>
-          <a:prstGeom prst="rect">
-            <a:avLst/>
-          </a:prstGeom>
-          <a:noFill/>
-          <a:extLst>
-            <a:ext uri="{909E8E84-426E-40DD-AFC4-6F175D3DCCD1}">
-              <a14:hiddenFill xmlns:a14="http://schemas.microsoft.com/office/drawing/2010/main">
-                <a:solidFill>
-                  <a:srgbClr val="FFFFFF"/>
-                </a:solidFill>
-              </a14:hiddenFill>
-            </a:ext>
-          </a:extLst>
-        </p:spPr>
-      </p:pic>
-      <p:pic>
-        <p:nvPicPr>
-          <p:cNvPr id="4100" name="Picture 4">
-            <a:extLst>
-              <a:ext uri="{FF2B5EF4-FFF2-40B4-BE49-F238E27FC236}">
-                <a16:creationId xmlns:a16="http://schemas.microsoft.com/office/drawing/2014/main" id="{4062FEED-9BFD-5688-F5C0-24ECE08A683F}"/>
-              </a:ext>
-            </a:extLst>
-          </p:cNvPr>
-          <p:cNvPicPr>
-            <a:picLocks noChangeAspect="1" noChangeArrowheads="1"/>
-          </p:cNvPicPr>
-          <p:nvPr/>
-        </p:nvPicPr>
-        <p:blipFill>
-          <a:blip r:embed="rId4" cstate="print">
-            <a:extLst>
-              <a:ext uri="{28A0092B-C50C-407E-A947-70E740481C1C}">
-                <a14:useLocalDpi xmlns:a14="http://schemas.microsoft.com/office/drawing/2010/main" val="0"/>
-              </a:ext>
-            </a:extLst>
-          </a:blip>
-          <a:srcRect/>
-          <a:stretch>
-            <a:fillRect/>
-          </a:stretch>
-        </p:blipFill>
-        <p:spPr bwMode="auto">
-          <a:xfrm>
-            <a:off x="3240581" y="3813324"/>
-            <a:ext cx="4339885" cy="2445962"/>
-          </a:xfrm>
-          <a:prstGeom prst="rect">
-            <a:avLst/>
-          </a:prstGeom>
-          <a:noFill/>
-          <a:extLst>
-            <a:ext uri="{909E8E84-426E-40DD-AFC4-6F175D3DCCD1}">
-              <a14:hiddenFill xmlns:a14="http://schemas.microsoft.com/office/drawing/2010/main">
-                <a:solidFill>
-                  <a:srgbClr val="FFFFFF"/>
-                </a:solidFill>
-              </a14:hiddenFill>
-            </a:ext>
-          </a:extLst>
-        </p:spPr>
-      </p:pic>
-      <p:pic>
-        <p:nvPicPr>
-          <p:cNvPr id="4102" name="Picture 6">
-            <a:extLst>
-              <a:ext uri="{FF2B5EF4-FFF2-40B4-BE49-F238E27FC236}">
-                <a16:creationId xmlns:a16="http://schemas.microsoft.com/office/drawing/2014/main" id="{7E2DB134-2FDE-8A0D-5A3B-C468E8DE5199}"/>
-              </a:ext>
-            </a:extLst>
-          </p:cNvPr>
-          <p:cNvPicPr>
-            <a:picLocks noChangeAspect="1" noChangeArrowheads="1"/>
-          </p:cNvPicPr>
-          <p:nvPr/>
-        </p:nvPicPr>
-        <p:blipFill>
-          <a:blip r:embed="rId5" cstate="print">
-            <a:extLst>
-              <a:ext uri="{28A0092B-C50C-407E-A947-70E740481C1C}">
-                <a14:useLocalDpi xmlns:a14="http://schemas.microsoft.com/office/drawing/2010/main" val="0"/>
-              </a:ext>
-            </a:extLst>
-          </a:blip>
-          <a:srcRect/>
-          <a:stretch>
-            <a:fillRect/>
-          </a:stretch>
-        </p:blipFill>
-        <p:spPr bwMode="auto">
-          <a:xfrm>
-            <a:off x="7580466" y="1737000"/>
-            <a:ext cx="4339886" cy="2445963"/>
-          </a:xfrm>
-          <a:prstGeom prst="rect">
-            <a:avLst/>
-          </a:prstGeom>
-          <a:noFill/>
-          <a:extLst>
-            <a:ext uri="{909E8E84-426E-40DD-AFC4-6F175D3DCCD1}">
-              <a14:hiddenFill xmlns:a14="http://schemas.microsoft.com/office/drawing/2010/main">
-                <a:solidFill>
-                  <a:srgbClr val="FFFFFF"/>
-                </a:solidFill>
-              </a14:hiddenFill>
-            </a:ext>
-          </a:extLst>
-        </p:spPr>
-      </p:pic>
+            <a:endParaRPr/>
+          </a:p>
+        </p:txBody>
+      </p:sp>
     </p:spTree>
     <p:extLst>
       <p:ext uri="{BB962C8B-B14F-4D97-AF65-F5344CB8AC3E}">
-        <p14:creationId xmlns:p14="http://schemas.microsoft.com/office/powerpoint/2010/main" val="886840626"/>
+        <p14:creationId xmlns:p14="http://schemas.microsoft.com/office/powerpoint/2010/main" val="3259165935"/>
       </p:ext>
     </p:extLst>
   </p:cSld>
@@ -11131,7 +14198,7 @@
         <p:fade/>
       </p:transition>
     </mc:Choice>
-    <mc:Fallback xmlns="">
+    <mc:Fallback xmlns:p15="http://schemas.microsoft.com/office/powerpoint/2012/main" xmlns="">
       <p:transition spd="med">
         <p:fade/>
       </p:transition>
